--- a/docs/slides/Edit.pptx
+++ b/docs/slides/Edit.pptx
@@ -209,7 +209,7 @@
           <a:p>
             <a:fld id="{9629A0FB-7277-41B0-BEC2-EE35F8B0CE39}" type="datetimeFigureOut">
               <a:rPr lang="en-SG" smtClean="0"/>
-              <a:t>2/4/2020</a:t>
+              <a:t>4/4/2020</a:t>
             </a:fld>
             <a:endParaRPr lang="en-SG"/>
           </a:p>
@@ -3907,10 +3907,10 @@
       </p:grpSpPr>
       <p:grpSp>
         <p:nvGrpSpPr>
-          <p:cNvPr id="3" name="Group 2">
+          <p:cNvPr id="2" name="Group 1">
             <a:extLst>
               <a:ext uri="{FF2B5EF4-FFF2-40B4-BE49-F238E27FC236}">
-                <a16:creationId xmlns:a16="http://schemas.microsoft.com/office/drawing/2014/main" id="{063286F6-5D39-4437-ACED-6D1C0564FDCB}"/>
+                <a16:creationId xmlns:a16="http://schemas.microsoft.com/office/drawing/2014/main" id="{EC01F903-F0F6-475B-AB5A-C450B5623410}"/>
               </a:ext>
             </a:extLst>
           </p:cNvPr>
@@ -3919,1689 +3919,18 @@
         </p:nvGrpSpPr>
         <p:grpSpPr>
           <a:xfrm>
-            <a:off x="210674" y="162674"/>
-            <a:ext cx="8469191" cy="6460350"/>
-            <a:chOff x="117858" y="197507"/>
-            <a:chExt cx="8414026" cy="7666741"/>
-          </a:xfrm>
-        </p:grpSpPr>
-        <p:sp>
-          <p:nvSpPr>
-            <p:cNvPr id="5" name="Line 13"/>
-            <p:cNvSpPr>
-              <a:spLocks noChangeShapeType="1"/>
-            </p:cNvSpPr>
-            <p:nvPr/>
-          </p:nvSpPr>
-          <p:spPr bwMode="auto">
-            <a:xfrm flipH="1">
-              <a:off x="721298" y="839834"/>
-              <a:ext cx="0" cy="7024414"/>
-            </a:xfrm>
-            <a:prstGeom prst="line">
-              <a:avLst/>
-            </a:prstGeom>
-            <a:ln>
-              <a:solidFill>
-                <a:schemeClr val="accent2">
-                  <a:lumMod val="60000"/>
-                  <a:lumOff val="40000"/>
-                </a:schemeClr>
-              </a:solidFill>
-              <a:prstDash val="sysDash"/>
-              <a:headEnd/>
-              <a:tailEnd/>
-            </a:ln>
-          </p:spPr>
-          <p:style>
-            <a:lnRef idx="2">
-              <a:schemeClr val="accent4"/>
-            </a:lnRef>
-            <a:fillRef idx="0">
-              <a:schemeClr val="accent4"/>
-            </a:fillRef>
-            <a:effectRef idx="1">
-              <a:schemeClr val="accent4"/>
-            </a:effectRef>
-            <a:fontRef idx="minor">
-              <a:schemeClr val="tx1"/>
-            </a:fontRef>
-          </p:style>
-          <p:txBody>
-            <a:bodyPr/>
-            <a:lstStyle/>
-            <a:p>
-              <a:pPr defTabSz="872733"/>
-              <a:endParaRPr lang="en-US" sz="1500">
-                <a:solidFill>
-                  <a:prstClr val="black"/>
-                </a:solidFill>
-              </a:endParaRPr>
-            </a:p>
-          </p:txBody>
-        </p:sp>
-        <p:sp>
-          <p:nvSpPr>
-            <p:cNvPr id="6" name="Text Box 11"/>
-            <p:cNvSpPr txBox="1">
-              <a:spLocks noChangeArrowheads="1"/>
-            </p:cNvSpPr>
-            <p:nvPr/>
-          </p:nvSpPr>
-          <p:spPr bwMode="auto">
-            <a:xfrm>
-              <a:off x="2632951" y="914632"/>
-              <a:ext cx="967275" cy="600164"/>
-            </a:xfrm>
-            <a:prstGeom prst="rect">
-              <a:avLst/>
-            </a:prstGeom>
-            <a:solidFill>
-              <a:schemeClr val="accent4">
-                <a:lumMod val="40000"/>
-                <a:lumOff val="60000"/>
-              </a:schemeClr>
-            </a:solidFill>
-            <a:ln w="19050">
-              <a:solidFill>
-                <a:schemeClr val="accent4">
-                  <a:lumMod val="75000"/>
-                </a:schemeClr>
-              </a:solidFill>
-              <a:headEnd/>
-              <a:tailEnd/>
-            </a:ln>
-          </p:spPr>
-          <p:style>
-            <a:lnRef idx="1">
-              <a:schemeClr val="accent4"/>
-            </a:lnRef>
-            <a:fillRef idx="2">
-              <a:schemeClr val="accent4"/>
-            </a:fillRef>
-            <a:effectRef idx="1">
-              <a:schemeClr val="accent4"/>
-            </a:effectRef>
-            <a:fontRef idx="minor">
-              <a:schemeClr val="dk1"/>
-            </a:fontRef>
-          </p:style>
-          <p:txBody>
-            <a:bodyPr wrap="square" tIns="182880" bIns="182880">
-              <a:spAutoFit/>
-            </a:bodyPr>
-            <a:lstStyle/>
-            <a:p>
-              <a:pPr algn="ctr" defTabSz="872733">
-                <a:spcBef>
-                  <a:spcPct val="50000"/>
-                </a:spcBef>
-                <a:buFont typeface="Wingdings" pitchFamily="2" charset="2"/>
-                <a:buNone/>
-              </a:pPr>
-              <a:r>
-                <a:rPr lang="en-US" sz="1500" dirty="0">
-                  <a:solidFill>
-                    <a:prstClr val="black"/>
-                  </a:solidFill>
-                </a:rPr>
-                <a:t>:Parser</a:t>
-              </a:r>
-            </a:p>
-          </p:txBody>
-        </p:sp>
-        <p:sp>
-          <p:nvSpPr>
-            <p:cNvPr id="20" name="Line 15"/>
-            <p:cNvSpPr>
-              <a:spLocks noChangeShapeType="1"/>
-            </p:cNvSpPr>
-            <p:nvPr/>
-          </p:nvSpPr>
-          <p:spPr bwMode="auto">
-            <a:xfrm flipV="1">
-              <a:off x="728769" y="1273822"/>
-              <a:ext cx="1904183" cy="0"/>
-            </a:xfrm>
-            <a:prstGeom prst="line">
-              <a:avLst/>
-            </a:prstGeom>
-            <a:noFill/>
-            <a:ln w="19050">
-              <a:solidFill>
-                <a:srgbClr val="7030A0"/>
-              </a:solidFill>
-              <a:round/>
-              <a:headEnd/>
-              <a:tailEnd type="triangle" w="lg" len="lg"/>
-            </a:ln>
-          </p:spPr>
-          <p:txBody>
-            <a:bodyPr/>
-            <a:lstStyle/>
-            <a:p>
-              <a:pPr defTabSz="872733"/>
-              <a:endParaRPr lang="en-US" sz="1500">
-                <a:solidFill>
-                  <a:prstClr val="black"/>
-                </a:solidFill>
-              </a:endParaRPr>
-            </a:p>
-          </p:txBody>
-        </p:sp>
-        <p:sp>
-          <p:nvSpPr>
-            <p:cNvPr id="19" name="Line 13"/>
-            <p:cNvSpPr>
-              <a:spLocks noChangeShapeType="1"/>
-            </p:cNvSpPr>
-            <p:nvPr/>
-          </p:nvSpPr>
-          <p:spPr bwMode="auto">
-            <a:xfrm>
-              <a:off x="3143305" y="1536670"/>
-              <a:ext cx="0" cy="2698375"/>
-            </a:xfrm>
-            <a:prstGeom prst="line">
-              <a:avLst/>
-            </a:prstGeom>
-            <a:ln>
-              <a:solidFill>
-                <a:schemeClr val="accent4">
-                  <a:lumMod val="75000"/>
-                </a:schemeClr>
-              </a:solidFill>
-              <a:prstDash val="sysDash"/>
-              <a:headEnd/>
-              <a:tailEnd/>
-            </a:ln>
-          </p:spPr>
-          <p:style>
-            <a:lnRef idx="2">
-              <a:schemeClr val="accent4"/>
-            </a:lnRef>
-            <a:fillRef idx="0">
-              <a:schemeClr val="accent4"/>
-            </a:fillRef>
-            <a:effectRef idx="1">
-              <a:schemeClr val="accent4"/>
-            </a:effectRef>
-            <a:fontRef idx="minor">
-              <a:schemeClr val="tx1"/>
-            </a:fontRef>
-          </p:style>
-          <p:txBody>
-            <a:bodyPr/>
-            <a:lstStyle/>
-            <a:p>
-              <a:pPr defTabSz="872733"/>
-              <a:endParaRPr lang="en-US" sz="1500" dirty="0">
-                <a:solidFill>
-                  <a:prstClr val="black"/>
-                </a:solidFill>
-              </a:endParaRPr>
-            </a:p>
-          </p:txBody>
-        </p:sp>
-        <p:sp>
-          <p:nvSpPr>
-            <p:cNvPr id="21" name="Text Box 25"/>
-            <p:cNvSpPr txBox="1">
-              <a:spLocks noChangeArrowheads="1"/>
-            </p:cNvSpPr>
-            <p:nvPr/>
-          </p:nvSpPr>
-          <p:spPr bwMode="auto">
-            <a:xfrm>
-              <a:off x="6125564" y="4267781"/>
-              <a:ext cx="1584515" cy="323165"/>
-            </a:xfrm>
-            <a:prstGeom prst="rect">
-              <a:avLst/>
-            </a:prstGeom>
-            <a:noFill/>
-            <a:ln w="12700" algn="ctr">
-              <a:noFill/>
-              <a:miter lim="800000"/>
-              <a:headEnd/>
-              <a:tailEnd/>
-            </a:ln>
-          </p:spPr>
-          <p:txBody>
-            <a:bodyPr wrap="square">
-              <a:spAutoFit/>
-            </a:bodyPr>
-            <a:lstStyle/>
-            <a:p>
-              <a:pPr defTabSz="872733">
-                <a:spcBef>
-                  <a:spcPct val="50000"/>
-                </a:spcBef>
-                <a:buFont typeface="Wingdings" pitchFamily="2" charset="2"/>
-                <a:buNone/>
-              </a:pPr>
-              <a:r>
-                <a:rPr lang="en-US" sz="1500" i="1" dirty="0" err="1"/>
-                <a:t>getItem</a:t>
-              </a:r>
-              <a:r>
-                <a:rPr lang="en-US" sz="1500" i="1" dirty="0"/>
-                <a:t>(index)</a:t>
-              </a:r>
-            </a:p>
-          </p:txBody>
-        </p:sp>
-        <p:sp>
-          <p:nvSpPr>
-            <p:cNvPr id="24" name="Line 15"/>
-            <p:cNvSpPr>
-              <a:spLocks noChangeShapeType="1"/>
-            </p:cNvSpPr>
-            <p:nvPr/>
-          </p:nvSpPr>
-          <p:spPr bwMode="auto">
-            <a:xfrm flipV="1">
-              <a:off x="3159315" y="2819959"/>
-              <a:ext cx="1720998" cy="0"/>
-            </a:xfrm>
-            <a:prstGeom prst="line">
-              <a:avLst/>
-            </a:prstGeom>
-            <a:noFill/>
-            <a:ln w="19050">
-              <a:solidFill>
-                <a:schemeClr val="accent3">
-                  <a:lumMod val="75000"/>
-                </a:schemeClr>
-              </a:solidFill>
-              <a:round/>
-              <a:headEnd/>
-              <a:tailEnd type="triangle" w="lg" len="lg"/>
-            </a:ln>
-          </p:spPr>
-          <p:txBody>
-            <a:bodyPr/>
-            <a:lstStyle/>
-            <a:p>
-              <a:pPr defTabSz="872733"/>
-              <a:endParaRPr lang="en-US" sz="1500">
-                <a:solidFill>
-                  <a:prstClr val="black"/>
-                </a:solidFill>
-              </a:endParaRPr>
-            </a:p>
-          </p:txBody>
-        </p:sp>
-        <p:sp>
-          <p:nvSpPr>
-            <p:cNvPr id="25" name="Text Box 25"/>
-            <p:cNvSpPr txBox="1">
-              <a:spLocks noChangeArrowheads="1"/>
-            </p:cNvSpPr>
-            <p:nvPr/>
-          </p:nvSpPr>
-          <p:spPr bwMode="auto">
-            <a:xfrm>
-              <a:off x="872562" y="1839153"/>
-              <a:ext cx="2500554" cy="323165"/>
-            </a:xfrm>
-            <a:prstGeom prst="rect">
-              <a:avLst/>
-            </a:prstGeom>
-            <a:noFill/>
-            <a:ln w="12700" algn="ctr">
-              <a:noFill/>
-              <a:miter lim="800000"/>
-              <a:headEnd/>
-              <a:tailEnd/>
-            </a:ln>
-          </p:spPr>
-          <p:txBody>
-            <a:bodyPr wrap="square">
-              <a:spAutoFit/>
-            </a:bodyPr>
-            <a:lstStyle/>
-            <a:p>
-              <a:pPr defTabSz="872733">
-                <a:spcBef>
-                  <a:spcPct val="50000"/>
-                </a:spcBef>
-                <a:buFont typeface="Wingdings" pitchFamily="2" charset="2"/>
-                <a:buNone/>
-              </a:pPr>
-              <a:r>
-                <a:rPr lang="en-US" sz="1500" i="1" dirty="0" err="1"/>
-                <a:t>parseCommand</a:t>
-              </a:r>
-              <a:r>
-                <a:rPr lang="en-US" sz="1500" i="1" dirty="0"/>
-                <a:t>(</a:t>
-              </a:r>
-              <a:r>
-                <a:rPr lang="en-US" sz="1500" i="1" dirty="0" err="1"/>
-                <a:t>userInput</a:t>
-              </a:r>
-              <a:r>
-                <a:rPr lang="en-US" sz="1500" i="1" dirty="0"/>
-                <a:t>)</a:t>
-              </a:r>
-            </a:p>
-          </p:txBody>
-        </p:sp>
-        <p:sp>
-          <p:nvSpPr>
-            <p:cNvPr id="29" name="Text Box 25"/>
-            <p:cNvSpPr txBox="1">
-              <a:spLocks noChangeArrowheads="1"/>
-            </p:cNvSpPr>
-            <p:nvPr/>
-          </p:nvSpPr>
-          <p:spPr bwMode="auto">
-            <a:xfrm>
-              <a:off x="1133142" y="2795516"/>
-              <a:ext cx="1710047" cy="657450"/>
-            </a:xfrm>
-            <a:prstGeom prst="rect">
-              <a:avLst/>
-            </a:prstGeom>
-            <a:noFill/>
-            <a:ln w="12700" algn="ctr">
-              <a:noFill/>
-              <a:miter lim="800000"/>
-              <a:headEnd/>
-              <a:tailEnd/>
-            </a:ln>
-          </p:spPr>
-          <p:txBody>
-            <a:bodyPr wrap="square">
-              <a:spAutoFit/>
-            </a:bodyPr>
-            <a:lstStyle/>
-            <a:p>
-              <a:pPr defTabSz="872733">
-                <a:spcBef>
-                  <a:spcPct val="50000"/>
-                </a:spcBef>
-                <a:buFont typeface="Wingdings" pitchFamily="2" charset="2"/>
-                <a:buNone/>
-              </a:pPr>
-              <a:r>
-                <a:rPr lang="en-US" sz="1500" i="1" dirty="0"/>
-                <a:t>return reference to </a:t>
-              </a:r>
-              <a:r>
-                <a:rPr lang="en-US" sz="1500" i="1" dirty="0" err="1"/>
-                <a:t>EditCommand</a:t>
-              </a:r>
-              <a:endParaRPr lang="en-US" sz="1500" i="1" dirty="0"/>
-            </a:p>
-          </p:txBody>
-        </p:sp>
-        <p:sp>
-          <p:nvSpPr>
-            <p:cNvPr id="34" name="Line 15"/>
-            <p:cNvSpPr>
-              <a:spLocks noChangeShapeType="1"/>
-            </p:cNvSpPr>
-            <p:nvPr/>
-          </p:nvSpPr>
-          <p:spPr bwMode="auto">
-            <a:xfrm flipV="1">
-              <a:off x="724593" y="2180860"/>
-              <a:ext cx="2418711" cy="0"/>
-            </a:xfrm>
-            <a:prstGeom prst="line">
-              <a:avLst/>
-            </a:prstGeom>
-            <a:noFill/>
-            <a:ln w="19050">
-              <a:solidFill>
-                <a:srgbClr val="7030A0"/>
-              </a:solidFill>
-              <a:round/>
-              <a:headEnd/>
-              <a:tailEnd type="triangle" w="lg" len="lg"/>
-            </a:ln>
-          </p:spPr>
-          <p:txBody>
-            <a:bodyPr/>
-            <a:lstStyle/>
-            <a:p>
-              <a:pPr defTabSz="872733"/>
-              <a:endParaRPr lang="en-US" sz="1500">
-                <a:solidFill>
-                  <a:prstClr val="black"/>
-                </a:solidFill>
-              </a:endParaRPr>
-            </a:p>
-          </p:txBody>
-        </p:sp>
-        <p:sp>
-          <p:nvSpPr>
-            <p:cNvPr id="38" name="Text Box 25"/>
-            <p:cNvSpPr txBox="1">
-              <a:spLocks noChangeArrowheads="1"/>
-            </p:cNvSpPr>
-            <p:nvPr/>
-          </p:nvSpPr>
-          <p:spPr bwMode="auto">
-            <a:xfrm>
-              <a:off x="1211846" y="920055"/>
-              <a:ext cx="1182981" cy="323165"/>
-            </a:xfrm>
-            <a:prstGeom prst="rect">
-              <a:avLst/>
-            </a:prstGeom>
-            <a:noFill/>
-            <a:ln w="12700" algn="ctr">
-              <a:noFill/>
-              <a:miter lim="800000"/>
-              <a:headEnd/>
-              <a:tailEnd/>
-            </a:ln>
-          </p:spPr>
-          <p:txBody>
-            <a:bodyPr wrap="square">
-              <a:spAutoFit/>
-            </a:bodyPr>
-            <a:lstStyle/>
-            <a:p>
-              <a:pPr defTabSz="872733">
-                <a:spcBef>
-                  <a:spcPct val="50000"/>
-                </a:spcBef>
-                <a:buFont typeface="Wingdings" pitchFamily="2" charset="2"/>
-                <a:buNone/>
-              </a:pPr>
-              <a:r>
-                <a:rPr lang="en-US" sz="1500" i="1" dirty="0"/>
-                <a:t>Parser()</a:t>
-              </a:r>
-            </a:p>
-          </p:txBody>
-        </p:sp>
-        <p:sp>
-          <p:nvSpPr>
-            <p:cNvPr id="33" name="Line 13"/>
-            <p:cNvSpPr>
-              <a:spLocks noChangeShapeType="1"/>
-            </p:cNvSpPr>
-            <p:nvPr/>
-          </p:nvSpPr>
-          <p:spPr bwMode="auto">
-            <a:xfrm flipH="1">
-              <a:off x="5583867" y="2639101"/>
-              <a:ext cx="0" cy="4936363"/>
-            </a:xfrm>
-            <a:prstGeom prst="line">
-              <a:avLst/>
-            </a:prstGeom>
-            <a:ln>
-              <a:solidFill>
-                <a:schemeClr val="accent3">
-                  <a:lumMod val="75000"/>
-                </a:schemeClr>
-              </a:solidFill>
-              <a:prstDash val="sysDash"/>
-              <a:headEnd/>
-              <a:tailEnd/>
-            </a:ln>
-          </p:spPr>
-          <p:style>
-            <a:lnRef idx="2">
-              <a:schemeClr val="accent4"/>
-            </a:lnRef>
-            <a:fillRef idx="0">
-              <a:schemeClr val="accent4"/>
-            </a:fillRef>
-            <a:effectRef idx="1">
-              <a:schemeClr val="accent4"/>
-            </a:effectRef>
-            <a:fontRef idx="minor">
-              <a:schemeClr val="tx1"/>
-            </a:fontRef>
-          </p:style>
-          <p:txBody>
-            <a:bodyPr/>
-            <a:lstStyle/>
-            <a:p>
-              <a:pPr defTabSz="872733"/>
-              <a:endParaRPr lang="en-US" sz="1500">
-                <a:solidFill>
-                  <a:prstClr val="black"/>
-                </a:solidFill>
-              </a:endParaRPr>
-            </a:p>
-          </p:txBody>
-        </p:sp>
-        <p:sp>
-          <p:nvSpPr>
-            <p:cNvPr id="42" name="Text Box 11">
-              <a:extLst>
-                <a:ext uri="{FF2B5EF4-FFF2-40B4-BE49-F238E27FC236}">
-                  <a16:creationId xmlns:a16="http://schemas.microsoft.com/office/drawing/2014/main" id="{569EC1FF-3CDF-4E6B-82B3-104CCA3F3E9D}"/>
-                </a:ext>
-              </a:extLst>
-            </p:cNvPr>
-            <p:cNvSpPr txBox="1">
-              <a:spLocks noChangeArrowheads="1"/>
-            </p:cNvSpPr>
-            <p:nvPr/>
-          </p:nvSpPr>
-          <p:spPr bwMode="auto">
-            <a:xfrm>
-              <a:off x="6855484" y="2511504"/>
-              <a:ext cx="1676400" cy="600164"/>
-            </a:xfrm>
-            <a:prstGeom prst="rect">
-              <a:avLst/>
-            </a:prstGeom>
-            <a:solidFill>
-              <a:schemeClr val="bg2">
-                <a:lumMod val="75000"/>
-              </a:schemeClr>
-            </a:solidFill>
-            <a:ln w="19050">
-              <a:solidFill>
-                <a:schemeClr val="bg2">
-                  <a:lumMod val="50000"/>
-                </a:schemeClr>
-              </a:solidFill>
-              <a:headEnd/>
-              <a:tailEnd/>
-            </a:ln>
-          </p:spPr>
-          <p:style>
-            <a:lnRef idx="1">
-              <a:schemeClr val="accent4"/>
-            </a:lnRef>
-            <a:fillRef idx="2">
-              <a:schemeClr val="accent4"/>
-            </a:fillRef>
-            <a:effectRef idx="1">
-              <a:schemeClr val="accent4"/>
-            </a:effectRef>
-            <a:fontRef idx="minor">
-              <a:schemeClr val="dk1"/>
-            </a:fontRef>
-          </p:style>
-          <p:txBody>
-            <a:bodyPr wrap="square" tIns="182880" bIns="182880">
-              <a:spAutoFit/>
-            </a:bodyPr>
-            <a:lstStyle/>
-            <a:p>
-              <a:pPr algn="ctr" defTabSz="872733">
-                <a:spcBef>
-                  <a:spcPct val="50000"/>
-                </a:spcBef>
-                <a:buFont typeface="Wingdings" pitchFamily="2" charset="2"/>
-                <a:buNone/>
-              </a:pPr>
-              <a:r>
-                <a:rPr lang="en-US" sz="1500" dirty="0" err="1">
-                  <a:solidFill>
-                    <a:prstClr val="black"/>
-                  </a:solidFill>
-                </a:rPr>
-                <a:t>items:ShoppingList</a:t>
-              </a:r>
-              <a:endParaRPr lang="en-US" sz="1500" dirty="0">
-                <a:solidFill>
-                  <a:prstClr val="black"/>
-                </a:solidFill>
-              </a:endParaRPr>
-            </a:p>
-          </p:txBody>
-        </p:sp>
-        <p:sp>
-          <p:nvSpPr>
-            <p:cNvPr id="43" name="Text Box 11">
-              <a:extLst>
-                <a:ext uri="{FF2B5EF4-FFF2-40B4-BE49-F238E27FC236}">
-                  <a16:creationId xmlns:a16="http://schemas.microsoft.com/office/drawing/2014/main" id="{79ACA4C9-9678-4611-AE49-25FE7CAE8B35}"/>
-                </a:ext>
-              </a:extLst>
-            </p:cNvPr>
-            <p:cNvSpPr txBox="1">
-              <a:spLocks noChangeArrowheads="1"/>
-            </p:cNvSpPr>
-            <p:nvPr/>
-          </p:nvSpPr>
-          <p:spPr bwMode="auto">
-            <a:xfrm>
-              <a:off x="117858" y="197507"/>
-              <a:ext cx="1295400" cy="600164"/>
-            </a:xfrm>
-            <a:prstGeom prst="rect">
-              <a:avLst/>
-            </a:prstGeom>
-            <a:solidFill>
-              <a:schemeClr val="accent2">
-                <a:lumMod val="40000"/>
-                <a:lumOff val="60000"/>
-              </a:schemeClr>
-            </a:solidFill>
-            <a:ln w="19050">
-              <a:solidFill>
-                <a:schemeClr val="accent2">
-                  <a:lumMod val="60000"/>
-                  <a:lumOff val="40000"/>
-                </a:schemeClr>
-              </a:solidFill>
-              <a:headEnd/>
-              <a:tailEnd/>
-            </a:ln>
-          </p:spPr>
-          <p:style>
-            <a:lnRef idx="1">
-              <a:schemeClr val="accent4"/>
-            </a:lnRef>
-            <a:fillRef idx="2">
-              <a:schemeClr val="accent4"/>
-            </a:fillRef>
-            <a:effectRef idx="1">
-              <a:schemeClr val="accent4"/>
-            </a:effectRef>
-            <a:fontRef idx="minor">
-              <a:schemeClr val="dk1"/>
-            </a:fontRef>
-          </p:style>
-          <p:txBody>
-            <a:bodyPr tIns="182880" bIns="182880">
-              <a:spAutoFit/>
-            </a:bodyPr>
-            <a:lstStyle/>
-            <a:p>
-              <a:pPr algn="ctr" defTabSz="872733">
-                <a:spcBef>
-                  <a:spcPct val="50000"/>
-                </a:spcBef>
-                <a:buFont typeface="Wingdings" pitchFamily="2" charset="2"/>
-                <a:buNone/>
-              </a:pPr>
-              <a:r>
-                <a:rPr lang="en-US" sz="1500" dirty="0">
-                  <a:solidFill>
-                    <a:prstClr val="black"/>
-                  </a:solidFill>
-                </a:rPr>
-                <a:t>:Duke</a:t>
-              </a:r>
-            </a:p>
-          </p:txBody>
-        </p:sp>
-        <p:sp>
-          <p:nvSpPr>
-            <p:cNvPr id="45" name="Line 15">
-              <a:extLst>
-                <a:ext uri="{FF2B5EF4-FFF2-40B4-BE49-F238E27FC236}">
-                  <a16:creationId xmlns:a16="http://schemas.microsoft.com/office/drawing/2014/main" id="{0EB24DA8-2498-4853-AED4-3458A81C456A}"/>
-                </a:ext>
-              </a:extLst>
-            </p:cNvPr>
-            <p:cNvSpPr>
-              <a:spLocks noChangeShapeType="1"/>
-            </p:cNvSpPr>
-            <p:nvPr/>
-          </p:nvSpPr>
-          <p:spPr bwMode="auto">
-            <a:xfrm>
-              <a:off x="724594" y="4352051"/>
-              <a:ext cx="4859273" cy="0"/>
-            </a:xfrm>
-            <a:prstGeom prst="line">
-              <a:avLst/>
-            </a:prstGeom>
-            <a:noFill/>
-            <a:ln w="19050">
-              <a:solidFill>
-                <a:schemeClr val="accent3">
-                  <a:lumMod val="75000"/>
-                </a:schemeClr>
-              </a:solidFill>
-              <a:round/>
-              <a:headEnd/>
-              <a:tailEnd type="triangle" w="lg" len="lg"/>
-            </a:ln>
-          </p:spPr>
-          <p:txBody>
-            <a:bodyPr/>
-            <a:lstStyle/>
-            <a:p>
-              <a:pPr defTabSz="872733"/>
-              <a:endParaRPr lang="en-US" sz="1500" dirty="0">
-                <a:solidFill>
-                  <a:prstClr val="black"/>
-                </a:solidFill>
-              </a:endParaRPr>
-            </a:p>
-          </p:txBody>
-        </p:sp>
-        <p:sp>
-          <p:nvSpPr>
-            <p:cNvPr id="46" name="Line 15">
-              <a:extLst>
-                <a:ext uri="{FF2B5EF4-FFF2-40B4-BE49-F238E27FC236}">
-                  <a16:creationId xmlns:a16="http://schemas.microsoft.com/office/drawing/2014/main" id="{9BC66A45-C94A-4E62-8981-39EC5DACDD6D}"/>
-                </a:ext>
-              </a:extLst>
-            </p:cNvPr>
-            <p:cNvSpPr>
-              <a:spLocks noChangeShapeType="1"/>
-            </p:cNvSpPr>
-            <p:nvPr/>
-          </p:nvSpPr>
-          <p:spPr bwMode="auto">
-            <a:xfrm>
-              <a:off x="5594137" y="4627084"/>
-              <a:ext cx="2233503" cy="0"/>
-            </a:xfrm>
-            <a:prstGeom prst="line">
-              <a:avLst/>
-            </a:prstGeom>
-            <a:noFill/>
-            <a:ln w="19050">
-              <a:solidFill>
-                <a:schemeClr val="bg2">
-                  <a:lumMod val="50000"/>
-                </a:schemeClr>
-              </a:solidFill>
-              <a:round/>
-              <a:headEnd/>
-              <a:tailEnd type="triangle" w="lg" len="lg"/>
-            </a:ln>
-          </p:spPr>
-          <p:txBody>
-            <a:bodyPr/>
-            <a:lstStyle/>
-            <a:p>
-              <a:pPr defTabSz="872733"/>
-              <a:endParaRPr lang="en-US" sz="1500">
-                <a:solidFill>
-                  <a:prstClr val="black"/>
-                </a:solidFill>
-              </a:endParaRPr>
-            </a:p>
-          </p:txBody>
-        </p:sp>
-        <p:sp>
-          <p:nvSpPr>
-            <p:cNvPr id="47" name="Text Box 25">
-              <a:extLst>
-                <a:ext uri="{FF2B5EF4-FFF2-40B4-BE49-F238E27FC236}">
-                  <a16:creationId xmlns:a16="http://schemas.microsoft.com/office/drawing/2014/main" id="{342B431E-151F-4A55-A1AE-57F6FE56D1EF}"/>
-                </a:ext>
-              </a:extLst>
-            </p:cNvPr>
-            <p:cNvSpPr txBox="1">
-              <a:spLocks noChangeArrowheads="1"/>
-            </p:cNvSpPr>
-            <p:nvPr/>
-          </p:nvSpPr>
-          <p:spPr bwMode="auto">
-            <a:xfrm>
-              <a:off x="3323780" y="2458242"/>
-              <a:ext cx="1412001" cy="383512"/>
-            </a:xfrm>
-            <a:prstGeom prst="rect">
-              <a:avLst/>
-            </a:prstGeom>
-            <a:noFill/>
-            <a:ln w="12700" algn="ctr">
-              <a:noFill/>
-              <a:miter lim="800000"/>
-              <a:headEnd/>
-              <a:tailEnd/>
-            </a:ln>
-          </p:spPr>
-          <p:txBody>
-            <a:bodyPr wrap="square">
-              <a:spAutoFit/>
-            </a:bodyPr>
-            <a:lstStyle/>
-            <a:p>
-              <a:pPr defTabSz="872733">
-                <a:spcBef>
-                  <a:spcPct val="50000"/>
-                </a:spcBef>
-                <a:buFont typeface="Wingdings" pitchFamily="2" charset="2"/>
-                <a:buNone/>
-              </a:pPr>
-              <a:r>
-                <a:rPr lang="en-US" sz="1500" i="1" dirty="0" err="1"/>
-                <a:t>EditCommand</a:t>
-              </a:r>
-              <a:r>
-                <a:rPr lang="en-US" sz="1500" i="1" dirty="0"/>
-                <a:t>()</a:t>
-              </a:r>
-            </a:p>
-          </p:txBody>
-        </p:sp>
-        <p:sp>
-          <p:nvSpPr>
-            <p:cNvPr id="48" name="Line 16">
-              <a:extLst>
-                <a:ext uri="{FF2B5EF4-FFF2-40B4-BE49-F238E27FC236}">
-                  <a16:creationId xmlns:a16="http://schemas.microsoft.com/office/drawing/2014/main" id="{5278BFBC-6FA4-432C-994E-8DD2A55ED046}"/>
-                </a:ext>
-              </a:extLst>
-            </p:cNvPr>
-            <p:cNvSpPr>
-              <a:spLocks noChangeShapeType="1"/>
-            </p:cNvSpPr>
-            <p:nvPr/>
-          </p:nvSpPr>
-          <p:spPr bwMode="auto">
-            <a:xfrm flipH="1" flipV="1">
-              <a:off x="740604" y="3459569"/>
-              <a:ext cx="2418711" cy="0"/>
-            </a:xfrm>
-            <a:prstGeom prst="line">
-              <a:avLst/>
-            </a:prstGeom>
-            <a:noFill/>
-            <a:ln w="19050">
-              <a:solidFill>
-                <a:schemeClr val="accent4"/>
-              </a:solidFill>
-              <a:prstDash val="sysDash"/>
-              <a:round/>
-              <a:headEnd/>
-              <a:tailEnd type="triangle" w="lg" len="lg"/>
-            </a:ln>
-          </p:spPr>
-          <p:txBody>
-            <a:bodyPr/>
-            <a:lstStyle/>
-            <a:p>
-              <a:pPr defTabSz="872733"/>
-              <a:endParaRPr lang="en-US" sz="1500">
-                <a:solidFill>
-                  <a:prstClr val="black"/>
-                </a:solidFill>
-              </a:endParaRPr>
-            </a:p>
-          </p:txBody>
-        </p:sp>
-        <p:sp>
-          <p:nvSpPr>
-            <p:cNvPr id="51" name="Text Box 25">
-              <a:extLst>
-                <a:ext uri="{FF2B5EF4-FFF2-40B4-BE49-F238E27FC236}">
-                  <a16:creationId xmlns:a16="http://schemas.microsoft.com/office/drawing/2014/main" id="{34020A70-184B-4A57-816D-CCE686742C10}"/>
-                </a:ext>
-              </a:extLst>
-            </p:cNvPr>
-            <p:cNvSpPr txBox="1">
-              <a:spLocks noChangeArrowheads="1"/>
-            </p:cNvSpPr>
-            <p:nvPr/>
-          </p:nvSpPr>
-          <p:spPr bwMode="auto">
-            <a:xfrm>
-              <a:off x="3924577" y="3995543"/>
-              <a:ext cx="886908" cy="323165"/>
-            </a:xfrm>
-            <a:prstGeom prst="rect">
-              <a:avLst/>
-            </a:prstGeom>
-            <a:noFill/>
-            <a:ln w="12700" algn="ctr">
-              <a:noFill/>
-              <a:miter lim="800000"/>
-              <a:headEnd/>
-              <a:tailEnd/>
-            </a:ln>
-          </p:spPr>
-          <p:txBody>
-            <a:bodyPr wrap="square">
-              <a:spAutoFit/>
-            </a:bodyPr>
-            <a:lstStyle/>
-            <a:p>
-              <a:pPr defTabSz="872733">
-                <a:spcBef>
-                  <a:spcPct val="50000"/>
-                </a:spcBef>
-                <a:buFont typeface="Wingdings" pitchFamily="2" charset="2"/>
-                <a:buNone/>
-              </a:pPr>
-              <a:r>
-                <a:rPr lang="en-US" sz="1500" i="1" dirty="0"/>
-                <a:t>execute()</a:t>
-              </a:r>
-            </a:p>
-          </p:txBody>
-        </p:sp>
-        <p:sp>
-          <p:nvSpPr>
-            <p:cNvPr id="52" name="Line 13">
-              <a:extLst>
-                <a:ext uri="{FF2B5EF4-FFF2-40B4-BE49-F238E27FC236}">
-                  <a16:creationId xmlns:a16="http://schemas.microsoft.com/office/drawing/2014/main" id="{C30F3633-BE5D-441D-9C87-D00C0DFC3E6D}"/>
-                </a:ext>
-              </a:extLst>
-            </p:cNvPr>
-            <p:cNvSpPr>
-              <a:spLocks noChangeShapeType="1"/>
-            </p:cNvSpPr>
-            <p:nvPr/>
-          </p:nvSpPr>
-          <p:spPr bwMode="auto">
-            <a:xfrm flipH="1">
-              <a:off x="7820170" y="3139120"/>
-              <a:ext cx="0" cy="4681062"/>
-            </a:xfrm>
-            <a:prstGeom prst="line">
-              <a:avLst/>
-            </a:prstGeom>
-            <a:ln>
-              <a:solidFill>
-                <a:schemeClr val="bg2">
-                  <a:lumMod val="50000"/>
-                </a:schemeClr>
-              </a:solidFill>
-              <a:prstDash val="sysDash"/>
-              <a:headEnd/>
-              <a:tailEnd/>
-            </a:ln>
-          </p:spPr>
-          <p:style>
-            <a:lnRef idx="2">
-              <a:schemeClr val="accent4"/>
-            </a:lnRef>
-            <a:fillRef idx="0">
-              <a:schemeClr val="accent4"/>
-            </a:fillRef>
-            <a:effectRef idx="1">
-              <a:schemeClr val="accent4"/>
-            </a:effectRef>
-            <a:fontRef idx="minor">
-              <a:schemeClr val="tx1"/>
-            </a:fontRef>
-          </p:style>
-          <p:txBody>
-            <a:bodyPr/>
-            <a:lstStyle/>
-            <a:p>
-              <a:pPr defTabSz="872733"/>
-              <a:endParaRPr lang="en-US" sz="1500">
-                <a:solidFill>
-                  <a:prstClr val="black"/>
-                </a:solidFill>
-              </a:endParaRPr>
-            </a:p>
-          </p:txBody>
-        </p:sp>
-        <p:cxnSp>
-          <p:nvCxnSpPr>
-            <p:cNvPr id="54" name="Straight Connector 53">
-              <a:extLst>
-                <a:ext uri="{FF2B5EF4-FFF2-40B4-BE49-F238E27FC236}">
-                  <a16:creationId xmlns:a16="http://schemas.microsoft.com/office/drawing/2014/main" id="{BB6AEF2A-70C0-4C86-ACC0-ED4823D6AC46}"/>
-                </a:ext>
-              </a:extLst>
-            </p:cNvPr>
-            <p:cNvCxnSpPr/>
-            <p:nvPr/>
-          </p:nvCxnSpPr>
-          <p:spPr>
-            <a:xfrm rot="16200000" flipV="1">
-              <a:off x="5443887" y="7487609"/>
-              <a:ext cx="284430" cy="267655"/>
-            </a:xfrm>
-            <a:prstGeom prst="line">
-              <a:avLst/>
-            </a:prstGeom>
-            <a:ln w="19050">
-              <a:solidFill>
-                <a:schemeClr val="accent3">
-                  <a:lumMod val="75000"/>
-                </a:schemeClr>
-              </a:solidFill>
-            </a:ln>
-          </p:spPr>
-          <p:style>
-            <a:lnRef idx="1">
-              <a:schemeClr val="accent1"/>
-            </a:lnRef>
-            <a:fillRef idx="0">
-              <a:schemeClr val="accent1"/>
-            </a:fillRef>
-            <a:effectRef idx="0">
-              <a:schemeClr val="accent1"/>
-            </a:effectRef>
-            <a:fontRef idx="minor">
-              <a:schemeClr val="tx1"/>
-            </a:fontRef>
-          </p:style>
-        </p:cxnSp>
-        <p:cxnSp>
-          <p:nvCxnSpPr>
-            <p:cNvPr id="55" name="Straight Connector 54">
-              <a:extLst>
-                <a:ext uri="{FF2B5EF4-FFF2-40B4-BE49-F238E27FC236}">
-                  <a16:creationId xmlns:a16="http://schemas.microsoft.com/office/drawing/2014/main" id="{9664B067-90B9-447F-947E-62F78A316229}"/>
-                </a:ext>
-              </a:extLst>
-            </p:cNvPr>
-            <p:cNvCxnSpPr/>
-            <p:nvPr/>
-          </p:nvCxnSpPr>
-          <p:spPr>
-            <a:xfrm rot="5400000">
-              <a:off x="5437298" y="7492103"/>
-              <a:ext cx="288176" cy="266007"/>
-            </a:xfrm>
-            <a:prstGeom prst="line">
-              <a:avLst/>
-            </a:prstGeom>
-            <a:ln w="19050">
-              <a:solidFill>
-                <a:schemeClr val="accent3">
-                  <a:lumMod val="75000"/>
-                </a:schemeClr>
-              </a:solidFill>
-            </a:ln>
-          </p:spPr>
-          <p:style>
-            <a:lnRef idx="1">
-              <a:schemeClr val="accent1"/>
-            </a:lnRef>
-            <a:fillRef idx="0">
-              <a:schemeClr val="accent1"/>
-            </a:fillRef>
-            <a:effectRef idx="0">
-              <a:schemeClr val="accent1"/>
-            </a:effectRef>
-            <a:fontRef idx="minor">
-              <a:schemeClr val="tx1"/>
-            </a:fontRef>
-          </p:style>
-        </p:cxnSp>
-        <p:sp>
-          <p:nvSpPr>
-            <p:cNvPr id="30" name="Line 16">
-              <a:extLst>
-                <a:ext uri="{FF2B5EF4-FFF2-40B4-BE49-F238E27FC236}">
-                  <a16:creationId xmlns:a16="http://schemas.microsoft.com/office/drawing/2014/main" id="{A935255C-2F87-41E9-BCE8-F6798CB9DB33}"/>
-                </a:ext>
-              </a:extLst>
-            </p:cNvPr>
-            <p:cNvSpPr>
-              <a:spLocks noChangeShapeType="1"/>
-            </p:cNvSpPr>
-            <p:nvPr/>
-          </p:nvSpPr>
-          <p:spPr bwMode="auto">
-            <a:xfrm flipH="1" flipV="1">
-              <a:off x="5613187" y="5058101"/>
-              <a:ext cx="2214453" cy="0"/>
-            </a:xfrm>
-            <a:prstGeom prst="line">
-              <a:avLst/>
-            </a:prstGeom>
-            <a:noFill/>
-            <a:ln w="19050">
-              <a:solidFill>
-                <a:schemeClr val="bg2">
-                  <a:lumMod val="50000"/>
-                </a:schemeClr>
-              </a:solidFill>
-              <a:prstDash val="sysDash"/>
-              <a:round/>
-              <a:headEnd/>
-              <a:tailEnd type="triangle" w="lg" len="lg"/>
-            </a:ln>
-          </p:spPr>
-          <p:txBody>
-            <a:bodyPr/>
-            <a:lstStyle/>
-            <a:p>
-              <a:pPr defTabSz="872733"/>
-              <a:endParaRPr lang="en-US" sz="1500">
-                <a:solidFill>
-                  <a:prstClr val="black"/>
-                </a:solidFill>
-              </a:endParaRPr>
-            </a:p>
-          </p:txBody>
-        </p:sp>
-        <p:sp>
-          <p:nvSpPr>
-            <p:cNvPr id="18" name="Text Box 11"/>
-            <p:cNvSpPr txBox="1">
-              <a:spLocks noChangeArrowheads="1"/>
-            </p:cNvSpPr>
-            <p:nvPr/>
-          </p:nvSpPr>
-          <p:spPr bwMode="auto">
-            <a:xfrm>
-              <a:off x="4880313" y="2491084"/>
-              <a:ext cx="1596653" cy="600164"/>
-            </a:xfrm>
-            <a:prstGeom prst="rect">
-              <a:avLst/>
-            </a:prstGeom>
-            <a:ln w="19050">
-              <a:headEnd/>
-              <a:tailEnd/>
-            </a:ln>
-          </p:spPr>
-          <p:style>
-            <a:lnRef idx="1">
-              <a:schemeClr val="accent3"/>
-            </a:lnRef>
-            <a:fillRef idx="2">
-              <a:schemeClr val="accent3"/>
-            </a:fillRef>
-            <a:effectRef idx="1">
-              <a:schemeClr val="accent3"/>
-            </a:effectRef>
-            <a:fontRef idx="minor">
-              <a:schemeClr val="dk1"/>
-            </a:fontRef>
-          </p:style>
-          <p:txBody>
-            <a:bodyPr wrap="square" tIns="182880" bIns="182880">
-              <a:spAutoFit/>
-            </a:bodyPr>
-            <a:lstStyle/>
-            <a:p>
-              <a:pPr algn="ctr" defTabSz="872733">
-                <a:spcBef>
-                  <a:spcPct val="50000"/>
-                </a:spcBef>
-                <a:buFont typeface="Wingdings" pitchFamily="2" charset="2"/>
-                <a:buNone/>
-              </a:pPr>
-              <a:r>
-                <a:rPr lang="en-US" sz="1500" dirty="0">
-                  <a:solidFill>
-                    <a:prstClr val="black"/>
-                  </a:solidFill>
-                </a:rPr>
-                <a:t>:</a:t>
-              </a:r>
-              <a:r>
-                <a:rPr lang="en-US" sz="1500" dirty="0" err="1">
-                  <a:solidFill>
-                    <a:prstClr val="black"/>
-                  </a:solidFill>
-                </a:rPr>
-                <a:t>EditCommand</a:t>
-              </a:r>
-              <a:endParaRPr lang="en-US" sz="1500" dirty="0">
-                <a:solidFill>
-                  <a:prstClr val="black"/>
-                </a:solidFill>
-              </a:endParaRPr>
-            </a:p>
-          </p:txBody>
-        </p:sp>
-      </p:grpSp>
-      <p:grpSp>
-        <p:nvGrpSpPr>
-          <p:cNvPr id="4" name="Group 3">
-            <a:extLst>
-              <a:ext uri="{FF2B5EF4-FFF2-40B4-BE49-F238E27FC236}">
-                <a16:creationId xmlns:a16="http://schemas.microsoft.com/office/drawing/2014/main" id="{0C728DD1-DFDC-4E29-A683-00329337F665}"/>
-              </a:ext>
-            </a:extLst>
-          </p:cNvPr>
-          <p:cNvGrpSpPr/>
-          <p:nvPr/>
-        </p:nvGrpSpPr>
-        <p:grpSpPr>
-          <a:xfrm>
-            <a:off x="5334000" y="4721710"/>
-            <a:ext cx="3562689" cy="612290"/>
-            <a:chOff x="5325541" y="911710"/>
-            <a:chExt cx="3380529" cy="601724"/>
-          </a:xfrm>
-        </p:grpSpPr>
-        <p:sp>
-          <p:nvSpPr>
-            <p:cNvPr id="56" name="Rectangle 55">
-              <a:extLst>
-                <a:ext uri="{FF2B5EF4-FFF2-40B4-BE49-F238E27FC236}">
-                  <a16:creationId xmlns:a16="http://schemas.microsoft.com/office/drawing/2014/main" id="{8D2C2257-3ECD-47F4-9E03-5FE3F2C9575E}"/>
-                </a:ext>
-              </a:extLst>
-            </p:cNvPr>
-            <p:cNvSpPr/>
-            <p:nvPr/>
-          </p:nvSpPr>
-          <p:spPr>
-            <a:xfrm>
-              <a:off x="5325541" y="942423"/>
-              <a:ext cx="3380529" cy="571011"/>
-            </a:xfrm>
-            <a:prstGeom prst="rect">
-              <a:avLst/>
-            </a:prstGeom>
-            <a:ln/>
-          </p:spPr>
-          <p:style>
-            <a:lnRef idx="1">
-              <a:schemeClr val="accent1"/>
-            </a:lnRef>
-            <a:fillRef idx="2">
-              <a:schemeClr val="accent1"/>
-            </a:fillRef>
-            <a:effectRef idx="1">
-              <a:schemeClr val="accent1"/>
-            </a:effectRef>
-            <a:fontRef idx="minor">
-              <a:schemeClr val="dk1"/>
-            </a:fontRef>
-          </p:style>
-          <p:txBody>
-            <a:bodyPr rtlCol="0" anchor="ctr"/>
-            <a:lstStyle/>
-            <a:p>
-              <a:pPr algn="ctr"/>
-              <a:endParaRPr lang="en-SG"/>
-            </a:p>
-          </p:txBody>
-        </p:sp>
-        <p:sp>
-          <p:nvSpPr>
-            <p:cNvPr id="57" name="Rectangle: Top Corners One Rounded and One Snipped 56">
-              <a:extLst>
-                <a:ext uri="{FF2B5EF4-FFF2-40B4-BE49-F238E27FC236}">
-                  <a16:creationId xmlns:a16="http://schemas.microsoft.com/office/drawing/2014/main" id="{48978760-D24A-40B1-87D7-2CA21E6EC3F1}"/>
-                </a:ext>
-              </a:extLst>
-            </p:cNvPr>
-            <p:cNvSpPr/>
-            <p:nvPr/>
-          </p:nvSpPr>
-          <p:spPr>
-            <a:xfrm rot="10800000" flipH="1">
-              <a:off x="5325542" y="942614"/>
-              <a:ext cx="885621" cy="285313"/>
-            </a:xfrm>
-            <a:prstGeom prst="snipRoundRect">
-              <a:avLst/>
-            </a:prstGeom>
-            <a:solidFill>
-              <a:schemeClr val="bg1">
-                <a:lumMod val="95000"/>
-              </a:schemeClr>
-            </a:solidFill>
-            <a:ln/>
-          </p:spPr>
-          <p:style>
-            <a:lnRef idx="1">
-              <a:schemeClr val="accent5"/>
-            </a:lnRef>
-            <a:fillRef idx="2">
-              <a:schemeClr val="accent5"/>
-            </a:fillRef>
-            <a:effectRef idx="1">
-              <a:schemeClr val="accent5"/>
-            </a:effectRef>
-            <a:fontRef idx="minor">
-              <a:schemeClr val="dk1"/>
-            </a:fontRef>
-          </p:style>
-          <p:txBody>
-            <a:bodyPr rtlCol="0" anchor="ctr"/>
-            <a:lstStyle/>
-            <a:p>
-              <a:pPr algn="ctr"/>
-              <a:endParaRPr lang="en-SG" dirty="0"/>
-            </a:p>
-          </p:txBody>
-        </p:sp>
-        <p:sp>
-          <p:nvSpPr>
-            <p:cNvPr id="58" name="TextBox 57">
-              <a:extLst>
-                <a:ext uri="{FF2B5EF4-FFF2-40B4-BE49-F238E27FC236}">
-                  <a16:creationId xmlns:a16="http://schemas.microsoft.com/office/drawing/2014/main" id="{BD96F86C-54E5-40F7-B7AE-2E623965D4ED}"/>
-                </a:ext>
-              </a:extLst>
-            </p:cNvPr>
-            <p:cNvSpPr txBox="1"/>
-            <p:nvPr/>
-          </p:nvSpPr>
-          <p:spPr>
-            <a:xfrm>
-              <a:off x="5504929" y="911710"/>
-              <a:ext cx="525682" cy="544628"/>
-            </a:xfrm>
-            <a:prstGeom prst="rect">
-              <a:avLst/>
-            </a:prstGeom>
-            <a:noFill/>
-          </p:spPr>
-          <p:txBody>
-            <a:bodyPr wrap="square" rtlCol="0">
-              <a:spAutoFit/>
-            </a:bodyPr>
-            <a:lstStyle/>
-            <a:p>
-              <a:r>
-                <a:rPr lang="en-SG" dirty="0"/>
-                <a:t>ref</a:t>
-              </a:r>
-            </a:p>
-            <a:p>
-              <a:endParaRPr lang="en-SG" dirty="0"/>
-            </a:p>
-          </p:txBody>
-        </p:sp>
-        <p:sp>
-          <p:nvSpPr>
-            <p:cNvPr id="59" name="TextBox 58">
-              <a:extLst>
-                <a:ext uri="{FF2B5EF4-FFF2-40B4-BE49-F238E27FC236}">
-                  <a16:creationId xmlns:a16="http://schemas.microsoft.com/office/drawing/2014/main" id="{440536AE-575F-4115-8F41-555F680D0D45}"/>
-                </a:ext>
-              </a:extLst>
-            </p:cNvPr>
-            <p:cNvSpPr txBox="1"/>
-            <p:nvPr/>
-          </p:nvSpPr>
-          <p:spPr>
-            <a:xfrm>
-              <a:off x="6200471" y="1059043"/>
-              <a:ext cx="1985654" cy="311216"/>
-            </a:xfrm>
-            <a:prstGeom prst="rect">
-              <a:avLst/>
-            </a:prstGeom>
-            <a:noFill/>
-          </p:spPr>
-          <p:txBody>
-            <a:bodyPr wrap="none" rtlCol="0">
-              <a:spAutoFit/>
-            </a:bodyPr>
-            <a:lstStyle/>
-            <a:p>
-              <a:r>
-                <a:rPr lang="en-SG" dirty="0"/>
-                <a:t>update item values</a:t>
-              </a:r>
-            </a:p>
-          </p:txBody>
-        </p:sp>
-      </p:grpSp>
-      <p:sp>
-        <p:nvSpPr>
-          <p:cNvPr id="50" name="Line 16">
-            <a:extLst>
-              <a:ext uri="{FF2B5EF4-FFF2-40B4-BE49-F238E27FC236}">
-                <a16:creationId xmlns:a16="http://schemas.microsoft.com/office/drawing/2014/main" id="{6085326A-F568-46DA-B294-6BEC6242F130}"/>
-              </a:ext>
-            </a:extLst>
-          </p:cNvPr>
-          <p:cNvSpPr>
-            <a:spLocks noChangeShapeType="1"/>
-          </p:cNvSpPr>
-          <p:nvPr/>
-        </p:nvSpPr>
-        <p:spPr bwMode="auto">
-          <a:xfrm flipH="1" flipV="1">
-            <a:off x="811050" y="5813883"/>
-            <a:ext cx="4911807" cy="0"/>
-          </a:xfrm>
-          <a:prstGeom prst="line">
-            <a:avLst/>
-          </a:prstGeom>
-          <a:noFill/>
-          <a:ln w="19050">
-            <a:solidFill>
-              <a:schemeClr val="accent3">
-                <a:lumMod val="75000"/>
-              </a:schemeClr>
-            </a:solidFill>
-            <a:prstDash val="sysDash"/>
-            <a:round/>
-            <a:headEnd/>
-            <a:tailEnd type="triangle" w="lg" len="lg"/>
-          </a:ln>
-        </p:spPr>
-        <p:txBody>
-          <a:bodyPr/>
-          <a:lstStyle/>
-          <a:p>
-            <a:pPr defTabSz="872733"/>
-            <a:endParaRPr lang="en-US" sz="1500">
-              <a:solidFill>
-                <a:prstClr val="black"/>
-              </a:solidFill>
-            </a:endParaRPr>
-          </a:p>
-        </p:txBody>
-      </p:sp>
-      <p:cxnSp>
-        <p:nvCxnSpPr>
-          <p:cNvPr id="60" name="Straight Connector 59">
-            <a:extLst>
-              <a:ext uri="{FF2B5EF4-FFF2-40B4-BE49-F238E27FC236}">
-                <a16:creationId xmlns:a16="http://schemas.microsoft.com/office/drawing/2014/main" id="{12128C05-856A-4938-B71C-ECD99FD9D540}"/>
-              </a:ext>
-            </a:extLst>
-          </p:cNvPr>
-          <p:cNvCxnSpPr/>
-          <p:nvPr/>
-        </p:nvCxnSpPr>
-        <p:spPr>
-          <a:xfrm rot="16200000" flipV="1">
-            <a:off x="3142987" y="3414133"/>
-            <a:ext cx="239674" cy="269410"/>
-          </a:xfrm>
-          <a:prstGeom prst="line">
-            <a:avLst/>
-          </a:prstGeom>
-          <a:ln w="19050">
-            <a:solidFill>
-              <a:schemeClr val="accent4">
-                <a:lumMod val="75000"/>
-              </a:schemeClr>
-            </a:solidFill>
-          </a:ln>
-        </p:spPr>
-        <p:style>
-          <a:lnRef idx="1">
-            <a:schemeClr val="accent1"/>
-          </a:lnRef>
-          <a:fillRef idx="0">
-            <a:schemeClr val="accent1"/>
-          </a:fillRef>
-          <a:effectRef idx="0">
-            <a:schemeClr val="accent1"/>
-          </a:effectRef>
-          <a:fontRef idx="minor">
-            <a:schemeClr val="tx1"/>
-          </a:fontRef>
-        </p:style>
-      </p:cxnSp>
-      <p:cxnSp>
-        <p:nvCxnSpPr>
-          <p:cNvPr id="63" name="Straight Connector 62">
-            <a:extLst>
-              <a:ext uri="{FF2B5EF4-FFF2-40B4-BE49-F238E27FC236}">
-                <a16:creationId xmlns:a16="http://schemas.microsoft.com/office/drawing/2014/main" id="{4382CFC8-C40F-4EAF-8CEE-9E91A04AB338}"/>
-              </a:ext>
-            </a:extLst>
-          </p:cNvPr>
-          <p:cNvCxnSpPr/>
-          <p:nvPr/>
-        </p:nvCxnSpPr>
-        <p:spPr>
-          <a:xfrm rot="5400000">
-            <a:off x="3136661" y="3418056"/>
-            <a:ext cx="242830" cy="267751"/>
-          </a:xfrm>
-          <a:prstGeom prst="line">
-            <a:avLst/>
-          </a:prstGeom>
-          <a:ln w="19050">
-            <a:solidFill>
-              <a:schemeClr val="accent4">
-                <a:lumMod val="75000"/>
-              </a:schemeClr>
-            </a:solidFill>
-          </a:ln>
-        </p:spPr>
-        <p:style>
-          <a:lnRef idx="1">
-            <a:schemeClr val="accent1"/>
-          </a:lnRef>
-          <a:fillRef idx="0">
-            <a:schemeClr val="accent1"/>
-          </a:fillRef>
-          <a:effectRef idx="0">
-            <a:schemeClr val="accent1"/>
-          </a:effectRef>
-          <a:fontRef idx="minor">
-            <a:schemeClr val="tx1"/>
-          </a:fontRef>
-        </p:style>
-      </p:cxnSp>
-    </p:spTree>
-    <p:extLst>
-      <p:ext uri="{BB962C8B-B14F-4D97-AF65-F5344CB8AC3E}">
-        <p14:creationId xmlns:p14="http://schemas.microsoft.com/office/powerpoint/2010/main" val="3228498101"/>
-      </p:ext>
-    </p:extLst>
-  </p:cSld>
-  <p:clrMapOvr>
-    <a:masterClrMapping/>
-  </p:clrMapOvr>
-  <p:timing>
-    <p:tnLst>
-      <p:par>
-        <p:cTn id="1" dur="indefinite" restart="never" nodeType="tmRoot">
-          <p:childTnLst>
-            <p:seq concurrent="1" nextAc="seek">
-              <p:cTn id="2" dur="indefinite" nodeType="mainSeq">
-                <p:childTnLst>
-                  <p:par>
-                    <p:cTn id="3" fill="hold">
-                      <p:stCondLst>
-                        <p:cond delay="indefinite"/>
-                        <p:cond evt="onBegin" delay="0">
-                          <p:tn val="2"/>
-                        </p:cond>
-                      </p:stCondLst>
-                      <p:childTnLst>
-                        <p:par>
-                          <p:cTn id="4" fill="hold">
-                            <p:stCondLst>
-                              <p:cond delay="0"/>
-                            </p:stCondLst>
-                            <p:childTnLst>
-                              <p:par>
-                                <p:cTn id="5" presetID="1" presetClass="exit" presetSubtype="0" fill="hold" grpId="0" nodeType="withEffect">
-                                  <p:stCondLst>
-                                    <p:cond delay="0"/>
-                                  </p:stCondLst>
-                                  <p:childTnLst>
-                                    <p:set>
-                                      <p:cBhvr>
-                                        <p:cTn id="6" dur="1" fill="hold">
-                                          <p:stCondLst>
-                                            <p:cond delay="0"/>
-                                          </p:stCondLst>
-                                        </p:cTn>
-                                        <p:tgtEl>
-                                          <p:spTgt spid="50"/>
-                                        </p:tgtEl>
-                                        <p:attrNameLst>
-                                          <p:attrName>style.visibility</p:attrName>
-                                        </p:attrNameLst>
-                                      </p:cBhvr>
-                                      <p:to>
-                                        <p:strVal val="hidden"/>
-                                      </p:to>
-                                    </p:set>
-                                  </p:childTnLst>
-                                </p:cTn>
-                              </p:par>
-                            </p:childTnLst>
-                          </p:cTn>
-                        </p:par>
-                      </p:childTnLst>
-                    </p:cTn>
-                  </p:par>
-                </p:childTnLst>
-              </p:cTn>
-              <p:prevCondLst>
-                <p:cond evt="onPrev" delay="0">
-                  <p:tgtEl>
-                    <p:sldTgt/>
-                  </p:tgtEl>
-                </p:cond>
-              </p:prevCondLst>
-              <p:nextCondLst>
-                <p:cond evt="onNext" delay="0">
-                  <p:tgtEl>
-                    <p:sldTgt/>
-                  </p:tgtEl>
-                </p:cond>
-              </p:nextCondLst>
-            </p:seq>
-          </p:childTnLst>
-        </p:cTn>
-      </p:par>
-    </p:tnLst>
-    <p:bldLst>
-      <p:bldP spid="50" grpId="0" animBg="1"/>
-    </p:bldLst>
-  </p:timing>
-</p:sld>
-</file>
-
-<file path=ppt/slides/slide2.xml><?xml version="1.0" encoding="utf-8"?>
-<p:sld xmlns:a="http://schemas.openxmlformats.org/drawingml/2006/main" xmlns:r="http://schemas.openxmlformats.org/officeDocument/2006/relationships" xmlns:p="http://schemas.openxmlformats.org/presentationml/2006/main">
-  <p:cSld>
-    <p:spTree>
-      <p:nvGrpSpPr>
-        <p:cNvPr id="1" name=""/>
-        <p:cNvGrpSpPr/>
-        <p:nvPr/>
-      </p:nvGrpSpPr>
-      <p:grpSpPr>
-        <a:xfrm>
-          <a:off x="0" y="0"/>
-          <a:ext cx="0" cy="0"/>
-          <a:chOff x="0" y="0"/>
-          <a:chExt cx="0" cy="0"/>
-        </a:xfrm>
-      </p:grpSpPr>
-      <p:grpSp>
-        <p:nvGrpSpPr>
-          <p:cNvPr id="2" name="Group 1">
-            <a:extLst>
-              <a:ext uri="{FF2B5EF4-FFF2-40B4-BE49-F238E27FC236}">
-                <a16:creationId xmlns:a16="http://schemas.microsoft.com/office/drawing/2014/main" id="{0EC7689B-8A85-4DBD-9EEE-E526D03DB3C8}"/>
-              </a:ext>
-            </a:extLst>
-          </p:cNvPr>
-          <p:cNvGrpSpPr/>
-          <p:nvPr/>
-        </p:nvGrpSpPr>
-        <p:grpSpPr>
-          <a:xfrm>
-            <a:off x="762000" y="838200"/>
-            <a:ext cx="8077200" cy="5791200"/>
-            <a:chOff x="398286" y="343957"/>
-            <a:chExt cx="8593314" cy="6056843"/>
+            <a:off x="266700" y="647700"/>
+            <a:ext cx="8610600" cy="5562600"/>
+            <a:chOff x="210674" y="162674"/>
+            <a:chExt cx="8686015" cy="6460350"/>
           </a:xfrm>
         </p:grpSpPr>
         <p:grpSp>
           <p:nvGrpSpPr>
-            <p:cNvPr id="27" name="Group 26">
+            <p:cNvPr id="3" name="Group 2">
               <a:extLst>
                 <a:ext uri="{FF2B5EF4-FFF2-40B4-BE49-F238E27FC236}">
-                  <a16:creationId xmlns:a16="http://schemas.microsoft.com/office/drawing/2014/main" id="{BBE8A793-65D6-4ACE-B52F-1373A0829250}"/>
+                  <a16:creationId xmlns:a16="http://schemas.microsoft.com/office/drawing/2014/main" id="{063286F6-5D39-4437-ACED-6D1C0564FDCB}"/>
                 </a:ext>
               </a:extLst>
             </p:cNvPr>
@@ -5610,18 +3939,1255 @@
           </p:nvGrpSpPr>
           <p:grpSpPr>
             <a:xfrm>
-              <a:off x="398286" y="343957"/>
-              <a:ext cx="8593314" cy="6056843"/>
-              <a:chOff x="4975006" y="4278451"/>
-              <a:chExt cx="3358510" cy="677640"/>
+              <a:off x="210674" y="162674"/>
+              <a:ext cx="8469191" cy="6460350"/>
+              <a:chOff x="117858" y="197507"/>
+              <a:chExt cx="8414026" cy="7666741"/>
             </a:xfrm>
           </p:grpSpPr>
           <p:sp>
             <p:nvSpPr>
-              <p:cNvPr id="23" name="Rectangle 22">
+              <p:cNvPr id="5" name="Line 13"/>
+              <p:cNvSpPr>
+                <a:spLocks noChangeShapeType="1"/>
+              </p:cNvSpPr>
+              <p:nvPr/>
+            </p:nvSpPr>
+            <p:spPr bwMode="auto">
+              <a:xfrm flipH="1">
+                <a:off x="721298" y="839834"/>
+                <a:ext cx="0" cy="7024414"/>
+              </a:xfrm>
+              <a:prstGeom prst="line">
+                <a:avLst/>
+              </a:prstGeom>
+              <a:ln>
+                <a:solidFill>
+                  <a:schemeClr val="accent2">
+                    <a:lumMod val="60000"/>
+                    <a:lumOff val="40000"/>
+                  </a:schemeClr>
+                </a:solidFill>
+                <a:prstDash val="sysDash"/>
+                <a:headEnd/>
+                <a:tailEnd/>
+              </a:ln>
+            </p:spPr>
+            <p:style>
+              <a:lnRef idx="2">
+                <a:schemeClr val="accent4"/>
+              </a:lnRef>
+              <a:fillRef idx="0">
+                <a:schemeClr val="accent4"/>
+              </a:fillRef>
+              <a:effectRef idx="1">
+                <a:schemeClr val="accent4"/>
+              </a:effectRef>
+              <a:fontRef idx="minor">
+                <a:schemeClr val="tx1"/>
+              </a:fontRef>
+            </p:style>
+            <p:txBody>
+              <a:bodyPr/>
+              <a:lstStyle/>
+              <a:p>
+                <a:pPr defTabSz="872733"/>
+                <a:endParaRPr lang="en-US" sz="1500">
+                  <a:solidFill>
+                    <a:prstClr val="black"/>
+                  </a:solidFill>
+                </a:endParaRPr>
+              </a:p>
+            </p:txBody>
+          </p:sp>
+          <p:sp>
+            <p:nvSpPr>
+              <p:cNvPr id="6" name="Text Box 11"/>
+              <p:cNvSpPr txBox="1">
+                <a:spLocks noChangeArrowheads="1"/>
+              </p:cNvSpPr>
+              <p:nvPr/>
+            </p:nvSpPr>
+            <p:spPr bwMode="auto">
+              <a:xfrm>
+                <a:off x="2632951" y="914632"/>
+                <a:ext cx="967275" cy="600164"/>
+              </a:xfrm>
+              <a:prstGeom prst="rect">
+                <a:avLst/>
+              </a:prstGeom>
+              <a:solidFill>
+                <a:schemeClr val="accent4">
+                  <a:lumMod val="40000"/>
+                  <a:lumOff val="60000"/>
+                </a:schemeClr>
+              </a:solidFill>
+              <a:ln w="19050">
+                <a:solidFill>
+                  <a:schemeClr val="accent4">
+                    <a:lumMod val="75000"/>
+                  </a:schemeClr>
+                </a:solidFill>
+                <a:headEnd/>
+                <a:tailEnd/>
+              </a:ln>
+            </p:spPr>
+            <p:style>
+              <a:lnRef idx="1">
+                <a:schemeClr val="accent4"/>
+              </a:lnRef>
+              <a:fillRef idx="2">
+                <a:schemeClr val="accent4"/>
+              </a:fillRef>
+              <a:effectRef idx="1">
+                <a:schemeClr val="accent4"/>
+              </a:effectRef>
+              <a:fontRef idx="minor">
+                <a:schemeClr val="dk1"/>
+              </a:fontRef>
+            </p:style>
+            <p:txBody>
+              <a:bodyPr wrap="square" tIns="182880" bIns="182880">
+                <a:spAutoFit/>
+              </a:bodyPr>
+              <a:lstStyle/>
+              <a:p>
+                <a:pPr algn="ctr" defTabSz="872733">
+                  <a:spcBef>
+                    <a:spcPct val="50000"/>
+                  </a:spcBef>
+                  <a:buFont typeface="Wingdings" pitchFamily="2" charset="2"/>
+                  <a:buNone/>
+                </a:pPr>
+                <a:r>
+                  <a:rPr lang="en-US" sz="1500" dirty="0">
+                    <a:solidFill>
+                      <a:prstClr val="black"/>
+                    </a:solidFill>
+                  </a:rPr>
+                  <a:t>:Parser</a:t>
+                </a:r>
+              </a:p>
+            </p:txBody>
+          </p:sp>
+          <p:sp>
+            <p:nvSpPr>
+              <p:cNvPr id="20" name="Line 15"/>
+              <p:cNvSpPr>
+                <a:spLocks noChangeShapeType="1"/>
+              </p:cNvSpPr>
+              <p:nvPr/>
+            </p:nvSpPr>
+            <p:spPr bwMode="auto">
+              <a:xfrm flipV="1">
+                <a:off x="728769" y="1273822"/>
+                <a:ext cx="1904183" cy="0"/>
+              </a:xfrm>
+              <a:prstGeom prst="line">
+                <a:avLst/>
+              </a:prstGeom>
+              <a:noFill/>
+              <a:ln w="19050">
+                <a:solidFill>
+                  <a:srgbClr val="7030A0"/>
+                </a:solidFill>
+                <a:round/>
+                <a:headEnd/>
+                <a:tailEnd type="triangle" w="lg" len="lg"/>
+              </a:ln>
+            </p:spPr>
+            <p:txBody>
+              <a:bodyPr/>
+              <a:lstStyle/>
+              <a:p>
+                <a:pPr defTabSz="872733"/>
+                <a:endParaRPr lang="en-US" sz="1500">
+                  <a:solidFill>
+                    <a:prstClr val="black"/>
+                  </a:solidFill>
+                </a:endParaRPr>
+              </a:p>
+            </p:txBody>
+          </p:sp>
+          <p:sp>
+            <p:nvSpPr>
+              <p:cNvPr id="19" name="Line 13"/>
+              <p:cNvSpPr>
+                <a:spLocks noChangeShapeType="1"/>
+              </p:cNvSpPr>
+              <p:nvPr/>
+            </p:nvSpPr>
+            <p:spPr bwMode="auto">
+              <a:xfrm>
+                <a:off x="3143305" y="1536670"/>
+                <a:ext cx="0" cy="2698375"/>
+              </a:xfrm>
+              <a:prstGeom prst="line">
+                <a:avLst/>
+              </a:prstGeom>
+              <a:ln>
+                <a:solidFill>
+                  <a:schemeClr val="accent4">
+                    <a:lumMod val="75000"/>
+                  </a:schemeClr>
+                </a:solidFill>
+                <a:prstDash val="sysDash"/>
+                <a:headEnd/>
+                <a:tailEnd/>
+              </a:ln>
+            </p:spPr>
+            <p:style>
+              <a:lnRef idx="2">
+                <a:schemeClr val="accent4"/>
+              </a:lnRef>
+              <a:fillRef idx="0">
+                <a:schemeClr val="accent4"/>
+              </a:fillRef>
+              <a:effectRef idx="1">
+                <a:schemeClr val="accent4"/>
+              </a:effectRef>
+              <a:fontRef idx="minor">
+                <a:schemeClr val="tx1"/>
+              </a:fontRef>
+            </p:style>
+            <p:txBody>
+              <a:bodyPr/>
+              <a:lstStyle/>
+              <a:p>
+                <a:pPr defTabSz="872733"/>
+                <a:endParaRPr lang="en-US" sz="1500" dirty="0">
+                  <a:solidFill>
+                    <a:prstClr val="black"/>
+                  </a:solidFill>
+                </a:endParaRPr>
+              </a:p>
+            </p:txBody>
+          </p:sp>
+          <p:sp>
+            <p:nvSpPr>
+              <p:cNvPr id="21" name="Text Box 25"/>
+              <p:cNvSpPr txBox="1">
+                <a:spLocks noChangeArrowheads="1"/>
+              </p:cNvSpPr>
+              <p:nvPr/>
+            </p:nvSpPr>
+            <p:spPr bwMode="auto">
+              <a:xfrm>
+                <a:off x="6125564" y="4267781"/>
+                <a:ext cx="1584515" cy="323165"/>
+              </a:xfrm>
+              <a:prstGeom prst="rect">
+                <a:avLst/>
+              </a:prstGeom>
+              <a:noFill/>
+              <a:ln w="12700" algn="ctr">
+                <a:noFill/>
+                <a:miter lim="800000"/>
+                <a:headEnd/>
+                <a:tailEnd/>
+              </a:ln>
+            </p:spPr>
+            <p:txBody>
+              <a:bodyPr wrap="square">
+                <a:spAutoFit/>
+              </a:bodyPr>
+              <a:lstStyle/>
+              <a:p>
+                <a:pPr defTabSz="872733">
+                  <a:spcBef>
+                    <a:spcPct val="50000"/>
+                  </a:spcBef>
+                  <a:buFont typeface="Wingdings" pitchFamily="2" charset="2"/>
+                  <a:buNone/>
+                </a:pPr>
+                <a:r>
+                  <a:rPr lang="en-US" sz="1500" i="1" dirty="0" err="1"/>
+                  <a:t>getItem</a:t>
+                </a:r>
+                <a:r>
+                  <a:rPr lang="en-US" sz="1500" i="1" dirty="0"/>
+                  <a:t>(index)</a:t>
+                </a:r>
+              </a:p>
+            </p:txBody>
+          </p:sp>
+          <p:sp>
+            <p:nvSpPr>
+              <p:cNvPr id="24" name="Line 15"/>
+              <p:cNvSpPr>
+                <a:spLocks noChangeShapeType="1"/>
+              </p:cNvSpPr>
+              <p:nvPr/>
+            </p:nvSpPr>
+            <p:spPr bwMode="auto">
+              <a:xfrm flipV="1">
+                <a:off x="3159315" y="2819959"/>
+                <a:ext cx="1720998" cy="0"/>
+              </a:xfrm>
+              <a:prstGeom prst="line">
+                <a:avLst/>
+              </a:prstGeom>
+              <a:noFill/>
+              <a:ln w="19050">
+                <a:solidFill>
+                  <a:schemeClr val="accent3">
+                    <a:lumMod val="75000"/>
+                  </a:schemeClr>
+                </a:solidFill>
+                <a:round/>
+                <a:headEnd/>
+                <a:tailEnd type="triangle" w="lg" len="lg"/>
+              </a:ln>
+            </p:spPr>
+            <p:txBody>
+              <a:bodyPr/>
+              <a:lstStyle/>
+              <a:p>
+                <a:pPr defTabSz="872733"/>
+                <a:endParaRPr lang="en-US" sz="1500">
+                  <a:solidFill>
+                    <a:prstClr val="black"/>
+                  </a:solidFill>
+                </a:endParaRPr>
+              </a:p>
+            </p:txBody>
+          </p:sp>
+          <p:sp>
+            <p:nvSpPr>
+              <p:cNvPr id="25" name="Text Box 25"/>
+              <p:cNvSpPr txBox="1">
+                <a:spLocks noChangeArrowheads="1"/>
+              </p:cNvSpPr>
+              <p:nvPr/>
+            </p:nvSpPr>
+            <p:spPr bwMode="auto">
+              <a:xfrm>
+                <a:off x="872562" y="1839153"/>
+                <a:ext cx="2500554" cy="323165"/>
+              </a:xfrm>
+              <a:prstGeom prst="rect">
+                <a:avLst/>
+              </a:prstGeom>
+              <a:noFill/>
+              <a:ln w="12700" algn="ctr">
+                <a:noFill/>
+                <a:miter lim="800000"/>
+                <a:headEnd/>
+                <a:tailEnd/>
+              </a:ln>
+            </p:spPr>
+            <p:txBody>
+              <a:bodyPr wrap="square">
+                <a:spAutoFit/>
+              </a:bodyPr>
+              <a:lstStyle/>
+              <a:p>
+                <a:pPr defTabSz="872733">
+                  <a:spcBef>
+                    <a:spcPct val="50000"/>
+                  </a:spcBef>
+                  <a:buFont typeface="Wingdings" pitchFamily="2" charset="2"/>
+                  <a:buNone/>
+                </a:pPr>
+                <a:r>
+                  <a:rPr lang="en-US" sz="1500" i="1" dirty="0" err="1"/>
+                  <a:t>parseCommand</a:t>
+                </a:r>
+                <a:r>
+                  <a:rPr lang="en-US" sz="1500" i="1" dirty="0"/>
+                  <a:t>(</a:t>
+                </a:r>
+                <a:r>
+                  <a:rPr lang="en-US" sz="1500" i="1" dirty="0" err="1"/>
+                  <a:t>userInput</a:t>
+                </a:r>
+                <a:r>
+                  <a:rPr lang="en-US" sz="1500" i="1" dirty="0"/>
+                  <a:t>)</a:t>
+                </a:r>
+              </a:p>
+            </p:txBody>
+          </p:sp>
+          <p:sp>
+            <p:nvSpPr>
+              <p:cNvPr id="29" name="Text Box 25"/>
+              <p:cNvSpPr txBox="1">
+                <a:spLocks noChangeArrowheads="1"/>
+              </p:cNvSpPr>
+              <p:nvPr/>
+            </p:nvSpPr>
+            <p:spPr bwMode="auto">
+              <a:xfrm>
+                <a:off x="1133142" y="2795516"/>
+                <a:ext cx="1710047" cy="657450"/>
+              </a:xfrm>
+              <a:prstGeom prst="rect">
+                <a:avLst/>
+              </a:prstGeom>
+              <a:noFill/>
+              <a:ln w="12700" algn="ctr">
+                <a:noFill/>
+                <a:miter lim="800000"/>
+                <a:headEnd/>
+                <a:tailEnd/>
+              </a:ln>
+            </p:spPr>
+            <p:txBody>
+              <a:bodyPr wrap="square">
+                <a:spAutoFit/>
+              </a:bodyPr>
+              <a:lstStyle/>
+              <a:p>
+                <a:pPr defTabSz="872733">
+                  <a:spcBef>
+                    <a:spcPct val="50000"/>
+                  </a:spcBef>
+                  <a:buFont typeface="Wingdings" pitchFamily="2" charset="2"/>
+                  <a:buNone/>
+                </a:pPr>
+                <a:r>
+                  <a:rPr lang="en-US" sz="1500" i="1" dirty="0"/>
+                  <a:t>return reference to </a:t>
+                </a:r>
+                <a:r>
+                  <a:rPr lang="en-US" sz="1500" i="1" dirty="0" err="1"/>
+                  <a:t>EditCommand</a:t>
+                </a:r>
+                <a:endParaRPr lang="en-US" sz="1500" i="1" dirty="0"/>
+              </a:p>
+            </p:txBody>
+          </p:sp>
+          <p:sp>
+            <p:nvSpPr>
+              <p:cNvPr id="34" name="Line 15"/>
+              <p:cNvSpPr>
+                <a:spLocks noChangeShapeType="1"/>
+              </p:cNvSpPr>
+              <p:nvPr/>
+            </p:nvSpPr>
+            <p:spPr bwMode="auto">
+              <a:xfrm flipV="1">
+                <a:off x="724593" y="2180860"/>
+                <a:ext cx="2418711" cy="0"/>
+              </a:xfrm>
+              <a:prstGeom prst="line">
+                <a:avLst/>
+              </a:prstGeom>
+              <a:noFill/>
+              <a:ln w="19050">
+                <a:solidFill>
+                  <a:srgbClr val="7030A0"/>
+                </a:solidFill>
+                <a:round/>
+                <a:headEnd/>
+                <a:tailEnd type="triangle" w="lg" len="lg"/>
+              </a:ln>
+            </p:spPr>
+            <p:txBody>
+              <a:bodyPr/>
+              <a:lstStyle/>
+              <a:p>
+                <a:pPr defTabSz="872733"/>
+                <a:endParaRPr lang="en-US" sz="1500">
+                  <a:solidFill>
+                    <a:prstClr val="black"/>
+                  </a:solidFill>
+                </a:endParaRPr>
+              </a:p>
+            </p:txBody>
+          </p:sp>
+          <p:sp>
+            <p:nvSpPr>
+              <p:cNvPr id="38" name="Text Box 25"/>
+              <p:cNvSpPr txBox="1">
+                <a:spLocks noChangeArrowheads="1"/>
+              </p:cNvSpPr>
+              <p:nvPr/>
+            </p:nvSpPr>
+            <p:spPr bwMode="auto">
+              <a:xfrm>
+                <a:off x="1211846" y="920055"/>
+                <a:ext cx="1182981" cy="323165"/>
+              </a:xfrm>
+              <a:prstGeom prst="rect">
+                <a:avLst/>
+              </a:prstGeom>
+              <a:noFill/>
+              <a:ln w="12700" algn="ctr">
+                <a:noFill/>
+                <a:miter lim="800000"/>
+                <a:headEnd/>
+                <a:tailEnd/>
+              </a:ln>
+            </p:spPr>
+            <p:txBody>
+              <a:bodyPr wrap="square">
+                <a:spAutoFit/>
+              </a:bodyPr>
+              <a:lstStyle/>
+              <a:p>
+                <a:pPr defTabSz="872733">
+                  <a:spcBef>
+                    <a:spcPct val="50000"/>
+                  </a:spcBef>
+                  <a:buFont typeface="Wingdings" pitchFamily="2" charset="2"/>
+                  <a:buNone/>
+                </a:pPr>
+                <a:r>
+                  <a:rPr lang="en-US" sz="1500" i="1" dirty="0"/>
+                  <a:t>Parser()</a:t>
+                </a:r>
+              </a:p>
+            </p:txBody>
+          </p:sp>
+          <p:sp>
+            <p:nvSpPr>
+              <p:cNvPr id="33" name="Line 13"/>
+              <p:cNvSpPr>
+                <a:spLocks noChangeShapeType="1"/>
+              </p:cNvSpPr>
+              <p:nvPr/>
+            </p:nvSpPr>
+            <p:spPr bwMode="auto">
+              <a:xfrm flipH="1">
+                <a:off x="5583867" y="2639101"/>
+                <a:ext cx="0" cy="4936363"/>
+              </a:xfrm>
+              <a:prstGeom prst="line">
+                <a:avLst/>
+              </a:prstGeom>
+              <a:ln>
+                <a:solidFill>
+                  <a:schemeClr val="accent3">
+                    <a:lumMod val="75000"/>
+                  </a:schemeClr>
+                </a:solidFill>
+                <a:prstDash val="sysDash"/>
+                <a:headEnd/>
+                <a:tailEnd/>
+              </a:ln>
+            </p:spPr>
+            <p:style>
+              <a:lnRef idx="2">
+                <a:schemeClr val="accent4"/>
+              </a:lnRef>
+              <a:fillRef idx="0">
+                <a:schemeClr val="accent4"/>
+              </a:fillRef>
+              <a:effectRef idx="1">
+                <a:schemeClr val="accent4"/>
+              </a:effectRef>
+              <a:fontRef idx="minor">
+                <a:schemeClr val="tx1"/>
+              </a:fontRef>
+            </p:style>
+            <p:txBody>
+              <a:bodyPr/>
+              <a:lstStyle/>
+              <a:p>
+                <a:pPr defTabSz="872733"/>
+                <a:endParaRPr lang="en-US" sz="1500">
+                  <a:solidFill>
+                    <a:prstClr val="black"/>
+                  </a:solidFill>
+                </a:endParaRPr>
+              </a:p>
+            </p:txBody>
+          </p:sp>
+          <p:sp>
+            <p:nvSpPr>
+              <p:cNvPr id="42" name="Text Box 11">
                 <a:extLst>
                   <a:ext uri="{FF2B5EF4-FFF2-40B4-BE49-F238E27FC236}">
-                    <a16:creationId xmlns:a16="http://schemas.microsoft.com/office/drawing/2014/main" id="{28203D4A-2D34-49C2-9226-15C6FCA45B63}"/>
+                    <a16:creationId xmlns:a16="http://schemas.microsoft.com/office/drawing/2014/main" id="{569EC1FF-3CDF-4E6B-82B3-104CCA3F3E9D}"/>
+                  </a:ext>
+                </a:extLst>
+              </p:cNvPr>
+              <p:cNvSpPr txBox="1">
+                <a:spLocks noChangeArrowheads="1"/>
+              </p:cNvSpPr>
+              <p:nvPr/>
+            </p:nvSpPr>
+            <p:spPr bwMode="auto">
+              <a:xfrm>
+                <a:off x="6855484" y="2511504"/>
+                <a:ext cx="1676400" cy="600164"/>
+              </a:xfrm>
+              <a:prstGeom prst="rect">
+                <a:avLst/>
+              </a:prstGeom>
+              <a:solidFill>
+                <a:schemeClr val="bg2">
+                  <a:lumMod val="75000"/>
+                </a:schemeClr>
+              </a:solidFill>
+              <a:ln w="19050">
+                <a:solidFill>
+                  <a:schemeClr val="bg2">
+                    <a:lumMod val="50000"/>
+                  </a:schemeClr>
+                </a:solidFill>
+                <a:headEnd/>
+                <a:tailEnd/>
+              </a:ln>
+            </p:spPr>
+            <p:style>
+              <a:lnRef idx="1">
+                <a:schemeClr val="accent4"/>
+              </a:lnRef>
+              <a:fillRef idx="2">
+                <a:schemeClr val="accent4"/>
+              </a:fillRef>
+              <a:effectRef idx="1">
+                <a:schemeClr val="accent4"/>
+              </a:effectRef>
+              <a:fontRef idx="minor">
+                <a:schemeClr val="dk1"/>
+              </a:fontRef>
+            </p:style>
+            <p:txBody>
+              <a:bodyPr wrap="square" tIns="182880" bIns="182880">
+                <a:spAutoFit/>
+              </a:bodyPr>
+              <a:lstStyle/>
+              <a:p>
+                <a:pPr algn="ctr" defTabSz="872733">
+                  <a:spcBef>
+                    <a:spcPct val="50000"/>
+                  </a:spcBef>
+                  <a:buFont typeface="Wingdings" pitchFamily="2" charset="2"/>
+                  <a:buNone/>
+                </a:pPr>
+                <a:r>
+                  <a:rPr lang="en-US" sz="1500" dirty="0" err="1">
+                    <a:solidFill>
+                      <a:prstClr val="black"/>
+                    </a:solidFill>
+                  </a:rPr>
+                  <a:t>items:ShoppingList</a:t>
+                </a:r>
+                <a:endParaRPr lang="en-US" sz="1500" dirty="0">
+                  <a:solidFill>
+                    <a:prstClr val="black"/>
+                  </a:solidFill>
+                </a:endParaRPr>
+              </a:p>
+            </p:txBody>
+          </p:sp>
+          <p:sp>
+            <p:nvSpPr>
+              <p:cNvPr id="43" name="Text Box 11">
+                <a:extLst>
+                  <a:ext uri="{FF2B5EF4-FFF2-40B4-BE49-F238E27FC236}">
+                    <a16:creationId xmlns:a16="http://schemas.microsoft.com/office/drawing/2014/main" id="{79ACA4C9-9678-4611-AE49-25FE7CAE8B35}"/>
+                  </a:ext>
+                </a:extLst>
+              </p:cNvPr>
+              <p:cNvSpPr txBox="1">
+                <a:spLocks noChangeArrowheads="1"/>
+              </p:cNvSpPr>
+              <p:nvPr/>
+            </p:nvSpPr>
+            <p:spPr bwMode="auto">
+              <a:xfrm>
+                <a:off x="117858" y="197507"/>
+                <a:ext cx="1295400" cy="600164"/>
+              </a:xfrm>
+              <a:prstGeom prst="rect">
+                <a:avLst/>
+              </a:prstGeom>
+              <a:solidFill>
+                <a:schemeClr val="accent2">
+                  <a:lumMod val="40000"/>
+                  <a:lumOff val="60000"/>
+                </a:schemeClr>
+              </a:solidFill>
+              <a:ln w="19050">
+                <a:solidFill>
+                  <a:schemeClr val="accent2">
+                    <a:lumMod val="60000"/>
+                    <a:lumOff val="40000"/>
+                  </a:schemeClr>
+                </a:solidFill>
+                <a:headEnd/>
+                <a:tailEnd/>
+              </a:ln>
+            </p:spPr>
+            <p:style>
+              <a:lnRef idx="1">
+                <a:schemeClr val="accent4"/>
+              </a:lnRef>
+              <a:fillRef idx="2">
+                <a:schemeClr val="accent4"/>
+              </a:fillRef>
+              <a:effectRef idx="1">
+                <a:schemeClr val="accent4"/>
+              </a:effectRef>
+              <a:fontRef idx="minor">
+                <a:schemeClr val="dk1"/>
+              </a:fontRef>
+            </p:style>
+            <p:txBody>
+              <a:bodyPr tIns="182880" bIns="182880">
+                <a:spAutoFit/>
+              </a:bodyPr>
+              <a:lstStyle/>
+              <a:p>
+                <a:pPr algn="ctr" defTabSz="872733">
+                  <a:spcBef>
+                    <a:spcPct val="50000"/>
+                  </a:spcBef>
+                  <a:buFont typeface="Wingdings" pitchFamily="2" charset="2"/>
+                  <a:buNone/>
+                </a:pPr>
+                <a:r>
+                  <a:rPr lang="en-US" sz="1500" dirty="0">
+                    <a:solidFill>
+                      <a:prstClr val="black"/>
+                    </a:solidFill>
+                  </a:rPr>
+                  <a:t>:Duke</a:t>
+                </a:r>
+              </a:p>
+            </p:txBody>
+          </p:sp>
+          <p:sp>
+            <p:nvSpPr>
+              <p:cNvPr id="45" name="Line 15">
+                <a:extLst>
+                  <a:ext uri="{FF2B5EF4-FFF2-40B4-BE49-F238E27FC236}">
+                    <a16:creationId xmlns:a16="http://schemas.microsoft.com/office/drawing/2014/main" id="{0EB24DA8-2498-4853-AED4-3458A81C456A}"/>
+                  </a:ext>
+                </a:extLst>
+              </p:cNvPr>
+              <p:cNvSpPr>
+                <a:spLocks noChangeShapeType="1"/>
+              </p:cNvSpPr>
+              <p:nvPr/>
+            </p:nvSpPr>
+            <p:spPr bwMode="auto">
+              <a:xfrm>
+                <a:off x="724594" y="4352051"/>
+                <a:ext cx="4859273" cy="0"/>
+              </a:xfrm>
+              <a:prstGeom prst="line">
+                <a:avLst/>
+              </a:prstGeom>
+              <a:noFill/>
+              <a:ln w="19050">
+                <a:solidFill>
+                  <a:schemeClr val="accent3">
+                    <a:lumMod val="75000"/>
+                  </a:schemeClr>
+                </a:solidFill>
+                <a:round/>
+                <a:headEnd/>
+                <a:tailEnd type="triangle" w="lg" len="lg"/>
+              </a:ln>
+            </p:spPr>
+            <p:txBody>
+              <a:bodyPr/>
+              <a:lstStyle/>
+              <a:p>
+                <a:pPr defTabSz="872733"/>
+                <a:endParaRPr lang="en-US" sz="1500" dirty="0">
+                  <a:solidFill>
+                    <a:prstClr val="black"/>
+                  </a:solidFill>
+                </a:endParaRPr>
+              </a:p>
+            </p:txBody>
+          </p:sp>
+          <p:sp>
+            <p:nvSpPr>
+              <p:cNvPr id="46" name="Line 15">
+                <a:extLst>
+                  <a:ext uri="{FF2B5EF4-FFF2-40B4-BE49-F238E27FC236}">
+                    <a16:creationId xmlns:a16="http://schemas.microsoft.com/office/drawing/2014/main" id="{9BC66A45-C94A-4E62-8981-39EC5DACDD6D}"/>
+                  </a:ext>
+                </a:extLst>
+              </p:cNvPr>
+              <p:cNvSpPr>
+                <a:spLocks noChangeShapeType="1"/>
+              </p:cNvSpPr>
+              <p:nvPr/>
+            </p:nvSpPr>
+            <p:spPr bwMode="auto">
+              <a:xfrm>
+                <a:off x="5594137" y="4627084"/>
+                <a:ext cx="2233503" cy="0"/>
+              </a:xfrm>
+              <a:prstGeom prst="line">
+                <a:avLst/>
+              </a:prstGeom>
+              <a:noFill/>
+              <a:ln w="19050">
+                <a:solidFill>
+                  <a:schemeClr val="bg2">
+                    <a:lumMod val="50000"/>
+                  </a:schemeClr>
+                </a:solidFill>
+                <a:round/>
+                <a:headEnd/>
+                <a:tailEnd type="triangle" w="lg" len="lg"/>
+              </a:ln>
+            </p:spPr>
+            <p:txBody>
+              <a:bodyPr/>
+              <a:lstStyle/>
+              <a:p>
+                <a:pPr defTabSz="872733"/>
+                <a:endParaRPr lang="en-US" sz="1500">
+                  <a:solidFill>
+                    <a:prstClr val="black"/>
+                  </a:solidFill>
+                </a:endParaRPr>
+              </a:p>
+            </p:txBody>
+          </p:sp>
+          <p:sp>
+            <p:nvSpPr>
+              <p:cNvPr id="47" name="Text Box 25">
+                <a:extLst>
+                  <a:ext uri="{FF2B5EF4-FFF2-40B4-BE49-F238E27FC236}">
+                    <a16:creationId xmlns:a16="http://schemas.microsoft.com/office/drawing/2014/main" id="{342B431E-151F-4A55-A1AE-57F6FE56D1EF}"/>
+                  </a:ext>
+                </a:extLst>
+              </p:cNvPr>
+              <p:cNvSpPr txBox="1">
+                <a:spLocks noChangeArrowheads="1"/>
+              </p:cNvSpPr>
+              <p:nvPr/>
+            </p:nvSpPr>
+            <p:spPr bwMode="auto">
+              <a:xfrm>
+                <a:off x="3323780" y="2458242"/>
+                <a:ext cx="1412001" cy="383512"/>
+              </a:xfrm>
+              <a:prstGeom prst="rect">
+                <a:avLst/>
+              </a:prstGeom>
+              <a:noFill/>
+              <a:ln w="12700" algn="ctr">
+                <a:noFill/>
+                <a:miter lim="800000"/>
+                <a:headEnd/>
+                <a:tailEnd/>
+              </a:ln>
+            </p:spPr>
+            <p:txBody>
+              <a:bodyPr wrap="square">
+                <a:spAutoFit/>
+              </a:bodyPr>
+              <a:lstStyle/>
+              <a:p>
+                <a:pPr defTabSz="872733">
+                  <a:spcBef>
+                    <a:spcPct val="50000"/>
+                  </a:spcBef>
+                  <a:buFont typeface="Wingdings" pitchFamily="2" charset="2"/>
+                  <a:buNone/>
+                </a:pPr>
+                <a:r>
+                  <a:rPr lang="en-US" sz="1500" i="1" dirty="0" err="1"/>
+                  <a:t>EditCommand</a:t>
+                </a:r>
+                <a:r>
+                  <a:rPr lang="en-US" sz="1500" i="1" dirty="0"/>
+                  <a:t>()</a:t>
+                </a:r>
+              </a:p>
+            </p:txBody>
+          </p:sp>
+          <p:sp>
+            <p:nvSpPr>
+              <p:cNvPr id="48" name="Line 16">
+                <a:extLst>
+                  <a:ext uri="{FF2B5EF4-FFF2-40B4-BE49-F238E27FC236}">
+                    <a16:creationId xmlns:a16="http://schemas.microsoft.com/office/drawing/2014/main" id="{5278BFBC-6FA4-432C-994E-8DD2A55ED046}"/>
+                  </a:ext>
+                </a:extLst>
+              </p:cNvPr>
+              <p:cNvSpPr>
+                <a:spLocks noChangeShapeType="1"/>
+              </p:cNvSpPr>
+              <p:nvPr/>
+            </p:nvSpPr>
+            <p:spPr bwMode="auto">
+              <a:xfrm flipH="1" flipV="1">
+                <a:off x="740604" y="3459569"/>
+                <a:ext cx="2418711" cy="0"/>
+              </a:xfrm>
+              <a:prstGeom prst="line">
+                <a:avLst/>
+              </a:prstGeom>
+              <a:noFill/>
+              <a:ln w="19050">
+                <a:solidFill>
+                  <a:schemeClr val="accent4"/>
+                </a:solidFill>
+                <a:prstDash val="sysDash"/>
+                <a:round/>
+                <a:headEnd/>
+                <a:tailEnd type="triangle" w="lg" len="lg"/>
+              </a:ln>
+            </p:spPr>
+            <p:txBody>
+              <a:bodyPr/>
+              <a:lstStyle/>
+              <a:p>
+                <a:pPr defTabSz="872733"/>
+                <a:endParaRPr lang="en-US" sz="1500">
+                  <a:solidFill>
+                    <a:prstClr val="black"/>
+                  </a:solidFill>
+                </a:endParaRPr>
+              </a:p>
+            </p:txBody>
+          </p:sp>
+          <p:sp>
+            <p:nvSpPr>
+              <p:cNvPr id="51" name="Text Box 25">
+                <a:extLst>
+                  <a:ext uri="{FF2B5EF4-FFF2-40B4-BE49-F238E27FC236}">
+                    <a16:creationId xmlns:a16="http://schemas.microsoft.com/office/drawing/2014/main" id="{34020A70-184B-4A57-816D-CCE686742C10}"/>
+                  </a:ext>
+                </a:extLst>
+              </p:cNvPr>
+              <p:cNvSpPr txBox="1">
+                <a:spLocks noChangeArrowheads="1"/>
+              </p:cNvSpPr>
+              <p:nvPr/>
+            </p:nvSpPr>
+            <p:spPr bwMode="auto">
+              <a:xfrm>
+                <a:off x="3924577" y="3995543"/>
+                <a:ext cx="886908" cy="323165"/>
+              </a:xfrm>
+              <a:prstGeom prst="rect">
+                <a:avLst/>
+              </a:prstGeom>
+              <a:noFill/>
+              <a:ln w="12700" algn="ctr">
+                <a:noFill/>
+                <a:miter lim="800000"/>
+                <a:headEnd/>
+                <a:tailEnd/>
+              </a:ln>
+            </p:spPr>
+            <p:txBody>
+              <a:bodyPr wrap="square">
+                <a:spAutoFit/>
+              </a:bodyPr>
+              <a:lstStyle/>
+              <a:p>
+                <a:pPr defTabSz="872733">
+                  <a:spcBef>
+                    <a:spcPct val="50000"/>
+                  </a:spcBef>
+                  <a:buFont typeface="Wingdings" pitchFamily="2" charset="2"/>
+                  <a:buNone/>
+                </a:pPr>
+                <a:r>
+                  <a:rPr lang="en-US" sz="1500" i="1" dirty="0"/>
+                  <a:t>execute()</a:t>
+                </a:r>
+              </a:p>
+            </p:txBody>
+          </p:sp>
+          <p:sp>
+            <p:nvSpPr>
+              <p:cNvPr id="52" name="Line 13">
+                <a:extLst>
+                  <a:ext uri="{FF2B5EF4-FFF2-40B4-BE49-F238E27FC236}">
+                    <a16:creationId xmlns:a16="http://schemas.microsoft.com/office/drawing/2014/main" id="{C30F3633-BE5D-441D-9C87-D00C0DFC3E6D}"/>
+                  </a:ext>
+                </a:extLst>
+              </p:cNvPr>
+              <p:cNvSpPr>
+                <a:spLocks noChangeShapeType="1"/>
+              </p:cNvSpPr>
+              <p:nvPr/>
+            </p:nvSpPr>
+            <p:spPr bwMode="auto">
+              <a:xfrm flipH="1">
+                <a:off x="7820170" y="3139120"/>
+                <a:ext cx="0" cy="4681062"/>
+              </a:xfrm>
+              <a:prstGeom prst="line">
+                <a:avLst/>
+              </a:prstGeom>
+              <a:ln>
+                <a:solidFill>
+                  <a:schemeClr val="bg2">
+                    <a:lumMod val="50000"/>
+                  </a:schemeClr>
+                </a:solidFill>
+                <a:prstDash val="sysDash"/>
+                <a:headEnd/>
+                <a:tailEnd/>
+              </a:ln>
+            </p:spPr>
+            <p:style>
+              <a:lnRef idx="2">
+                <a:schemeClr val="accent4"/>
+              </a:lnRef>
+              <a:fillRef idx="0">
+                <a:schemeClr val="accent4"/>
+              </a:fillRef>
+              <a:effectRef idx="1">
+                <a:schemeClr val="accent4"/>
+              </a:effectRef>
+              <a:fontRef idx="minor">
+                <a:schemeClr val="tx1"/>
+              </a:fontRef>
+            </p:style>
+            <p:txBody>
+              <a:bodyPr/>
+              <a:lstStyle/>
+              <a:p>
+                <a:pPr defTabSz="872733"/>
+                <a:endParaRPr lang="en-US" sz="1500">
+                  <a:solidFill>
+                    <a:prstClr val="black"/>
+                  </a:solidFill>
+                </a:endParaRPr>
+              </a:p>
+            </p:txBody>
+          </p:sp>
+          <p:cxnSp>
+            <p:nvCxnSpPr>
+              <p:cNvPr id="54" name="Straight Connector 53">
+                <a:extLst>
+                  <a:ext uri="{FF2B5EF4-FFF2-40B4-BE49-F238E27FC236}">
+                    <a16:creationId xmlns:a16="http://schemas.microsoft.com/office/drawing/2014/main" id="{BB6AEF2A-70C0-4C86-ACC0-ED4823D6AC46}"/>
+                  </a:ext>
+                </a:extLst>
+              </p:cNvPr>
+              <p:cNvCxnSpPr/>
+              <p:nvPr/>
+            </p:nvCxnSpPr>
+            <p:spPr>
+              <a:xfrm rot="16200000" flipV="1">
+                <a:off x="5443887" y="7487609"/>
+                <a:ext cx="284430" cy="267655"/>
+              </a:xfrm>
+              <a:prstGeom prst="line">
+                <a:avLst/>
+              </a:prstGeom>
+              <a:ln w="19050">
+                <a:solidFill>
+                  <a:schemeClr val="accent3">
+                    <a:lumMod val="75000"/>
+                  </a:schemeClr>
+                </a:solidFill>
+              </a:ln>
+            </p:spPr>
+            <p:style>
+              <a:lnRef idx="1">
+                <a:schemeClr val="accent1"/>
+              </a:lnRef>
+              <a:fillRef idx="0">
+                <a:schemeClr val="accent1"/>
+              </a:fillRef>
+              <a:effectRef idx="0">
+                <a:schemeClr val="accent1"/>
+              </a:effectRef>
+              <a:fontRef idx="minor">
+                <a:schemeClr val="tx1"/>
+              </a:fontRef>
+            </p:style>
+          </p:cxnSp>
+          <p:cxnSp>
+            <p:nvCxnSpPr>
+              <p:cNvPr id="55" name="Straight Connector 54">
+                <a:extLst>
+                  <a:ext uri="{FF2B5EF4-FFF2-40B4-BE49-F238E27FC236}">
+                    <a16:creationId xmlns:a16="http://schemas.microsoft.com/office/drawing/2014/main" id="{9664B067-90B9-447F-947E-62F78A316229}"/>
+                  </a:ext>
+                </a:extLst>
+              </p:cNvPr>
+              <p:cNvCxnSpPr/>
+              <p:nvPr/>
+            </p:nvCxnSpPr>
+            <p:spPr>
+              <a:xfrm rot="5400000">
+                <a:off x="5437298" y="7492103"/>
+                <a:ext cx="288176" cy="266007"/>
+              </a:xfrm>
+              <a:prstGeom prst="line">
+                <a:avLst/>
+              </a:prstGeom>
+              <a:ln w="19050">
+                <a:solidFill>
+                  <a:schemeClr val="accent3">
+                    <a:lumMod val="75000"/>
+                  </a:schemeClr>
+                </a:solidFill>
+              </a:ln>
+            </p:spPr>
+            <p:style>
+              <a:lnRef idx="1">
+                <a:schemeClr val="accent1"/>
+              </a:lnRef>
+              <a:fillRef idx="0">
+                <a:schemeClr val="accent1"/>
+              </a:fillRef>
+              <a:effectRef idx="0">
+                <a:schemeClr val="accent1"/>
+              </a:effectRef>
+              <a:fontRef idx="minor">
+                <a:schemeClr val="tx1"/>
+              </a:fontRef>
+            </p:style>
+          </p:cxnSp>
+          <p:sp>
+            <p:nvSpPr>
+              <p:cNvPr id="30" name="Line 16">
+                <a:extLst>
+                  <a:ext uri="{FF2B5EF4-FFF2-40B4-BE49-F238E27FC236}">
+                    <a16:creationId xmlns:a16="http://schemas.microsoft.com/office/drawing/2014/main" id="{A935255C-2F87-41E9-BCE8-F6798CB9DB33}"/>
+                  </a:ext>
+                </a:extLst>
+              </p:cNvPr>
+              <p:cNvSpPr>
+                <a:spLocks noChangeShapeType="1"/>
+              </p:cNvSpPr>
+              <p:nvPr/>
+            </p:nvSpPr>
+            <p:spPr bwMode="auto">
+              <a:xfrm flipH="1" flipV="1">
+                <a:off x="5613187" y="5058101"/>
+                <a:ext cx="2214453" cy="0"/>
+              </a:xfrm>
+              <a:prstGeom prst="line">
+                <a:avLst/>
+              </a:prstGeom>
+              <a:noFill/>
+              <a:ln w="19050">
+                <a:solidFill>
+                  <a:schemeClr val="bg2">
+                    <a:lumMod val="50000"/>
+                  </a:schemeClr>
+                </a:solidFill>
+                <a:prstDash val="sysDash"/>
+                <a:round/>
+                <a:headEnd/>
+                <a:tailEnd type="triangle" w="lg" len="lg"/>
+              </a:ln>
+            </p:spPr>
+            <p:txBody>
+              <a:bodyPr/>
+              <a:lstStyle/>
+              <a:p>
+                <a:pPr defTabSz="872733"/>
+                <a:endParaRPr lang="en-US" sz="1500">
+                  <a:solidFill>
+                    <a:prstClr val="black"/>
+                  </a:solidFill>
+                </a:endParaRPr>
+              </a:p>
+            </p:txBody>
+          </p:sp>
+          <p:sp>
+            <p:nvSpPr>
+              <p:cNvPr id="18" name="Text Box 11"/>
+              <p:cNvSpPr txBox="1">
+                <a:spLocks noChangeArrowheads="1"/>
+              </p:cNvSpPr>
+              <p:nvPr/>
+            </p:nvSpPr>
+            <p:spPr bwMode="auto">
+              <a:xfrm>
+                <a:off x="4880313" y="2491084"/>
+                <a:ext cx="1596653" cy="600164"/>
+              </a:xfrm>
+              <a:prstGeom prst="rect">
+                <a:avLst/>
+              </a:prstGeom>
+              <a:ln w="19050">
+                <a:headEnd/>
+                <a:tailEnd/>
+              </a:ln>
+            </p:spPr>
+            <p:style>
+              <a:lnRef idx="1">
+                <a:schemeClr val="accent3"/>
+              </a:lnRef>
+              <a:fillRef idx="2">
+                <a:schemeClr val="accent3"/>
+              </a:fillRef>
+              <a:effectRef idx="1">
+                <a:schemeClr val="accent3"/>
+              </a:effectRef>
+              <a:fontRef idx="minor">
+                <a:schemeClr val="dk1"/>
+              </a:fontRef>
+            </p:style>
+            <p:txBody>
+              <a:bodyPr wrap="square" tIns="182880" bIns="182880">
+                <a:spAutoFit/>
+              </a:bodyPr>
+              <a:lstStyle/>
+              <a:p>
+                <a:pPr algn="ctr" defTabSz="872733">
+                  <a:spcBef>
+                    <a:spcPct val="50000"/>
+                  </a:spcBef>
+                  <a:buFont typeface="Wingdings" pitchFamily="2" charset="2"/>
+                  <a:buNone/>
+                </a:pPr>
+                <a:r>
+                  <a:rPr lang="en-US" sz="1500" dirty="0">
+                    <a:solidFill>
+                      <a:prstClr val="black"/>
+                    </a:solidFill>
+                  </a:rPr>
+                  <a:t>:</a:t>
+                </a:r>
+                <a:r>
+                  <a:rPr lang="en-US" sz="1500" dirty="0" err="1">
+                    <a:solidFill>
+                      <a:prstClr val="black"/>
+                    </a:solidFill>
+                  </a:rPr>
+                  <a:t>EditCommand</a:t>
+                </a:r>
+                <a:endParaRPr lang="en-US" sz="1500" dirty="0">
+                  <a:solidFill>
+                    <a:prstClr val="black"/>
+                  </a:solidFill>
+                </a:endParaRPr>
+              </a:p>
+            </p:txBody>
+          </p:sp>
+        </p:grpSp>
+        <p:grpSp>
+          <p:nvGrpSpPr>
+            <p:cNvPr id="4" name="Group 3">
+              <a:extLst>
+                <a:ext uri="{FF2B5EF4-FFF2-40B4-BE49-F238E27FC236}">
+                  <a16:creationId xmlns:a16="http://schemas.microsoft.com/office/drawing/2014/main" id="{0C728DD1-DFDC-4E29-A683-00329337F665}"/>
+                </a:ext>
+              </a:extLst>
+            </p:cNvPr>
+            <p:cNvGrpSpPr/>
+            <p:nvPr/>
+          </p:nvGrpSpPr>
+          <p:grpSpPr>
+            <a:xfrm>
+              <a:off x="5334000" y="4721710"/>
+              <a:ext cx="3562689" cy="612290"/>
+              <a:chOff x="5325541" y="911710"/>
+              <a:chExt cx="3380529" cy="601724"/>
+            </a:xfrm>
+          </p:grpSpPr>
+          <p:sp>
+            <p:nvSpPr>
+              <p:cNvPr id="56" name="Rectangle 55">
+                <a:extLst>
+                  <a:ext uri="{FF2B5EF4-FFF2-40B4-BE49-F238E27FC236}">
+                    <a16:creationId xmlns:a16="http://schemas.microsoft.com/office/drawing/2014/main" id="{8D2C2257-3ECD-47F4-9E03-5FE3F2C9575E}"/>
                   </a:ext>
                 </a:extLst>
               </p:cNvPr>
@@ -5630,8 +5196,8 @@
             </p:nvSpPr>
             <p:spPr>
               <a:xfrm>
-                <a:off x="4975006" y="4278451"/>
-                <a:ext cx="3358510" cy="677640"/>
+                <a:off x="5325541" y="942423"/>
+                <a:ext cx="3380529" cy="571011"/>
               </a:xfrm>
               <a:prstGeom prst="rect">
                 <a:avLst/>
@@ -5663,10 +5229,10 @@
           </p:sp>
           <p:sp>
             <p:nvSpPr>
-              <p:cNvPr id="24" name="Rectangle: Top Corners One Rounded and One Snipped 23">
+              <p:cNvPr id="57" name="Rectangle: Top Corners One Rounded and One Snipped 56">
                 <a:extLst>
                   <a:ext uri="{FF2B5EF4-FFF2-40B4-BE49-F238E27FC236}">
-                    <a16:creationId xmlns:a16="http://schemas.microsoft.com/office/drawing/2014/main" id="{DBCE37C5-51AD-4566-9F6C-7F4F608DB88F}"/>
+                    <a16:creationId xmlns:a16="http://schemas.microsoft.com/office/drawing/2014/main" id="{48978760-D24A-40B1-87D7-2CA21E6EC3F1}"/>
                   </a:ext>
                 </a:extLst>
               </p:cNvPr>
@@ -5675,8 +5241,8 @@
             </p:nvSpPr>
             <p:spPr>
               <a:xfrm rot="10800000" flipH="1">
-                <a:off x="4975006" y="4279487"/>
-                <a:ext cx="1154708" cy="51042"/>
+                <a:off x="5325542" y="942614"/>
+                <a:ext cx="885621" cy="285313"/>
               </a:xfrm>
               <a:prstGeom prst="snipRoundRect">
                 <a:avLst/>
@@ -5713,10 +5279,10 @@
           </p:sp>
           <p:sp>
             <p:nvSpPr>
-              <p:cNvPr id="25" name="TextBox 24">
+              <p:cNvPr id="58" name="TextBox 57">
                 <a:extLst>
                   <a:ext uri="{FF2B5EF4-FFF2-40B4-BE49-F238E27FC236}">
-                    <a16:creationId xmlns:a16="http://schemas.microsoft.com/office/drawing/2014/main" id="{E8B804CF-AA68-4F3B-BD90-D535159AD470}"/>
+                    <a16:creationId xmlns:a16="http://schemas.microsoft.com/office/drawing/2014/main" id="{BD96F86C-54E5-40F7-B7AE-2E623965D4ED}"/>
                   </a:ext>
                 </a:extLst>
               </p:cNvPr>
@@ -5725,8 +5291,8 @@
             </p:nvSpPr>
             <p:spPr>
               <a:xfrm>
-                <a:off x="5038910" y="4283115"/>
-                <a:ext cx="2106917" cy="72312"/>
+                <a:off x="5504929" y="911710"/>
+                <a:ext cx="525682" cy="544628"/>
               </a:xfrm>
               <a:prstGeom prst="rect">
                 <a:avLst/>
@@ -5741,7 +5307,7 @@
               <a:p>
                 <a:r>
                   <a:rPr lang="en-SG" dirty="0"/>
-                  <a:t>sd update item values</a:t>
+                  <a:t>ref</a:t>
                 </a:r>
               </a:p>
               <a:p>
@@ -5749,13 +5315,233 @@
               </a:p>
             </p:txBody>
           </p:sp>
+          <p:sp>
+            <p:nvSpPr>
+              <p:cNvPr id="59" name="TextBox 58">
+                <a:extLst>
+                  <a:ext uri="{FF2B5EF4-FFF2-40B4-BE49-F238E27FC236}">
+                    <a16:creationId xmlns:a16="http://schemas.microsoft.com/office/drawing/2014/main" id="{440536AE-575F-4115-8F41-555F680D0D45}"/>
+                  </a:ext>
+                </a:extLst>
+              </p:cNvPr>
+              <p:cNvSpPr txBox="1"/>
+              <p:nvPr/>
+            </p:nvSpPr>
+            <p:spPr>
+              <a:xfrm>
+                <a:off x="6200471" y="1059043"/>
+                <a:ext cx="1985654" cy="311216"/>
+              </a:xfrm>
+              <a:prstGeom prst="rect">
+                <a:avLst/>
+              </a:prstGeom>
+              <a:noFill/>
+            </p:spPr>
+            <p:txBody>
+              <a:bodyPr wrap="none" rtlCol="0">
+                <a:spAutoFit/>
+              </a:bodyPr>
+              <a:lstStyle/>
+              <a:p>
+                <a:r>
+                  <a:rPr lang="en-SG" dirty="0"/>
+                  <a:t>update item values</a:t>
+                </a:r>
+              </a:p>
+            </p:txBody>
+          </p:sp>
         </p:grpSp>
+        <p:sp>
+          <p:nvSpPr>
+            <p:cNvPr id="50" name="Line 16">
+              <a:extLst>
+                <a:ext uri="{FF2B5EF4-FFF2-40B4-BE49-F238E27FC236}">
+                  <a16:creationId xmlns:a16="http://schemas.microsoft.com/office/drawing/2014/main" id="{6085326A-F568-46DA-B294-6BEC6242F130}"/>
+                </a:ext>
+              </a:extLst>
+            </p:cNvPr>
+            <p:cNvSpPr>
+              <a:spLocks noChangeShapeType="1"/>
+            </p:cNvSpPr>
+            <p:nvPr/>
+          </p:nvSpPr>
+          <p:spPr bwMode="auto">
+            <a:xfrm flipH="1" flipV="1">
+              <a:off x="811050" y="5813883"/>
+              <a:ext cx="4911807" cy="0"/>
+            </a:xfrm>
+            <a:prstGeom prst="line">
+              <a:avLst/>
+            </a:prstGeom>
+            <a:noFill/>
+            <a:ln w="19050">
+              <a:solidFill>
+                <a:schemeClr val="accent3">
+                  <a:lumMod val="75000"/>
+                </a:schemeClr>
+              </a:solidFill>
+              <a:prstDash val="sysDash"/>
+              <a:round/>
+              <a:headEnd/>
+              <a:tailEnd type="triangle" w="lg" len="lg"/>
+            </a:ln>
+          </p:spPr>
+          <p:txBody>
+            <a:bodyPr/>
+            <a:lstStyle/>
+            <a:p>
+              <a:pPr defTabSz="872733"/>
+              <a:endParaRPr lang="en-US" sz="1500">
+                <a:solidFill>
+                  <a:prstClr val="black"/>
+                </a:solidFill>
+              </a:endParaRPr>
+            </a:p>
+          </p:txBody>
+        </p:sp>
+        <p:cxnSp>
+          <p:nvCxnSpPr>
+            <p:cNvPr id="60" name="Straight Connector 59">
+              <a:extLst>
+                <a:ext uri="{FF2B5EF4-FFF2-40B4-BE49-F238E27FC236}">
+                  <a16:creationId xmlns:a16="http://schemas.microsoft.com/office/drawing/2014/main" id="{12128C05-856A-4938-B71C-ECD99FD9D540}"/>
+                </a:ext>
+              </a:extLst>
+            </p:cNvPr>
+            <p:cNvCxnSpPr/>
+            <p:nvPr/>
+          </p:nvCxnSpPr>
+          <p:spPr>
+            <a:xfrm rot="16200000" flipV="1">
+              <a:off x="3142987" y="3414133"/>
+              <a:ext cx="239674" cy="269410"/>
+            </a:xfrm>
+            <a:prstGeom prst="line">
+              <a:avLst/>
+            </a:prstGeom>
+            <a:ln w="19050">
+              <a:solidFill>
+                <a:schemeClr val="accent4">
+                  <a:lumMod val="75000"/>
+                </a:schemeClr>
+              </a:solidFill>
+            </a:ln>
+          </p:spPr>
+          <p:style>
+            <a:lnRef idx="1">
+              <a:schemeClr val="accent1"/>
+            </a:lnRef>
+            <a:fillRef idx="0">
+              <a:schemeClr val="accent1"/>
+            </a:fillRef>
+            <a:effectRef idx="0">
+              <a:schemeClr val="accent1"/>
+            </a:effectRef>
+            <a:fontRef idx="minor">
+              <a:schemeClr val="tx1"/>
+            </a:fontRef>
+          </p:style>
+        </p:cxnSp>
+        <p:cxnSp>
+          <p:nvCxnSpPr>
+            <p:cNvPr id="63" name="Straight Connector 62">
+              <a:extLst>
+                <a:ext uri="{FF2B5EF4-FFF2-40B4-BE49-F238E27FC236}">
+                  <a16:creationId xmlns:a16="http://schemas.microsoft.com/office/drawing/2014/main" id="{4382CFC8-C40F-4EAF-8CEE-9E91A04AB338}"/>
+                </a:ext>
+              </a:extLst>
+            </p:cNvPr>
+            <p:cNvCxnSpPr/>
+            <p:nvPr/>
+          </p:nvCxnSpPr>
+          <p:spPr>
+            <a:xfrm rot="5400000">
+              <a:off x="3136661" y="3418056"/>
+              <a:ext cx="242830" cy="267751"/>
+            </a:xfrm>
+            <a:prstGeom prst="line">
+              <a:avLst/>
+            </a:prstGeom>
+            <a:ln w="19050">
+              <a:solidFill>
+                <a:schemeClr val="accent4">
+                  <a:lumMod val="75000"/>
+                </a:schemeClr>
+              </a:solidFill>
+            </a:ln>
+          </p:spPr>
+          <p:style>
+            <a:lnRef idx="1">
+              <a:schemeClr val="accent1"/>
+            </a:lnRef>
+            <a:fillRef idx="0">
+              <a:schemeClr val="accent1"/>
+            </a:fillRef>
+            <a:effectRef idx="0">
+              <a:schemeClr val="accent1"/>
+            </a:effectRef>
+            <a:fontRef idx="minor">
+              <a:schemeClr val="tx1"/>
+            </a:fontRef>
+          </p:style>
+        </p:cxnSp>
+      </p:grpSp>
+    </p:spTree>
+    <p:extLst>
+      <p:ext uri="{BB962C8B-B14F-4D97-AF65-F5344CB8AC3E}">
+        <p14:creationId xmlns:p14="http://schemas.microsoft.com/office/powerpoint/2010/main" val="3228498101"/>
+      </p:ext>
+    </p:extLst>
+  </p:cSld>
+  <p:clrMapOvr>
+    <a:masterClrMapping/>
+  </p:clrMapOvr>
+</p:sld>
+</file>
+
+<file path=ppt/slides/slide2.xml><?xml version="1.0" encoding="utf-8"?>
+<p:sld xmlns:a="http://schemas.openxmlformats.org/drawingml/2006/main" xmlns:r="http://schemas.openxmlformats.org/officeDocument/2006/relationships" xmlns:p="http://schemas.openxmlformats.org/presentationml/2006/main">
+  <p:cSld>
+    <p:spTree>
+      <p:nvGrpSpPr>
+        <p:cNvPr id="1" name=""/>
+        <p:cNvGrpSpPr/>
+        <p:nvPr/>
+      </p:nvGrpSpPr>
+      <p:grpSpPr>
+        <a:xfrm>
+          <a:off x="0" y="0"/>
+          <a:ext cx="0" cy="0"/>
+          <a:chOff x="0" y="0"/>
+          <a:chExt cx="0" cy="0"/>
+        </a:xfrm>
+      </p:grpSpPr>
+      <p:grpSp>
+        <p:nvGrpSpPr>
+          <p:cNvPr id="3" name="Group 2">
+            <a:extLst>
+              <a:ext uri="{FF2B5EF4-FFF2-40B4-BE49-F238E27FC236}">
+                <a16:creationId xmlns:a16="http://schemas.microsoft.com/office/drawing/2014/main" id="{27B21897-5C6C-40DD-9364-A612DAE74B78}"/>
+              </a:ext>
+            </a:extLst>
+          </p:cNvPr>
+          <p:cNvGrpSpPr/>
+          <p:nvPr/>
+        </p:nvGrpSpPr>
+        <p:grpSpPr>
+          <a:xfrm>
+            <a:off x="533400" y="838200"/>
+            <a:ext cx="7924800" cy="5181600"/>
+            <a:chOff x="762000" y="838200"/>
+            <a:chExt cx="8077200" cy="5791200"/>
+          </a:xfrm>
+        </p:grpSpPr>
         <p:grpSp>
           <p:nvGrpSpPr>
-            <p:cNvPr id="28" name="Group 27">
+            <p:cNvPr id="2" name="Group 1">
               <a:extLst>
                 <a:ext uri="{FF2B5EF4-FFF2-40B4-BE49-F238E27FC236}">
-                  <a16:creationId xmlns:a16="http://schemas.microsoft.com/office/drawing/2014/main" id="{F7588D29-DD48-4AF8-A343-B14AA7870230}"/>
+                  <a16:creationId xmlns:a16="http://schemas.microsoft.com/office/drawing/2014/main" id="{0EC7689B-8A85-4DBD-9EEE-E526D03DB3C8}"/>
                 </a:ext>
               </a:extLst>
             </p:cNvPr>
@@ -5764,238 +5550,922 @@
           </p:nvGrpSpPr>
           <p:grpSpPr>
             <a:xfrm>
-              <a:off x="560425" y="1858167"/>
-              <a:ext cx="8282959" cy="4314895"/>
-              <a:chOff x="5754461" y="585730"/>
-              <a:chExt cx="3319410" cy="2503862"/>
+              <a:off x="762000" y="838200"/>
+              <a:ext cx="8077200" cy="5791200"/>
+              <a:chOff x="398286" y="343957"/>
+              <a:chExt cx="8593314" cy="6056843"/>
             </a:xfrm>
           </p:grpSpPr>
+          <p:grpSp>
+            <p:nvGrpSpPr>
+              <p:cNvPr id="27" name="Group 26">
+                <a:extLst>
+                  <a:ext uri="{FF2B5EF4-FFF2-40B4-BE49-F238E27FC236}">
+                    <a16:creationId xmlns:a16="http://schemas.microsoft.com/office/drawing/2014/main" id="{BBE8A793-65D6-4ACE-B52F-1373A0829250}"/>
+                  </a:ext>
+                </a:extLst>
+              </p:cNvPr>
+              <p:cNvGrpSpPr/>
+              <p:nvPr/>
+            </p:nvGrpSpPr>
+            <p:grpSpPr>
+              <a:xfrm>
+                <a:off x="398286" y="343957"/>
+                <a:ext cx="8593314" cy="6056843"/>
+                <a:chOff x="4975006" y="4278451"/>
+                <a:chExt cx="3358510" cy="677640"/>
+              </a:xfrm>
+            </p:grpSpPr>
+            <p:sp>
+              <p:nvSpPr>
+                <p:cNvPr id="23" name="Rectangle 22">
+                  <a:extLst>
+                    <a:ext uri="{FF2B5EF4-FFF2-40B4-BE49-F238E27FC236}">
+                      <a16:creationId xmlns:a16="http://schemas.microsoft.com/office/drawing/2014/main" id="{28203D4A-2D34-49C2-9226-15C6FCA45B63}"/>
+                    </a:ext>
+                  </a:extLst>
+                </p:cNvPr>
+                <p:cNvSpPr/>
+                <p:nvPr/>
+              </p:nvSpPr>
+              <p:spPr>
+                <a:xfrm>
+                  <a:off x="4975006" y="4278451"/>
+                  <a:ext cx="3358510" cy="677640"/>
+                </a:xfrm>
+                <a:prstGeom prst="rect">
+                  <a:avLst/>
+                </a:prstGeom>
+                <a:ln/>
+              </p:spPr>
+              <p:style>
+                <a:lnRef idx="1">
+                  <a:schemeClr val="accent1"/>
+                </a:lnRef>
+                <a:fillRef idx="2">
+                  <a:schemeClr val="accent1"/>
+                </a:fillRef>
+                <a:effectRef idx="1">
+                  <a:schemeClr val="accent1"/>
+                </a:effectRef>
+                <a:fontRef idx="minor">
+                  <a:schemeClr val="dk1"/>
+                </a:fontRef>
+              </p:style>
+              <p:txBody>
+                <a:bodyPr rtlCol="0" anchor="ctr"/>
+                <a:lstStyle/>
+                <a:p>
+                  <a:pPr algn="ctr"/>
+                  <a:endParaRPr lang="en-SG"/>
+                </a:p>
+              </p:txBody>
+            </p:sp>
+            <p:sp>
+              <p:nvSpPr>
+                <p:cNvPr id="24" name="Rectangle: Top Corners One Rounded and One Snipped 23">
+                  <a:extLst>
+                    <a:ext uri="{FF2B5EF4-FFF2-40B4-BE49-F238E27FC236}">
+                      <a16:creationId xmlns:a16="http://schemas.microsoft.com/office/drawing/2014/main" id="{DBCE37C5-51AD-4566-9F6C-7F4F608DB88F}"/>
+                    </a:ext>
+                  </a:extLst>
+                </p:cNvPr>
+                <p:cNvSpPr/>
+                <p:nvPr/>
+              </p:nvSpPr>
+              <p:spPr>
+                <a:xfrm rot="10800000" flipH="1">
+                  <a:off x="4975006" y="4279487"/>
+                  <a:ext cx="1154708" cy="51042"/>
+                </a:xfrm>
+                <a:prstGeom prst="snipRoundRect">
+                  <a:avLst/>
+                </a:prstGeom>
+                <a:solidFill>
+                  <a:schemeClr val="bg1">
+                    <a:lumMod val="95000"/>
+                  </a:schemeClr>
+                </a:solidFill>
+                <a:ln/>
+              </p:spPr>
+              <p:style>
+                <a:lnRef idx="1">
+                  <a:schemeClr val="accent5"/>
+                </a:lnRef>
+                <a:fillRef idx="2">
+                  <a:schemeClr val="accent5"/>
+                </a:fillRef>
+                <a:effectRef idx="1">
+                  <a:schemeClr val="accent5"/>
+                </a:effectRef>
+                <a:fontRef idx="minor">
+                  <a:schemeClr val="dk1"/>
+                </a:fontRef>
+              </p:style>
+              <p:txBody>
+                <a:bodyPr rtlCol="0" anchor="ctr"/>
+                <a:lstStyle/>
+                <a:p>
+                  <a:pPr algn="ctr"/>
+                  <a:endParaRPr lang="en-SG" dirty="0"/>
+                </a:p>
+              </p:txBody>
+            </p:sp>
+            <p:sp>
+              <p:nvSpPr>
+                <p:cNvPr id="25" name="TextBox 24">
+                  <a:extLst>
+                    <a:ext uri="{FF2B5EF4-FFF2-40B4-BE49-F238E27FC236}">
+                      <a16:creationId xmlns:a16="http://schemas.microsoft.com/office/drawing/2014/main" id="{E8B804CF-AA68-4F3B-BD90-D535159AD470}"/>
+                    </a:ext>
+                  </a:extLst>
+                </p:cNvPr>
+                <p:cNvSpPr txBox="1"/>
+                <p:nvPr/>
+              </p:nvSpPr>
+              <p:spPr>
+                <a:xfrm>
+                  <a:off x="5038910" y="4283115"/>
+                  <a:ext cx="2106917" cy="72312"/>
+                </a:xfrm>
+                <a:prstGeom prst="rect">
+                  <a:avLst/>
+                </a:prstGeom>
+                <a:noFill/>
+              </p:spPr>
+              <p:txBody>
+                <a:bodyPr wrap="square" rtlCol="0">
+                  <a:spAutoFit/>
+                </a:bodyPr>
+                <a:lstStyle/>
+                <a:p>
+                  <a:r>
+                    <a:rPr lang="en-SG" dirty="0"/>
+                    <a:t>sd update item values</a:t>
+                  </a:r>
+                </a:p>
+                <a:p>
+                  <a:endParaRPr lang="en-SG" dirty="0"/>
+                </a:p>
+              </p:txBody>
+            </p:sp>
+          </p:grpSp>
+          <p:grpSp>
+            <p:nvGrpSpPr>
+              <p:cNvPr id="28" name="Group 27">
+                <a:extLst>
+                  <a:ext uri="{FF2B5EF4-FFF2-40B4-BE49-F238E27FC236}">
+                    <a16:creationId xmlns:a16="http://schemas.microsoft.com/office/drawing/2014/main" id="{F7588D29-DD48-4AF8-A343-B14AA7870230}"/>
+                  </a:ext>
+                </a:extLst>
+              </p:cNvPr>
+              <p:cNvGrpSpPr/>
+              <p:nvPr/>
+            </p:nvGrpSpPr>
+            <p:grpSpPr>
+              <a:xfrm>
+                <a:off x="560425" y="1858167"/>
+                <a:ext cx="8282959" cy="4314895"/>
+                <a:chOff x="5754461" y="585730"/>
+                <a:chExt cx="3319410" cy="2503862"/>
+              </a:xfrm>
+            </p:grpSpPr>
+            <p:sp>
+              <p:nvSpPr>
+                <p:cNvPr id="5" name="Rectangle 4">
+                  <a:extLst>
+                    <a:ext uri="{FF2B5EF4-FFF2-40B4-BE49-F238E27FC236}">
+                      <a16:creationId xmlns:a16="http://schemas.microsoft.com/office/drawing/2014/main" id="{5C6CE9B5-3573-4580-A879-C9F3E93DA927}"/>
+                    </a:ext>
+                  </a:extLst>
+                </p:cNvPr>
+                <p:cNvSpPr>
+                  <a:spLocks noChangeArrowheads="1"/>
+                </p:cNvSpPr>
+                <p:nvPr/>
+              </p:nvSpPr>
+              <p:spPr bwMode="auto">
+                <a:xfrm>
+                  <a:off x="5754461" y="585730"/>
+                  <a:ext cx="3319410" cy="2503862"/>
+                </a:xfrm>
+                <a:prstGeom prst="rect">
+                  <a:avLst/>
+                </a:prstGeom>
+                <a:solidFill>
+                  <a:schemeClr val="bg1"/>
+                </a:solidFill>
+                <a:ln w="19050" algn="ctr">
+                  <a:solidFill>
+                    <a:srgbClr val="0070C0"/>
+                  </a:solidFill>
+                  <a:miter lim="800000"/>
+                  <a:headEnd/>
+                  <a:tailEnd/>
+                </a:ln>
+              </p:spPr>
+              <p:txBody>
+                <a:bodyPr wrap="none" anchor="ctr"/>
+                <a:lstStyle>
+                  <a:defPPr>
+                    <a:defRPr lang="en-SG"/>
+                  </a:defPPr>
+                  <a:lvl1pPr algn="l" rtl="0" fontAlgn="base">
+                    <a:spcBef>
+                      <a:spcPct val="0"/>
+                    </a:spcBef>
+                    <a:spcAft>
+                      <a:spcPct val="0"/>
+                    </a:spcAft>
+                    <a:defRPr kern="1200">
+                      <a:solidFill>
+                        <a:schemeClr val="tx1"/>
+                      </a:solidFill>
+                      <a:latin typeface="Arial" charset="0"/>
+                      <a:ea typeface="+mn-ea"/>
+                      <a:cs typeface="Arial" charset="0"/>
+                    </a:defRPr>
+                  </a:lvl1pPr>
+                  <a:lvl2pPr marL="457200" algn="l" rtl="0" fontAlgn="base">
+                    <a:spcBef>
+                      <a:spcPct val="0"/>
+                    </a:spcBef>
+                    <a:spcAft>
+                      <a:spcPct val="0"/>
+                    </a:spcAft>
+                    <a:defRPr kern="1200">
+                      <a:solidFill>
+                        <a:schemeClr val="tx1"/>
+                      </a:solidFill>
+                      <a:latin typeface="Arial" charset="0"/>
+                      <a:ea typeface="+mn-ea"/>
+                      <a:cs typeface="Arial" charset="0"/>
+                    </a:defRPr>
+                  </a:lvl2pPr>
+                  <a:lvl3pPr marL="914400" algn="l" rtl="0" fontAlgn="base">
+                    <a:spcBef>
+                      <a:spcPct val="0"/>
+                    </a:spcBef>
+                    <a:spcAft>
+                      <a:spcPct val="0"/>
+                    </a:spcAft>
+                    <a:defRPr kern="1200">
+                      <a:solidFill>
+                        <a:schemeClr val="tx1"/>
+                      </a:solidFill>
+                      <a:latin typeface="Arial" charset="0"/>
+                      <a:ea typeface="+mn-ea"/>
+                      <a:cs typeface="Arial" charset="0"/>
+                    </a:defRPr>
+                  </a:lvl3pPr>
+                  <a:lvl4pPr marL="1371600" algn="l" rtl="0" fontAlgn="base">
+                    <a:spcBef>
+                      <a:spcPct val="0"/>
+                    </a:spcBef>
+                    <a:spcAft>
+                      <a:spcPct val="0"/>
+                    </a:spcAft>
+                    <a:defRPr kern="1200">
+                      <a:solidFill>
+                        <a:schemeClr val="tx1"/>
+                      </a:solidFill>
+                      <a:latin typeface="Arial" charset="0"/>
+                      <a:ea typeface="+mn-ea"/>
+                      <a:cs typeface="Arial" charset="0"/>
+                    </a:defRPr>
+                  </a:lvl4pPr>
+                  <a:lvl5pPr marL="1828800" algn="l" rtl="0" fontAlgn="base">
+                    <a:spcBef>
+                      <a:spcPct val="0"/>
+                    </a:spcBef>
+                    <a:spcAft>
+                      <a:spcPct val="0"/>
+                    </a:spcAft>
+                    <a:defRPr kern="1200">
+                      <a:solidFill>
+                        <a:schemeClr val="tx1"/>
+                      </a:solidFill>
+                      <a:latin typeface="Arial" charset="0"/>
+                      <a:ea typeface="+mn-ea"/>
+                      <a:cs typeface="Arial" charset="0"/>
+                    </a:defRPr>
+                  </a:lvl5pPr>
+                  <a:lvl6pPr marL="2286000" algn="l" defTabSz="914400" rtl="0" eaLnBrk="1" latinLnBrk="0" hangingPunct="1">
+                    <a:defRPr kern="1200">
+                      <a:solidFill>
+                        <a:schemeClr val="tx1"/>
+                      </a:solidFill>
+                      <a:latin typeface="Arial" charset="0"/>
+                      <a:ea typeface="+mn-ea"/>
+                      <a:cs typeface="Arial" charset="0"/>
+                    </a:defRPr>
+                  </a:lvl6pPr>
+                  <a:lvl7pPr marL="2743200" algn="l" defTabSz="914400" rtl="0" eaLnBrk="1" latinLnBrk="0" hangingPunct="1">
+                    <a:defRPr kern="1200">
+                      <a:solidFill>
+                        <a:schemeClr val="tx1"/>
+                      </a:solidFill>
+                      <a:latin typeface="Arial" charset="0"/>
+                      <a:ea typeface="+mn-ea"/>
+                      <a:cs typeface="Arial" charset="0"/>
+                    </a:defRPr>
+                  </a:lvl7pPr>
+                  <a:lvl8pPr marL="3200400" algn="l" defTabSz="914400" rtl="0" eaLnBrk="1" latinLnBrk="0" hangingPunct="1">
+                    <a:defRPr kern="1200">
+                      <a:solidFill>
+                        <a:schemeClr val="tx1"/>
+                      </a:solidFill>
+                      <a:latin typeface="Arial" charset="0"/>
+                      <a:ea typeface="+mn-ea"/>
+                      <a:cs typeface="Arial" charset="0"/>
+                    </a:defRPr>
+                  </a:lvl8pPr>
+                  <a:lvl9pPr marL="3657600" algn="l" defTabSz="914400" rtl="0" eaLnBrk="1" latinLnBrk="0" hangingPunct="1">
+                    <a:defRPr kern="1200">
+                      <a:solidFill>
+                        <a:schemeClr val="tx1"/>
+                      </a:solidFill>
+                      <a:latin typeface="Arial" charset="0"/>
+                      <a:ea typeface="+mn-ea"/>
+                      <a:cs typeface="Arial" charset="0"/>
+                    </a:defRPr>
+                  </a:lvl9pPr>
+                </a:lstStyle>
+                <a:p>
+                  <a:pPr defTabSz="872733"/>
+                  <a:r>
+                    <a:rPr lang="en-US" sz="2000" dirty="0">
+                      <a:solidFill>
+                        <a:prstClr val="black"/>
+                      </a:solidFill>
+                      <a:latin typeface="Calibri" pitchFamily="34" charset="0"/>
+                    </a:rPr>
+                    <a:t>					</a:t>
+                  </a:r>
+                </a:p>
+              </p:txBody>
+            </p:sp>
+            <p:sp>
+              <p:nvSpPr>
+                <p:cNvPr id="6" name="Snip Single Corner Rectangle 47">
+                  <a:extLst>
+                    <a:ext uri="{FF2B5EF4-FFF2-40B4-BE49-F238E27FC236}">
+                      <a16:creationId xmlns:a16="http://schemas.microsoft.com/office/drawing/2014/main" id="{572705D4-F985-4EBA-A558-1FCA07ADA7EF}"/>
+                    </a:ext>
+                  </a:extLst>
+                </p:cNvPr>
+                <p:cNvSpPr/>
+                <p:nvPr/>
+              </p:nvSpPr>
+              <p:spPr>
+                <a:xfrm flipV="1">
+                  <a:off x="5757328" y="585731"/>
+                  <a:ext cx="329515" cy="297539"/>
+                </a:xfrm>
+                <a:prstGeom prst="snip1Rect">
+                  <a:avLst/>
+                </a:prstGeom>
+                <a:solidFill>
+                  <a:schemeClr val="bg1"/>
+                </a:solidFill>
+                <a:ln>
+                  <a:solidFill>
+                    <a:srgbClr val="0070C0"/>
+                  </a:solidFill>
+                </a:ln>
+              </p:spPr>
+              <p:style>
+                <a:lnRef idx="2">
+                  <a:schemeClr val="accent1">
+                    <a:shade val="50000"/>
+                  </a:schemeClr>
+                </a:lnRef>
+                <a:fillRef idx="1">
+                  <a:schemeClr val="accent1"/>
+                </a:fillRef>
+                <a:effectRef idx="0">
+                  <a:schemeClr val="accent1"/>
+                </a:effectRef>
+                <a:fontRef idx="minor">
+                  <a:schemeClr val="lt1"/>
+                </a:fontRef>
+              </p:style>
+              <p:txBody>
+                <a:bodyPr rtlCol="0" anchor="ctr"/>
+                <a:lstStyle/>
+                <a:p>
+                  <a:pPr algn="ctr" defTabSz="872733"/>
+                  <a:endParaRPr lang="en-US" sz="2000">
+                    <a:solidFill>
+                      <a:prstClr val="black"/>
+                    </a:solidFill>
+                  </a:endParaRPr>
+                </a:p>
+              </p:txBody>
+            </p:sp>
+            <p:sp>
+              <p:nvSpPr>
+                <p:cNvPr id="7" name="Rectangle 6">
+                  <a:extLst>
+                    <a:ext uri="{FF2B5EF4-FFF2-40B4-BE49-F238E27FC236}">
+                      <a16:creationId xmlns:a16="http://schemas.microsoft.com/office/drawing/2014/main" id="{5831D150-3443-48D8-B73B-7B3D8C694B6D}"/>
+                    </a:ext>
+                  </a:extLst>
+                </p:cNvPr>
+                <p:cNvSpPr/>
+                <p:nvPr/>
+              </p:nvSpPr>
+              <p:spPr bwMode="auto">
+                <a:xfrm>
+                  <a:off x="5812004" y="621840"/>
+                  <a:ext cx="208613" cy="325740"/>
+                </a:xfrm>
+                <a:prstGeom prst="rect">
+                  <a:avLst/>
+                </a:prstGeom>
+                <a:noFill/>
+                <a:ln>
+                  <a:noFill/>
+                </a:ln>
+              </p:spPr>
+              <p:style>
+                <a:lnRef idx="2">
+                  <a:schemeClr val="accent1">
+                    <a:shade val="50000"/>
+                  </a:schemeClr>
+                </a:lnRef>
+                <a:fillRef idx="1">
+                  <a:schemeClr val="accent1"/>
+                </a:fillRef>
+                <a:effectRef idx="0">
+                  <a:schemeClr val="accent1"/>
+                </a:effectRef>
+                <a:fontRef idx="minor">
+                  <a:schemeClr val="lt1"/>
+                </a:fontRef>
+              </p:style>
+              <p:txBody>
+                <a:bodyPr anchor="ctr"/>
+                <a:lstStyle>
+                  <a:defPPr>
+                    <a:defRPr lang="en-SG"/>
+                  </a:defPPr>
+                  <a:lvl1pPr algn="l" rtl="0" fontAlgn="base">
+                    <a:spcBef>
+                      <a:spcPct val="0"/>
+                    </a:spcBef>
+                    <a:spcAft>
+                      <a:spcPct val="0"/>
+                    </a:spcAft>
+                    <a:defRPr kern="1200">
+                      <a:solidFill>
+                        <a:schemeClr val="lt1"/>
+                      </a:solidFill>
+                      <a:latin typeface="+mn-lt"/>
+                      <a:ea typeface="+mn-ea"/>
+                      <a:cs typeface="+mn-cs"/>
+                    </a:defRPr>
+                  </a:lvl1pPr>
+                  <a:lvl2pPr marL="457200" algn="l" rtl="0" fontAlgn="base">
+                    <a:spcBef>
+                      <a:spcPct val="0"/>
+                    </a:spcBef>
+                    <a:spcAft>
+                      <a:spcPct val="0"/>
+                    </a:spcAft>
+                    <a:defRPr kern="1200">
+                      <a:solidFill>
+                        <a:schemeClr val="lt1"/>
+                      </a:solidFill>
+                      <a:latin typeface="+mn-lt"/>
+                      <a:ea typeface="+mn-ea"/>
+                      <a:cs typeface="+mn-cs"/>
+                    </a:defRPr>
+                  </a:lvl2pPr>
+                  <a:lvl3pPr marL="914400" algn="l" rtl="0" fontAlgn="base">
+                    <a:spcBef>
+                      <a:spcPct val="0"/>
+                    </a:spcBef>
+                    <a:spcAft>
+                      <a:spcPct val="0"/>
+                    </a:spcAft>
+                    <a:defRPr kern="1200">
+                      <a:solidFill>
+                        <a:schemeClr val="lt1"/>
+                      </a:solidFill>
+                      <a:latin typeface="+mn-lt"/>
+                      <a:ea typeface="+mn-ea"/>
+                      <a:cs typeface="+mn-cs"/>
+                    </a:defRPr>
+                  </a:lvl3pPr>
+                  <a:lvl4pPr marL="1371600" algn="l" rtl="0" fontAlgn="base">
+                    <a:spcBef>
+                      <a:spcPct val="0"/>
+                    </a:spcBef>
+                    <a:spcAft>
+                      <a:spcPct val="0"/>
+                    </a:spcAft>
+                    <a:defRPr kern="1200">
+                      <a:solidFill>
+                        <a:schemeClr val="lt1"/>
+                      </a:solidFill>
+                      <a:latin typeface="+mn-lt"/>
+                      <a:ea typeface="+mn-ea"/>
+                      <a:cs typeface="+mn-cs"/>
+                    </a:defRPr>
+                  </a:lvl4pPr>
+                  <a:lvl5pPr marL="1828800" algn="l" rtl="0" fontAlgn="base">
+                    <a:spcBef>
+                      <a:spcPct val="0"/>
+                    </a:spcBef>
+                    <a:spcAft>
+                      <a:spcPct val="0"/>
+                    </a:spcAft>
+                    <a:defRPr kern="1200">
+                      <a:solidFill>
+                        <a:schemeClr val="lt1"/>
+                      </a:solidFill>
+                      <a:latin typeface="+mn-lt"/>
+                      <a:ea typeface="+mn-ea"/>
+                      <a:cs typeface="+mn-cs"/>
+                    </a:defRPr>
+                  </a:lvl5pPr>
+                  <a:lvl6pPr marL="2286000" algn="l" defTabSz="914400" rtl="0" eaLnBrk="1" latinLnBrk="0" hangingPunct="1">
+                    <a:defRPr kern="1200">
+                      <a:solidFill>
+                        <a:schemeClr val="lt1"/>
+                      </a:solidFill>
+                      <a:latin typeface="+mn-lt"/>
+                      <a:ea typeface="+mn-ea"/>
+                      <a:cs typeface="+mn-cs"/>
+                    </a:defRPr>
+                  </a:lvl6pPr>
+                  <a:lvl7pPr marL="2743200" algn="l" defTabSz="914400" rtl="0" eaLnBrk="1" latinLnBrk="0" hangingPunct="1">
+                    <a:defRPr kern="1200">
+                      <a:solidFill>
+                        <a:schemeClr val="lt1"/>
+                      </a:solidFill>
+                      <a:latin typeface="+mn-lt"/>
+                      <a:ea typeface="+mn-ea"/>
+                      <a:cs typeface="+mn-cs"/>
+                    </a:defRPr>
+                  </a:lvl7pPr>
+                  <a:lvl8pPr marL="3200400" algn="l" defTabSz="914400" rtl="0" eaLnBrk="1" latinLnBrk="0" hangingPunct="1">
+                    <a:defRPr kern="1200">
+                      <a:solidFill>
+                        <a:schemeClr val="lt1"/>
+                      </a:solidFill>
+                      <a:latin typeface="+mn-lt"/>
+                      <a:ea typeface="+mn-ea"/>
+                      <a:cs typeface="+mn-cs"/>
+                    </a:defRPr>
+                  </a:lvl8pPr>
+                  <a:lvl9pPr marL="3657600" algn="l" defTabSz="914400" rtl="0" eaLnBrk="1" latinLnBrk="0" hangingPunct="1">
+                    <a:defRPr kern="1200">
+                      <a:solidFill>
+                        <a:schemeClr val="lt1"/>
+                      </a:solidFill>
+                      <a:latin typeface="+mn-lt"/>
+                      <a:ea typeface="+mn-ea"/>
+                      <a:cs typeface="+mn-cs"/>
+                    </a:defRPr>
+                  </a:lvl9pPr>
+                </a:lstStyle>
+                <a:p>
+                  <a:pPr defTabSz="872733"/>
+                  <a:r>
+                    <a:rPr lang="en-US" sz="1900" dirty="0">
+                      <a:solidFill>
+                        <a:schemeClr val="tx2"/>
+                      </a:solidFill>
+                      <a:cs typeface="Arial" charset="0"/>
+                    </a:rPr>
+                    <a:t>alt</a:t>
+                  </a:r>
+                </a:p>
+              </p:txBody>
+            </p:sp>
+            <p:cxnSp>
+              <p:nvCxnSpPr>
+                <p:cNvPr id="8" name="Straight Connector 7">
+                  <a:extLst>
+                    <a:ext uri="{FF2B5EF4-FFF2-40B4-BE49-F238E27FC236}">
+                      <a16:creationId xmlns:a16="http://schemas.microsoft.com/office/drawing/2014/main" id="{8C673B2D-EE5B-43CD-89AB-D8F5F620B9EB}"/>
+                    </a:ext>
+                  </a:extLst>
+                </p:cNvPr>
+                <p:cNvCxnSpPr>
+                  <a:cxnSpLocks/>
+                </p:cNvCxnSpPr>
+                <p:nvPr/>
+              </p:nvCxnSpPr>
+              <p:spPr>
+                <a:xfrm>
+                  <a:off x="5765609" y="1403429"/>
+                  <a:ext cx="3301955" cy="0"/>
+                </a:xfrm>
+                <a:prstGeom prst="line">
+                  <a:avLst/>
+                </a:prstGeom>
+                <a:ln w="19050">
+                  <a:solidFill>
+                    <a:srgbClr val="0070C0"/>
+                  </a:solidFill>
+                  <a:prstDash val="sysDash"/>
+                </a:ln>
+              </p:spPr>
+              <p:style>
+                <a:lnRef idx="1">
+                  <a:schemeClr val="accent1"/>
+                </a:lnRef>
+                <a:fillRef idx="0">
+                  <a:schemeClr val="accent1"/>
+                </a:fillRef>
+                <a:effectRef idx="0">
+                  <a:schemeClr val="accent1"/>
+                </a:effectRef>
+                <a:fontRef idx="minor">
+                  <a:schemeClr val="tx1"/>
+                </a:fontRef>
+              </p:style>
+            </p:cxnSp>
+            <p:sp>
+              <p:nvSpPr>
+                <p:cNvPr id="9" name="Rectangle 8">
+                  <a:extLst>
+                    <a:ext uri="{FF2B5EF4-FFF2-40B4-BE49-F238E27FC236}">
+                      <a16:creationId xmlns:a16="http://schemas.microsoft.com/office/drawing/2014/main" id="{C746584F-EFCD-43B9-81A9-4C708924E928}"/>
+                    </a:ext>
+                  </a:extLst>
+                </p:cNvPr>
+                <p:cNvSpPr/>
+                <p:nvPr/>
+              </p:nvSpPr>
+              <p:spPr bwMode="auto">
+                <a:xfrm>
+                  <a:off x="6779951" y="2007304"/>
+                  <a:ext cx="973777" cy="381000"/>
+                </a:xfrm>
+                <a:prstGeom prst="rect">
+                  <a:avLst/>
+                </a:prstGeom>
+                <a:noFill/>
+                <a:ln>
+                  <a:noFill/>
+                </a:ln>
+              </p:spPr>
+              <p:style>
+                <a:lnRef idx="2">
+                  <a:schemeClr val="accent1">
+                    <a:shade val="50000"/>
+                  </a:schemeClr>
+                </a:lnRef>
+                <a:fillRef idx="1">
+                  <a:schemeClr val="accent1"/>
+                </a:fillRef>
+                <a:effectRef idx="0">
+                  <a:schemeClr val="accent1"/>
+                </a:effectRef>
+                <a:fontRef idx="minor">
+                  <a:schemeClr val="lt1"/>
+                </a:fontRef>
+              </p:style>
+              <p:txBody>
+                <a:bodyPr anchor="ctr"/>
+                <a:lstStyle>
+                  <a:defPPr>
+                    <a:defRPr lang="en-SG"/>
+                  </a:defPPr>
+                  <a:lvl1pPr algn="l" rtl="0" fontAlgn="base">
+                    <a:spcBef>
+                      <a:spcPct val="0"/>
+                    </a:spcBef>
+                    <a:spcAft>
+                      <a:spcPct val="0"/>
+                    </a:spcAft>
+                    <a:defRPr kern="1200">
+                      <a:solidFill>
+                        <a:schemeClr val="lt1"/>
+                      </a:solidFill>
+                      <a:latin typeface="+mn-lt"/>
+                      <a:ea typeface="+mn-ea"/>
+                      <a:cs typeface="+mn-cs"/>
+                    </a:defRPr>
+                  </a:lvl1pPr>
+                  <a:lvl2pPr marL="457200" algn="l" rtl="0" fontAlgn="base">
+                    <a:spcBef>
+                      <a:spcPct val="0"/>
+                    </a:spcBef>
+                    <a:spcAft>
+                      <a:spcPct val="0"/>
+                    </a:spcAft>
+                    <a:defRPr kern="1200">
+                      <a:solidFill>
+                        <a:schemeClr val="lt1"/>
+                      </a:solidFill>
+                      <a:latin typeface="+mn-lt"/>
+                      <a:ea typeface="+mn-ea"/>
+                      <a:cs typeface="+mn-cs"/>
+                    </a:defRPr>
+                  </a:lvl2pPr>
+                  <a:lvl3pPr marL="914400" algn="l" rtl="0" fontAlgn="base">
+                    <a:spcBef>
+                      <a:spcPct val="0"/>
+                    </a:spcBef>
+                    <a:spcAft>
+                      <a:spcPct val="0"/>
+                    </a:spcAft>
+                    <a:defRPr kern="1200">
+                      <a:solidFill>
+                        <a:schemeClr val="lt1"/>
+                      </a:solidFill>
+                      <a:latin typeface="+mn-lt"/>
+                      <a:ea typeface="+mn-ea"/>
+                      <a:cs typeface="+mn-cs"/>
+                    </a:defRPr>
+                  </a:lvl3pPr>
+                  <a:lvl4pPr marL="1371600" algn="l" rtl="0" fontAlgn="base">
+                    <a:spcBef>
+                      <a:spcPct val="0"/>
+                    </a:spcBef>
+                    <a:spcAft>
+                      <a:spcPct val="0"/>
+                    </a:spcAft>
+                    <a:defRPr kern="1200">
+                      <a:solidFill>
+                        <a:schemeClr val="lt1"/>
+                      </a:solidFill>
+                      <a:latin typeface="+mn-lt"/>
+                      <a:ea typeface="+mn-ea"/>
+                      <a:cs typeface="+mn-cs"/>
+                    </a:defRPr>
+                  </a:lvl4pPr>
+                  <a:lvl5pPr marL="1828800" algn="l" rtl="0" fontAlgn="base">
+                    <a:spcBef>
+                      <a:spcPct val="0"/>
+                    </a:spcBef>
+                    <a:spcAft>
+                      <a:spcPct val="0"/>
+                    </a:spcAft>
+                    <a:defRPr kern="1200">
+                      <a:solidFill>
+                        <a:schemeClr val="lt1"/>
+                      </a:solidFill>
+                      <a:latin typeface="+mn-lt"/>
+                      <a:ea typeface="+mn-ea"/>
+                      <a:cs typeface="+mn-cs"/>
+                    </a:defRPr>
+                  </a:lvl5pPr>
+                  <a:lvl6pPr marL="2286000" algn="l" defTabSz="914400" rtl="0" eaLnBrk="1" latinLnBrk="0" hangingPunct="1">
+                    <a:defRPr kern="1200">
+                      <a:solidFill>
+                        <a:schemeClr val="lt1"/>
+                      </a:solidFill>
+                      <a:latin typeface="+mn-lt"/>
+                      <a:ea typeface="+mn-ea"/>
+                      <a:cs typeface="+mn-cs"/>
+                    </a:defRPr>
+                  </a:lvl6pPr>
+                  <a:lvl7pPr marL="2743200" algn="l" defTabSz="914400" rtl="0" eaLnBrk="1" latinLnBrk="0" hangingPunct="1">
+                    <a:defRPr kern="1200">
+                      <a:solidFill>
+                        <a:schemeClr val="lt1"/>
+                      </a:solidFill>
+                      <a:latin typeface="+mn-lt"/>
+                      <a:ea typeface="+mn-ea"/>
+                      <a:cs typeface="+mn-cs"/>
+                    </a:defRPr>
+                  </a:lvl7pPr>
+                  <a:lvl8pPr marL="3200400" algn="l" defTabSz="914400" rtl="0" eaLnBrk="1" latinLnBrk="0" hangingPunct="1">
+                    <a:defRPr kern="1200">
+                      <a:solidFill>
+                        <a:schemeClr val="lt1"/>
+                      </a:solidFill>
+                      <a:latin typeface="+mn-lt"/>
+                      <a:ea typeface="+mn-ea"/>
+                      <a:cs typeface="+mn-cs"/>
+                    </a:defRPr>
+                  </a:lvl8pPr>
+                  <a:lvl9pPr marL="3657600" algn="l" defTabSz="914400" rtl="0" eaLnBrk="1" latinLnBrk="0" hangingPunct="1">
+                    <a:defRPr kern="1200">
+                      <a:solidFill>
+                        <a:schemeClr val="lt1"/>
+                      </a:solidFill>
+                      <a:latin typeface="+mn-lt"/>
+                      <a:ea typeface="+mn-ea"/>
+                      <a:cs typeface="+mn-cs"/>
+                    </a:defRPr>
+                  </a:lvl9pPr>
+                </a:lstStyle>
+                <a:p>
+                  <a:pPr defTabSz="872733"/>
+                  <a:endParaRPr lang="en-US" sz="2000" dirty="0">
+                    <a:solidFill>
+                      <a:prstClr val="black"/>
+                    </a:solidFill>
+                    <a:cs typeface="Arial" charset="0"/>
+                  </a:endParaRPr>
+                </a:p>
+              </p:txBody>
+            </p:sp>
+            <p:cxnSp>
+              <p:nvCxnSpPr>
+                <p:cNvPr id="10" name="Straight Connector 9">
+                  <a:extLst>
+                    <a:ext uri="{FF2B5EF4-FFF2-40B4-BE49-F238E27FC236}">
+                      <a16:creationId xmlns:a16="http://schemas.microsoft.com/office/drawing/2014/main" id="{2F93A019-A8C1-497C-A68F-1DD29FE262A2}"/>
+                    </a:ext>
+                  </a:extLst>
+                </p:cNvPr>
+                <p:cNvCxnSpPr>
+                  <a:cxnSpLocks/>
+                </p:cNvCxnSpPr>
+                <p:nvPr/>
+              </p:nvCxnSpPr>
+              <p:spPr>
+                <a:xfrm flipV="1">
+                  <a:off x="5765609" y="2250581"/>
+                  <a:ext cx="3301955" cy="1"/>
+                </a:xfrm>
+                <a:prstGeom prst="line">
+                  <a:avLst/>
+                </a:prstGeom>
+                <a:ln w="19050">
+                  <a:solidFill>
+                    <a:srgbClr val="0070C0"/>
+                  </a:solidFill>
+                  <a:prstDash val="sysDash"/>
+                </a:ln>
+              </p:spPr>
+              <p:style>
+                <a:lnRef idx="1">
+                  <a:schemeClr val="accent1"/>
+                </a:lnRef>
+                <a:fillRef idx="0">
+                  <a:schemeClr val="accent1"/>
+                </a:fillRef>
+                <a:effectRef idx="0">
+                  <a:schemeClr val="accent1"/>
+                </a:effectRef>
+                <a:fontRef idx="minor">
+                  <a:schemeClr val="tx1"/>
+                </a:fontRef>
+              </p:style>
+            </p:cxnSp>
+          </p:grpSp>
           <p:sp>
             <p:nvSpPr>
-              <p:cNvPr id="5" name="Rectangle 4">
+              <p:cNvPr id="33" name="Line 13">
                 <a:extLst>
                   <a:ext uri="{FF2B5EF4-FFF2-40B4-BE49-F238E27FC236}">
-                    <a16:creationId xmlns:a16="http://schemas.microsoft.com/office/drawing/2014/main" id="{5C6CE9B5-3573-4580-A879-C9F3E93DA927}"/>
+                    <a16:creationId xmlns:a16="http://schemas.microsoft.com/office/drawing/2014/main" id="{EC77E5E0-D7C3-480F-80FD-98E0162B6469}"/>
                   </a:ext>
                 </a:extLst>
               </p:cNvPr>
               <p:cNvSpPr>
-                <a:spLocks noChangeArrowheads="1"/>
+                <a:spLocks noChangeShapeType="1"/>
               </p:cNvSpPr>
               <p:nvPr/>
             </p:nvSpPr>
             <p:spPr bwMode="auto">
-              <a:xfrm>
-                <a:off x="5754461" y="585730"/>
-                <a:ext cx="3319410" cy="2503862"/>
+              <a:xfrm flipH="1">
+                <a:off x="6289371" y="1814001"/>
+                <a:ext cx="447" cy="4507103"/>
               </a:xfrm>
-              <a:prstGeom prst="rect">
+              <a:prstGeom prst="line">
                 <a:avLst/>
               </a:prstGeom>
-              <a:solidFill>
-                <a:schemeClr val="bg1"/>
-              </a:solidFill>
-              <a:ln w="19050" algn="ctr">
+              <a:ln>
                 <a:solidFill>
-                  <a:srgbClr val="0070C0"/>
+                  <a:schemeClr val="bg2">
+                    <a:lumMod val="50000"/>
+                  </a:schemeClr>
                 </a:solidFill>
-                <a:miter lim="800000"/>
+                <a:prstDash val="sysDash"/>
                 <a:headEnd/>
                 <a:tailEnd/>
               </a:ln>
             </p:spPr>
-            <p:txBody>
-              <a:bodyPr wrap="none" anchor="ctr"/>
-              <a:lstStyle>
-                <a:defPPr>
-                  <a:defRPr lang="en-SG"/>
-                </a:defPPr>
-                <a:lvl1pPr algn="l" rtl="0" fontAlgn="base">
-                  <a:spcBef>
-                    <a:spcPct val="0"/>
-                  </a:spcBef>
-                  <a:spcAft>
-                    <a:spcPct val="0"/>
-                  </a:spcAft>
-                  <a:defRPr kern="1200">
-                    <a:solidFill>
-                      <a:schemeClr val="tx1"/>
-                    </a:solidFill>
-                    <a:latin typeface="Arial" charset="0"/>
-                    <a:ea typeface="+mn-ea"/>
-                    <a:cs typeface="Arial" charset="0"/>
-                  </a:defRPr>
-                </a:lvl1pPr>
-                <a:lvl2pPr marL="457200" algn="l" rtl="0" fontAlgn="base">
-                  <a:spcBef>
-                    <a:spcPct val="0"/>
-                  </a:spcBef>
-                  <a:spcAft>
-                    <a:spcPct val="0"/>
-                  </a:spcAft>
-                  <a:defRPr kern="1200">
-                    <a:solidFill>
-                      <a:schemeClr val="tx1"/>
-                    </a:solidFill>
-                    <a:latin typeface="Arial" charset="0"/>
-                    <a:ea typeface="+mn-ea"/>
-                    <a:cs typeface="Arial" charset="0"/>
-                  </a:defRPr>
-                </a:lvl2pPr>
-                <a:lvl3pPr marL="914400" algn="l" rtl="0" fontAlgn="base">
-                  <a:spcBef>
-                    <a:spcPct val="0"/>
-                  </a:spcBef>
-                  <a:spcAft>
-                    <a:spcPct val="0"/>
-                  </a:spcAft>
-                  <a:defRPr kern="1200">
-                    <a:solidFill>
-                      <a:schemeClr val="tx1"/>
-                    </a:solidFill>
-                    <a:latin typeface="Arial" charset="0"/>
-                    <a:ea typeface="+mn-ea"/>
-                    <a:cs typeface="Arial" charset="0"/>
-                  </a:defRPr>
-                </a:lvl3pPr>
-                <a:lvl4pPr marL="1371600" algn="l" rtl="0" fontAlgn="base">
-                  <a:spcBef>
-                    <a:spcPct val="0"/>
-                  </a:spcBef>
-                  <a:spcAft>
-                    <a:spcPct val="0"/>
-                  </a:spcAft>
-                  <a:defRPr kern="1200">
-                    <a:solidFill>
-                      <a:schemeClr val="tx1"/>
-                    </a:solidFill>
-                    <a:latin typeface="Arial" charset="0"/>
-                    <a:ea typeface="+mn-ea"/>
-                    <a:cs typeface="Arial" charset="0"/>
-                  </a:defRPr>
-                </a:lvl4pPr>
-                <a:lvl5pPr marL="1828800" algn="l" rtl="0" fontAlgn="base">
-                  <a:spcBef>
-                    <a:spcPct val="0"/>
-                  </a:spcBef>
-                  <a:spcAft>
-                    <a:spcPct val="0"/>
-                  </a:spcAft>
-                  <a:defRPr kern="1200">
-                    <a:solidFill>
-                      <a:schemeClr val="tx1"/>
-                    </a:solidFill>
-                    <a:latin typeface="Arial" charset="0"/>
-                    <a:ea typeface="+mn-ea"/>
-                    <a:cs typeface="Arial" charset="0"/>
-                  </a:defRPr>
-                </a:lvl5pPr>
-                <a:lvl6pPr marL="2286000" algn="l" defTabSz="914400" rtl="0" eaLnBrk="1" latinLnBrk="0" hangingPunct="1">
-                  <a:defRPr kern="1200">
-                    <a:solidFill>
-                      <a:schemeClr val="tx1"/>
-                    </a:solidFill>
-                    <a:latin typeface="Arial" charset="0"/>
-                    <a:ea typeface="+mn-ea"/>
-                    <a:cs typeface="Arial" charset="0"/>
-                  </a:defRPr>
-                </a:lvl6pPr>
-                <a:lvl7pPr marL="2743200" algn="l" defTabSz="914400" rtl="0" eaLnBrk="1" latinLnBrk="0" hangingPunct="1">
-                  <a:defRPr kern="1200">
-                    <a:solidFill>
-                      <a:schemeClr val="tx1"/>
-                    </a:solidFill>
-                    <a:latin typeface="Arial" charset="0"/>
-                    <a:ea typeface="+mn-ea"/>
-                    <a:cs typeface="Arial" charset="0"/>
-                  </a:defRPr>
-                </a:lvl7pPr>
-                <a:lvl8pPr marL="3200400" algn="l" defTabSz="914400" rtl="0" eaLnBrk="1" latinLnBrk="0" hangingPunct="1">
-                  <a:defRPr kern="1200">
-                    <a:solidFill>
-                      <a:schemeClr val="tx1"/>
-                    </a:solidFill>
-                    <a:latin typeface="Arial" charset="0"/>
-                    <a:ea typeface="+mn-ea"/>
-                    <a:cs typeface="Arial" charset="0"/>
-                  </a:defRPr>
-                </a:lvl8pPr>
-                <a:lvl9pPr marL="3657600" algn="l" defTabSz="914400" rtl="0" eaLnBrk="1" latinLnBrk="0" hangingPunct="1">
-                  <a:defRPr kern="1200">
-                    <a:solidFill>
-                      <a:schemeClr val="tx1"/>
-                    </a:solidFill>
-                    <a:latin typeface="Arial" charset="0"/>
-                    <a:ea typeface="+mn-ea"/>
-                    <a:cs typeface="Arial" charset="0"/>
-                  </a:defRPr>
-                </a:lvl9pPr>
-              </a:lstStyle>
-              <a:p>
-                <a:pPr defTabSz="872733"/>
-                <a:r>
-                  <a:rPr lang="en-US" sz="2000" dirty="0">
-                    <a:solidFill>
-                      <a:prstClr val="black"/>
-                    </a:solidFill>
-                    <a:latin typeface="Calibri" pitchFamily="34" charset="0"/>
-                  </a:rPr>
-                  <a:t>					</a:t>
-                </a:r>
-              </a:p>
-            </p:txBody>
-          </p:sp>
-          <p:sp>
-            <p:nvSpPr>
-              <p:cNvPr id="6" name="Snip Single Corner Rectangle 47">
-                <a:extLst>
-                  <a:ext uri="{FF2B5EF4-FFF2-40B4-BE49-F238E27FC236}">
-                    <a16:creationId xmlns:a16="http://schemas.microsoft.com/office/drawing/2014/main" id="{572705D4-F985-4EBA-A558-1FCA07ADA7EF}"/>
-                  </a:ext>
-                </a:extLst>
-              </p:cNvPr>
-              <p:cNvSpPr/>
-              <p:nvPr/>
-            </p:nvSpPr>
-            <p:spPr>
-              <a:xfrm flipV="1">
-                <a:off x="5757328" y="585731"/>
-                <a:ext cx="329515" cy="297539"/>
-              </a:xfrm>
-              <a:prstGeom prst="snip1Rect">
-                <a:avLst/>
-              </a:prstGeom>
-              <a:solidFill>
-                <a:schemeClr val="bg1"/>
-              </a:solidFill>
-              <a:ln>
-                <a:solidFill>
-                  <a:srgbClr val="0070C0"/>
-                </a:solidFill>
-              </a:ln>
-            </p:spPr>
             <p:style>
               <a:lnRef idx="2">
-                <a:schemeClr val="accent1">
-                  <a:shade val="50000"/>
-                </a:schemeClr>
+                <a:schemeClr val="accent4"/>
               </a:lnRef>
-              <a:fillRef idx="1">
-                <a:schemeClr val="accent1"/>
+              <a:fillRef idx="0">
+                <a:schemeClr val="accent4"/>
               </a:fillRef>
-              <a:effectRef idx="0">
-                <a:schemeClr val="accent1"/>
+              <a:effectRef idx="1">
+                <a:schemeClr val="accent4"/>
               </a:effectRef>
               <a:fontRef idx="minor">
-                <a:schemeClr val="lt1"/>
+                <a:schemeClr val="tx1"/>
               </a:fontRef>
             </p:style>
             <p:txBody>
-              <a:bodyPr rtlCol="0" anchor="ctr"/>
+              <a:bodyPr/>
               <a:lstStyle/>
               <a:p>
-                <a:pPr algn="ctr" defTabSz="872733"/>
-                <a:endParaRPr lang="en-US" sz="2000">
+                <a:pPr defTabSz="872733"/>
+                <a:endParaRPr lang="en-US" sz="1500">
                   <a:solidFill>
                     <a:prstClr val="black"/>
                   </a:solidFill>
@@ -6005,10 +6475,228 @@
           </p:sp>
           <p:sp>
             <p:nvSpPr>
-              <p:cNvPr id="7" name="Rectangle 6">
+              <p:cNvPr id="31" name="Text Box 11">
                 <a:extLst>
                   <a:ext uri="{FF2B5EF4-FFF2-40B4-BE49-F238E27FC236}">
-                    <a16:creationId xmlns:a16="http://schemas.microsoft.com/office/drawing/2014/main" id="{5831D150-3443-48D8-B73B-7B3D8C694B6D}"/>
+                    <a16:creationId xmlns:a16="http://schemas.microsoft.com/office/drawing/2014/main" id="{F350A90B-2524-431E-9BB6-4DCABEA57388}"/>
+                  </a:ext>
+                </a:extLst>
+              </p:cNvPr>
+              <p:cNvSpPr txBox="1">
+                <a:spLocks noChangeArrowheads="1"/>
+              </p:cNvSpPr>
+              <p:nvPr/>
+            </p:nvSpPr>
+            <p:spPr bwMode="auto">
+              <a:xfrm>
+                <a:off x="5372302" y="1101062"/>
+                <a:ext cx="1945286" cy="662565"/>
+              </a:xfrm>
+              <a:prstGeom prst="rect">
+                <a:avLst/>
+              </a:prstGeom>
+              <a:solidFill>
+                <a:schemeClr val="bg2">
+                  <a:lumMod val="75000"/>
+                </a:schemeClr>
+              </a:solidFill>
+              <a:ln w="19050">
+                <a:solidFill>
+                  <a:schemeClr val="bg2">
+                    <a:lumMod val="50000"/>
+                  </a:schemeClr>
+                </a:solidFill>
+                <a:headEnd/>
+                <a:tailEnd/>
+              </a:ln>
+            </p:spPr>
+            <p:style>
+              <a:lnRef idx="1">
+                <a:schemeClr val="accent4"/>
+              </a:lnRef>
+              <a:fillRef idx="2">
+                <a:schemeClr val="accent4"/>
+              </a:fillRef>
+              <a:effectRef idx="1">
+                <a:schemeClr val="accent4"/>
+              </a:effectRef>
+              <a:fontRef idx="minor">
+                <a:schemeClr val="dk1"/>
+              </a:fontRef>
+            </p:style>
+            <p:txBody>
+              <a:bodyPr wrap="square" tIns="182880" bIns="182880">
+                <a:spAutoFit/>
+              </a:bodyPr>
+              <a:lstStyle/>
+              <a:p>
+                <a:pPr algn="ctr" defTabSz="872733">
+                  <a:spcBef>
+                    <a:spcPct val="50000"/>
+                  </a:spcBef>
+                  <a:buFont typeface="Wingdings" pitchFamily="2" charset="2"/>
+                  <a:buNone/>
+                </a:pPr>
+                <a:r>
+                  <a:rPr lang="en-US" sz="1500" dirty="0" err="1">
+                    <a:solidFill>
+                      <a:prstClr val="black"/>
+                    </a:solidFill>
+                  </a:rPr>
+                  <a:t>items:ShoppingList</a:t>
+                </a:r>
+                <a:endParaRPr lang="en-US" sz="1500" dirty="0">
+                  <a:solidFill>
+                    <a:prstClr val="black"/>
+                  </a:solidFill>
+                </a:endParaRPr>
+              </a:p>
+            </p:txBody>
+          </p:sp>
+          <p:sp>
+            <p:nvSpPr>
+              <p:cNvPr id="36" name="Line 13">
+                <a:extLst>
+                  <a:ext uri="{FF2B5EF4-FFF2-40B4-BE49-F238E27FC236}">
+                    <a16:creationId xmlns:a16="http://schemas.microsoft.com/office/drawing/2014/main" id="{AAE666CC-3E76-4E07-8A34-F2AE0B1AFB86}"/>
+                  </a:ext>
+                </a:extLst>
+              </p:cNvPr>
+              <p:cNvSpPr>
+                <a:spLocks noChangeShapeType="1"/>
+              </p:cNvSpPr>
+              <p:nvPr/>
+            </p:nvSpPr>
+            <p:spPr bwMode="auto">
+              <a:xfrm flipH="1">
+                <a:off x="3154683" y="1712976"/>
+                <a:ext cx="447" cy="4604785"/>
+              </a:xfrm>
+              <a:prstGeom prst="line">
+                <a:avLst/>
+              </a:prstGeom>
+              <a:ln>
+                <a:solidFill>
+                  <a:schemeClr val="accent3">
+                    <a:lumMod val="75000"/>
+                  </a:schemeClr>
+                </a:solidFill>
+                <a:prstDash val="sysDash"/>
+                <a:headEnd/>
+                <a:tailEnd/>
+              </a:ln>
+            </p:spPr>
+            <p:style>
+              <a:lnRef idx="2">
+                <a:schemeClr val="accent4"/>
+              </a:lnRef>
+              <a:fillRef idx="0">
+                <a:schemeClr val="accent4"/>
+              </a:fillRef>
+              <a:effectRef idx="1">
+                <a:schemeClr val="accent4"/>
+              </a:effectRef>
+              <a:fontRef idx="minor">
+                <a:schemeClr val="tx1"/>
+              </a:fontRef>
+            </p:style>
+            <p:txBody>
+              <a:bodyPr/>
+              <a:lstStyle/>
+              <a:p>
+                <a:pPr defTabSz="872733"/>
+                <a:endParaRPr lang="en-US" sz="1500" dirty="0">
+                  <a:solidFill>
+                    <a:prstClr val="black"/>
+                  </a:solidFill>
+                </a:endParaRPr>
+              </a:p>
+            </p:txBody>
+          </p:sp>
+          <p:sp>
+            <p:nvSpPr>
+              <p:cNvPr id="29" name="Text Box 11">
+                <a:extLst>
+                  <a:ext uri="{FF2B5EF4-FFF2-40B4-BE49-F238E27FC236}">
+                    <a16:creationId xmlns:a16="http://schemas.microsoft.com/office/drawing/2014/main" id="{141246BE-9560-4E72-8333-64CB99449860}"/>
+                  </a:ext>
+                </a:extLst>
+              </p:cNvPr>
+              <p:cNvSpPr txBox="1">
+                <a:spLocks noChangeArrowheads="1"/>
+              </p:cNvSpPr>
+              <p:nvPr/>
+            </p:nvSpPr>
+            <p:spPr bwMode="auto">
+              <a:xfrm>
+                <a:off x="2393133" y="1101062"/>
+                <a:ext cx="1508558" cy="662565"/>
+              </a:xfrm>
+              <a:prstGeom prst="rect">
+                <a:avLst/>
+              </a:prstGeom>
+              <a:ln w="19050">
+                <a:headEnd/>
+                <a:tailEnd/>
+              </a:ln>
+            </p:spPr>
+            <p:style>
+              <a:lnRef idx="1">
+                <a:schemeClr val="accent3"/>
+              </a:lnRef>
+              <a:fillRef idx="2">
+                <a:schemeClr val="accent3"/>
+              </a:fillRef>
+              <a:effectRef idx="1">
+                <a:schemeClr val="accent3"/>
+              </a:effectRef>
+              <a:fontRef idx="minor">
+                <a:schemeClr val="dk1"/>
+              </a:fontRef>
+            </p:style>
+            <p:txBody>
+              <a:bodyPr wrap="square" tIns="182880" bIns="182880">
+                <a:spAutoFit/>
+              </a:bodyPr>
+              <a:lstStyle/>
+              <a:p>
+                <a:pPr algn="ctr" defTabSz="872733">
+                  <a:spcBef>
+                    <a:spcPct val="50000"/>
+                  </a:spcBef>
+                  <a:buFont typeface="Wingdings" pitchFamily="2" charset="2"/>
+                  <a:buNone/>
+                </a:pPr>
+                <a:r>
+                  <a:rPr lang="en-US" sz="1500" dirty="0">
+                    <a:solidFill>
+                      <a:prstClr val="black"/>
+                    </a:solidFill>
+                  </a:rPr>
+                  <a:t>:</a:t>
+                </a:r>
+                <a:r>
+                  <a:rPr lang="en-US" sz="1500" dirty="0" err="1">
+                    <a:solidFill>
+                      <a:prstClr val="black"/>
+                    </a:solidFill>
+                  </a:rPr>
+                  <a:t>EditCommand</a:t>
+                </a:r>
+                <a:endParaRPr lang="en-US" sz="1500" dirty="0">
+                  <a:solidFill>
+                    <a:prstClr val="black"/>
+                  </a:solidFill>
+                </a:endParaRPr>
+              </a:p>
+            </p:txBody>
+          </p:sp>
+          <p:sp>
+            <p:nvSpPr>
+              <p:cNvPr id="39" name="Rectangle 38">
+                <a:extLst>
+                  <a:ext uri="{FF2B5EF4-FFF2-40B4-BE49-F238E27FC236}">
+                    <a16:creationId xmlns:a16="http://schemas.microsoft.com/office/drawing/2014/main" id="{2030E854-3A68-4C72-AF0D-9B722C621FE1}"/>
                   </a:ext>
                 </a:extLst>
               </p:cNvPr>
@@ -6017,8 +6705,8 @@
             </p:nvSpPr>
             <p:spPr bwMode="auto">
               <a:xfrm>
-                <a:off x="5812004" y="621840"/>
-                <a:ext cx="208613" cy="325740"/>
+                <a:off x="3557692" y="2003366"/>
+                <a:ext cx="2458083" cy="388997"/>
               </a:xfrm>
               <a:prstGeom prst="rect">
                 <a:avLst/>
@@ -6174,67 +6862,70 @@
               <a:p>
                 <a:pPr defTabSz="872733"/>
                 <a:r>
-                  <a:rPr lang="en-US" sz="1900" dirty="0">
+                  <a:rPr lang="en-US" sz="1500" dirty="0">
                     <a:solidFill>
                       <a:schemeClr val="tx2"/>
                     </a:solidFill>
                     <a:cs typeface="Arial" charset="0"/>
                   </a:rPr>
-                  <a:t>alt</a:t>
+                  <a:t> [description not empty]</a:t>
                 </a:r>
               </a:p>
             </p:txBody>
           </p:sp>
-          <p:cxnSp>
-            <p:nvCxnSpPr>
-              <p:cNvPr id="8" name="Straight Connector 7">
+          <p:sp>
+            <p:nvSpPr>
+              <p:cNvPr id="40" name="Line 15">
                 <a:extLst>
                   <a:ext uri="{FF2B5EF4-FFF2-40B4-BE49-F238E27FC236}">
-                    <a16:creationId xmlns:a16="http://schemas.microsoft.com/office/drawing/2014/main" id="{8C673B2D-EE5B-43CD-89AB-D8F5F620B9EB}"/>
+                    <a16:creationId xmlns:a16="http://schemas.microsoft.com/office/drawing/2014/main" id="{2113AA2F-772F-484C-ABB4-B01DB3F5A74D}"/>
                   </a:ext>
                 </a:extLst>
               </p:cNvPr>
-              <p:cNvCxnSpPr>
-                <a:cxnSpLocks/>
-              </p:cNvCxnSpPr>
+              <p:cNvSpPr>
+                <a:spLocks noChangeShapeType="1"/>
+              </p:cNvSpPr>
               <p:nvPr/>
-            </p:nvCxnSpPr>
-            <p:spPr>
+            </p:nvSpPr>
+            <p:spPr bwMode="auto">
               <a:xfrm>
-                <a:off x="5765609" y="1403429"/>
-                <a:ext cx="3301955" cy="0"/>
+                <a:off x="3182055" y="2746561"/>
+                <a:ext cx="3112048" cy="0"/>
               </a:xfrm>
               <a:prstGeom prst="line">
                 <a:avLst/>
               </a:prstGeom>
+              <a:noFill/>
               <a:ln w="19050">
                 <a:solidFill>
-                  <a:srgbClr val="0070C0"/>
+                  <a:schemeClr val="bg2">
+                    <a:lumMod val="50000"/>
+                  </a:schemeClr>
                 </a:solidFill>
-                <a:prstDash val="sysDash"/>
+                <a:round/>
+                <a:headEnd/>
+                <a:tailEnd type="triangle" w="lg" len="lg"/>
               </a:ln>
             </p:spPr>
-            <p:style>
-              <a:lnRef idx="1">
-                <a:schemeClr val="accent1"/>
-              </a:lnRef>
-              <a:fillRef idx="0">
-                <a:schemeClr val="accent1"/>
-              </a:fillRef>
-              <a:effectRef idx="0">
-                <a:schemeClr val="accent1"/>
-              </a:effectRef>
-              <a:fontRef idx="minor">
-                <a:schemeClr val="tx1"/>
-              </a:fontRef>
-            </p:style>
-          </p:cxnSp>
+            <p:txBody>
+              <a:bodyPr/>
+              <a:lstStyle/>
+              <a:p>
+                <a:pPr defTabSz="872733"/>
+                <a:endParaRPr lang="en-US" sz="1500" dirty="0">
+                  <a:solidFill>
+                    <a:prstClr val="black"/>
+                  </a:solidFill>
+                </a:endParaRPr>
+              </a:p>
+            </p:txBody>
+          </p:sp>
           <p:sp>
             <p:nvSpPr>
-              <p:cNvPr id="9" name="Rectangle 8">
+              <p:cNvPr id="41" name="Rectangle 40">
                 <a:extLst>
                   <a:ext uri="{FF2B5EF4-FFF2-40B4-BE49-F238E27FC236}">
-                    <a16:creationId xmlns:a16="http://schemas.microsoft.com/office/drawing/2014/main" id="{C746584F-EFCD-43B9-81A9-4C708924E928}"/>
+                    <a16:creationId xmlns:a16="http://schemas.microsoft.com/office/drawing/2014/main" id="{0FF22481-18D4-4904-B2DE-FC46BCFC360D}"/>
                   </a:ext>
                 </a:extLst>
               </p:cNvPr>
@@ -6243,8 +6934,8 @@
             </p:nvSpPr>
             <p:spPr bwMode="auto">
               <a:xfrm>
-                <a:off x="6779951" y="2007304"/>
-                <a:ext cx="973777" cy="381000"/>
+                <a:off x="3874674" y="2282063"/>
+                <a:ext cx="1599489" cy="385067"/>
               </a:xfrm>
               <a:prstGeom prst="rect">
                 <a:avLst/>
@@ -6399,66 +7090,818 @@
               </a:lstStyle>
               <a:p>
                 <a:pPr defTabSz="872733"/>
-                <a:endParaRPr lang="en-US" sz="2000" dirty="0">
-                  <a:solidFill>
-                    <a:prstClr val="black"/>
-                  </a:solidFill>
-                  <a:cs typeface="Arial" charset="0"/>
-                </a:endParaRPr>
+                <a:r>
+                  <a:rPr lang="en-US" sz="1500" dirty="0">
+                    <a:solidFill>
+                      <a:schemeClr val="tx2"/>
+                    </a:solidFill>
+                    <a:cs typeface="Arial" charset="0"/>
+                  </a:rPr>
+                  <a:t>setDescription()</a:t>
+                </a:r>
               </a:p>
             </p:txBody>
           </p:sp>
-          <p:cxnSp>
-            <p:nvCxnSpPr>
-              <p:cNvPr id="10" name="Straight Connector 9">
+          <p:sp>
+            <p:nvSpPr>
+              <p:cNvPr id="44" name="Rectangle 43">
                 <a:extLst>
                   <a:ext uri="{FF2B5EF4-FFF2-40B4-BE49-F238E27FC236}">
-                    <a16:creationId xmlns:a16="http://schemas.microsoft.com/office/drawing/2014/main" id="{2F93A019-A8C1-497C-A68F-1DD29FE262A2}"/>
+                    <a16:creationId xmlns:a16="http://schemas.microsoft.com/office/drawing/2014/main" id="{01EA0892-5D41-46E1-8180-3FC3949BAC68}"/>
                   </a:ext>
                 </a:extLst>
               </p:cNvPr>
-              <p:cNvCxnSpPr>
-                <a:cxnSpLocks/>
-              </p:cNvCxnSpPr>
+              <p:cNvSpPr/>
               <p:nvPr/>
-            </p:nvCxnSpPr>
-            <p:spPr>
-              <a:xfrm flipV="1">
-                <a:off x="5765609" y="2250581"/>
-                <a:ext cx="3301955" cy="1"/>
+            </p:nvSpPr>
+            <p:spPr bwMode="auto">
+              <a:xfrm>
+                <a:off x="3943136" y="3337856"/>
+                <a:ext cx="1933181" cy="388998"/>
               </a:xfrm>
-              <a:prstGeom prst="line">
+              <a:prstGeom prst="rect">
                 <a:avLst/>
               </a:prstGeom>
-              <a:ln w="19050">
-                <a:solidFill>
-                  <a:srgbClr val="0070C0"/>
-                </a:solidFill>
-                <a:prstDash val="sysDash"/>
+              <a:noFill/>
+              <a:ln>
+                <a:noFill/>
               </a:ln>
             </p:spPr>
             <p:style>
-              <a:lnRef idx="1">
-                <a:schemeClr val="accent1"/>
+              <a:lnRef idx="2">
+                <a:schemeClr val="accent1">
+                  <a:shade val="50000"/>
+                </a:schemeClr>
               </a:lnRef>
-              <a:fillRef idx="0">
+              <a:fillRef idx="1">
                 <a:schemeClr val="accent1"/>
               </a:fillRef>
               <a:effectRef idx="0">
                 <a:schemeClr val="accent1"/>
               </a:effectRef>
               <a:fontRef idx="minor">
-                <a:schemeClr val="tx1"/>
+                <a:schemeClr val="lt1"/>
               </a:fontRef>
             </p:style>
-          </p:cxnSp>
+            <p:txBody>
+              <a:bodyPr anchor="ctr"/>
+              <a:lstStyle>
+                <a:defPPr>
+                  <a:defRPr lang="en-SG"/>
+                </a:defPPr>
+                <a:lvl1pPr algn="l" rtl="0" fontAlgn="base">
+                  <a:spcBef>
+                    <a:spcPct val="0"/>
+                  </a:spcBef>
+                  <a:spcAft>
+                    <a:spcPct val="0"/>
+                  </a:spcAft>
+                  <a:defRPr kern="1200">
+                    <a:solidFill>
+                      <a:schemeClr val="lt1"/>
+                    </a:solidFill>
+                    <a:latin typeface="+mn-lt"/>
+                    <a:ea typeface="+mn-ea"/>
+                    <a:cs typeface="+mn-cs"/>
+                  </a:defRPr>
+                </a:lvl1pPr>
+                <a:lvl2pPr marL="457200" algn="l" rtl="0" fontAlgn="base">
+                  <a:spcBef>
+                    <a:spcPct val="0"/>
+                  </a:spcBef>
+                  <a:spcAft>
+                    <a:spcPct val="0"/>
+                  </a:spcAft>
+                  <a:defRPr kern="1200">
+                    <a:solidFill>
+                      <a:schemeClr val="lt1"/>
+                    </a:solidFill>
+                    <a:latin typeface="+mn-lt"/>
+                    <a:ea typeface="+mn-ea"/>
+                    <a:cs typeface="+mn-cs"/>
+                  </a:defRPr>
+                </a:lvl2pPr>
+                <a:lvl3pPr marL="914400" algn="l" rtl="0" fontAlgn="base">
+                  <a:spcBef>
+                    <a:spcPct val="0"/>
+                  </a:spcBef>
+                  <a:spcAft>
+                    <a:spcPct val="0"/>
+                  </a:spcAft>
+                  <a:defRPr kern="1200">
+                    <a:solidFill>
+                      <a:schemeClr val="lt1"/>
+                    </a:solidFill>
+                    <a:latin typeface="+mn-lt"/>
+                    <a:ea typeface="+mn-ea"/>
+                    <a:cs typeface="+mn-cs"/>
+                  </a:defRPr>
+                </a:lvl3pPr>
+                <a:lvl4pPr marL="1371600" algn="l" rtl="0" fontAlgn="base">
+                  <a:spcBef>
+                    <a:spcPct val="0"/>
+                  </a:spcBef>
+                  <a:spcAft>
+                    <a:spcPct val="0"/>
+                  </a:spcAft>
+                  <a:defRPr kern="1200">
+                    <a:solidFill>
+                      <a:schemeClr val="lt1"/>
+                    </a:solidFill>
+                    <a:latin typeface="+mn-lt"/>
+                    <a:ea typeface="+mn-ea"/>
+                    <a:cs typeface="+mn-cs"/>
+                  </a:defRPr>
+                </a:lvl4pPr>
+                <a:lvl5pPr marL="1828800" algn="l" rtl="0" fontAlgn="base">
+                  <a:spcBef>
+                    <a:spcPct val="0"/>
+                  </a:spcBef>
+                  <a:spcAft>
+                    <a:spcPct val="0"/>
+                  </a:spcAft>
+                  <a:defRPr kern="1200">
+                    <a:solidFill>
+                      <a:schemeClr val="lt1"/>
+                    </a:solidFill>
+                    <a:latin typeface="+mn-lt"/>
+                    <a:ea typeface="+mn-ea"/>
+                    <a:cs typeface="+mn-cs"/>
+                  </a:defRPr>
+                </a:lvl5pPr>
+                <a:lvl6pPr marL="2286000" algn="l" defTabSz="914400" rtl="0" eaLnBrk="1" latinLnBrk="0" hangingPunct="1">
+                  <a:defRPr kern="1200">
+                    <a:solidFill>
+                      <a:schemeClr val="lt1"/>
+                    </a:solidFill>
+                    <a:latin typeface="+mn-lt"/>
+                    <a:ea typeface="+mn-ea"/>
+                    <a:cs typeface="+mn-cs"/>
+                  </a:defRPr>
+                </a:lvl6pPr>
+                <a:lvl7pPr marL="2743200" algn="l" defTabSz="914400" rtl="0" eaLnBrk="1" latinLnBrk="0" hangingPunct="1">
+                  <a:defRPr kern="1200">
+                    <a:solidFill>
+                      <a:schemeClr val="lt1"/>
+                    </a:solidFill>
+                    <a:latin typeface="+mn-lt"/>
+                    <a:ea typeface="+mn-ea"/>
+                    <a:cs typeface="+mn-cs"/>
+                  </a:defRPr>
+                </a:lvl7pPr>
+                <a:lvl8pPr marL="3200400" algn="l" defTabSz="914400" rtl="0" eaLnBrk="1" latinLnBrk="0" hangingPunct="1">
+                  <a:defRPr kern="1200">
+                    <a:solidFill>
+                      <a:schemeClr val="lt1"/>
+                    </a:solidFill>
+                    <a:latin typeface="+mn-lt"/>
+                    <a:ea typeface="+mn-ea"/>
+                    <a:cs typeface="+mn-cs"/>
+                  </a:defRPr>
+                </a:lvl8pPr>
+                <a:lvl9pPr marL="3657600" algn="l" defTabSz="914400" rtl="0" eaLnBrk="1" latinLnBrk="0" hangingPunct="1">
+                  <a:defRPr kern="1200">
+                    <a:solidFill>
+                      <a:schemeClr val="lt1"/>
+                    </a:solidFill>
+                    <a:latin typeface="+mn-lt"/>
+                    <a:ea typeface="+mn-ea"/>
+                    <a:cs typeface="+mn-cs"/>
+                  </a:defRPr>
+                </a:lvl9pPr>
+              </a:lstStyle>
+              <a:p>
+                <a:pPr defTabSz="872733"/>
+                <a:r>
+                  <a:rPr lang="en-US" sz="1500" dirty="0">
+                    <a:solidFill>
+                      <a:schemeClr val="tx2"/>
+                    </a:solidFill>
+                    <a:cs typeface="Arial" charset="0"/>
+                  </a:rPr>
+                  <a:t> [price not empty]</a:t>
+                </a:r>
+              </a:p>
+            </p:txBody>
+          </p:sp>
+          <p:sp>
+            <p:nvSpPr>
+              <p:cNvPr id="45" name="Rectangle 44">
+                <a:extLst>
+                  <a:ext uri="{FF2B5EF4-FFF2-40B4-BE49-F238E27FC236}">
+                    <a16:creationId xmlns:a16="http://schemas.microsoft.com/office/drawing/2014/main" id="{8C5199CF-4E61-4779-8CB7-E8341978BDF8}"/>
+                  </a:ext>
+                </a:extLst>
+              </p:cNvPr>
+              <p:cNvSpPr/>
+              <p:nvPr/>
+            </p:nvSpPr>
+            <p:spPr bwMode="auto">
+              <a:xfrm>
+                <a:off x="4286690" y="3605659"/>
+                <a:ext cx="1146948" cy="388997"/>
+              </a:xfrm>
+              <a:prstGeom prst="rect">
+                <a:avLst/>
+              </a:prstGeom>
+              <a:noFill/>
+              <a:ln>
+                <a:noFill/>
+              </a:ln>
+            </p:spPr>
+            <p:style>
+              <a:lnRef idx="2">
+                <a:schemeClr val="accent1">
+                  <a:shade val="50000"/>
+                </a:schemeClr>
+              </a:lnRef>
+              <a:fillRef idx="1">
+                <a:schemeClr val="accent1"/>
+              </a:fillRef>
+              <a:effectRef idx="0">
+                <a:schemeClr val="accent1"/>
+              </a:effectRef>
+              <a:fontRef idx="minor">
+                <a:schemeClr val="lt1"/>
+              </a:fontRef>
+            </p:style>
+            <p:txBody>
+              <a:bodyPr anchor="ctr"/>
+              <a:lstStyle>
+                <a:defPPr>
+                  <a:defRPr lang="en-SG"/>
+                </a:defPPr>
+                <a:lvl1pPr algn="l" rtl="0" fontAlgn="base">
+                  <a:spcBef>
+                    <a:spcPct val="0"/>
+                  </a:spcBef>
+                  <a:spcAft>
+                    <a:spcPct val="0"/>
+                  </a:spcAft>
+                  <a:defRPr kern="1200">
+                    <a:solidFill>
+                      <a:schemeClr val="lt1"/>
+                    </a:solidFill>
+                    <a:latin typeface="+mn-lt"/>
+                    <a:ea typeface="+mn-ea"/>
+                    <a:cs typeface="+mn-cs"/>
+                  </a:defRPr>
+                </a:lvl1pPr>
+                <a:lvl2pPr marL="457200" algn="l" rtl="0" fontAlgn="base">
+                  <a:spcBef>
+                    <a:spcPct val="0"/>
+                  </a:spcBef>
+                  <a:spcAft>
+                    <a:spcPct val="0"/>
+                  </a:spcAft>
+                  <a:defRPr kern="1200">
+                    <a:solidFill>
+                      <a:schemeClr val="lt1"/>
+                    </a:solidFill>
+                    <a:latin typeface="+mn-lt"/>
+                    <a:ea typeface="+mn-ea"/>
+                    <a:cs typeface="+mn-cs"/>
+                  </a:defRPr>
+                </a:lvl2pPr>
+                <a:lvl3pPr marL="914400" algn="l" rtl="0" fontAlgn="base">
+                  <a:spcBef>
+                    <a:spcPct val="0"/>
+                  </a:spcBef>
+                  <a:spcAft>
+                    <a:spcPct val="0"/>
+                  </a:spcAft>
+                  <a:defRPr kern="1200">
+                    <a:solidFill>
+                      <a:schemeClr val="lt1"/>
+                    </a:solidFill>
+                    <a:latin typeface="+mn-lt"/>
+                    <a:ea typeface="+mn-ea"/>
+                    <a:cs typeface="+mn-cs"/>
+                  </a:defRPr>
+                </a:lvl3pPr>
+                <a:lvl4pPr marL="1371600" algn="l" rtl="0" fontAlgn="base">
+                  <a:spcBef>
+                    <a:spcPct val="0"/>
+                  </a:spcBef>
+                  <a:spcAft>
+                    <a:spcPct val="0"/>
+                  </a:spcAft>
+                  <a:defRPr kern="1200">
+                    <a:solidFill>
+                      <a:schemeClr val="lt1"/>
+                    </a:solidFill>
+                    <a:latin typeface="+mn-lt"/>
+                    <a:ea typeface="+mn-ea"/>
+                    <a:cs typeface="+mn-cs"/>
+                  </a:defRPr>
+                </a:lvl4pPr>
+                <a:lvl5pPr marL="1828800" algn="l" rtl="0" fontAlgn="base">
+                  <a:spcBef>
+                    <a:spcPct val="0"/>
+                  </a:spcBef>
+                  <a:spcAft>
+                    <a:spcPct val="0"/>
+                  </a:spcAft>
+                  <a:defRPr kern="1200">
+                    <a:solidFill>
+                      <a:schemeClr val="lt1"/>
+                    </a:solidFill>
+                    <a:latin typeface="+mn-lt"/>
+                    <a:ea typeface="+mn-ea"/>
+                    <a:cs typeface="+mn-cs"/>
+                  </a:defRPr>
+                </a:lvl5pPr>
+                <a:lvl6pPr marL="2286000" algn="l" defTabSz="914400" rtl="0" eaLnBrk="1" latinLnBrk="0" hangingPunct="1">
+                  <a:defRPr kern="1200">
+                    <a:solidFill>
+                      <a:schemeClr val="lt1"/>
+                    </a:solidFill>
+                    <a:latin typeface="+mn-lt"/>
+                    <a:ea typeface="+mn-ea"/>
+                    <a:cs typeface="+mn-cs"/>
+                  </a:defRPr>
+                </a:lvl6pPr>
+                <a:lvl7pPr marL="2743200" algn="l" defTabSz="914400" rtl="0" eaLnBrk="1" latinLnBrk="0" hangingPunct="1">
+                  <a:defRPr kern="1200">
+                    <a:solidFill>
+                      <a:schemeClr val="lt1"/>
+                    </a:solidFill>
+                    <a:latin typeface="+mn-lt"/>
+                    <a:ea typeface="+mn-ea"/>
+                    <a:cs typeface="+mn-cs"/>
+                  </a:defRPr>
+                </a:lvl7pPr>
+                <a:lvl8pPr marL="3200400" algn="l" defTabSz="914400" rtl="0" eaLnBrk="1" latinLnBrk="0" hangingPunct="1">
+                  <a:defRPr kern="1200">
+                    <a:solidFill>
+                      <a:schemeClr val="lt1"/>
+                    </a:solidFill>
+                    <a:latin typeface="+mn-lt"/>
+                    <a:ea typeface="+mn-ea"/>
+                    <a:cs typeface="+mn-cs"/>
+                  </a:defRPr>
+                </a:lvl8pPr>
+                <a:lvl9pPr marL="3657600" algn="l" defTabSz="914400" rtl="0" eaLnBrk="1" latinLnBrk="0" hangingPunct="1">
+                  <a:defRPr kern="1200">
+                    <a:solidFill>
+                      <a:schemeClr val="lt1"/>
+                    </a:solidFill>
+                    <a:latin typeface="+mn-lt"/>
+                    <a:ea typeface="+mn-ea"/>
+                    <a:cs typeface="+mn-cs"/>
+                  </a:defRPr>
+                </a:lvl9pPr>
+              </a:lstStyle>
+              <a:p>
+                <a:pPr defTabSz="872733"/>
+                <a:r>
+                  <a:rPr lang="en-US" sz="1500" dirty="0" err="1">
+                    <a:solidFill>
+                      <a:schemeClr val="tx2"/>
+                    </a:solidFill>
+                    <a:cs typeface="Arial" charset="0"/>
+                  </a:rPr>
+                  <a:t>setPrice</a:t>
+                </a:r>
+                <a:r>
+                  <a:rPr lang="en-US" sz="1500" dirty="0">
+                    <a:solidFill>
+                      <a:schemeClr val="tx2"/>
+                    </a:solidFill>
+                    <a:cs typeface="Arial" charset="0"/>
+                  </a:rPr>
+                  <a:t>()</a:t>
+                </a:r>
+              </a:p>
+            </p:txBody>
+          </p:sp>
+          <p:sp>
+            <p:nvSpPr>
+              <p:cNvPr id="48" name="Rectangle 47">
+                <a:extLst>
+                  <a:ext uri="{FF2B5EF4-FFF2-40B4-BE49-F238E27FC236}">
+                    <a16:creationId xmlns:a16="http://schemas.microsoft.com/office/drawing/2014/main" id="{830C766C-4E9F-474F-B048-5B8F0A28F462}"/>
+                  </a:ext>
+                </a:extLst>
+              </p:cNvPr>
+              <p:cNvSpPr/>
+              <p:nvPr/>
+            </p:nvSpPr>
+            <p:spPr bwMode="auto">
+              <a:xfrm>
+                <a:off x="3817237" y="4806894"/>
+                <a:ext cx="2206142" cy="388999"/>
+              </a:xfrm>
+              <a:prstGeom prst="rect">
+                <a:avLst/>
+              </a:prstGeom>
+              <a:noFill/>
+              <a:ln>
+                <a:noFill/>
+              </a:ln>
+            </p:spPr>
+            <p:style>
+              <a:lnRef idx="2">
+                <a:schemeClr val="accent1">
+                  <a:shade val="50000"/>
+                </a:schemeClr>
+              </a:lnRef>
+              <a:fillRef idx="1">
+                <a:schemeClr val="accent1"/>
+              </a:fillRef>
+              <a:effectRef idx="0">
+                <a:schemeClr val="accent1"/>
+              </a:effectRef>
+              <a:fontRef idx="minor">
+                <a:schemeClr val="lt1"/>
+              </a:fontRef>
+            </p:style>
+            <p:txBody>
+              <a:bodyPr anchor="ctr"/>
+              <a:lstStyle>
+                <a:defPPr>
+                  <a:defRPr lang="en-SG"/>
+                </a:defPPr>
+                <a:lvl1pPr algn="l" rtl="0" fontAlgn="base">
+                  <a:spcBef>
+                    <a:spcPct val="0"/>
+                  </a:spcBef>
+                  <a:spcAft>
+                    <a:spcPct val="0"/>
+                  </a:spcAft>
+                  <a:defRPr kern="1200">
+                    <a:solidFill>
+                      <a:schemeClr val="lt1"/>
+                    </a:solidFill>
+                    <a:latin typeface="+mn-lt"/>
+                    <a:ea typeface="+mn-ea"/>
+                    <a:cs typeface="+mn-cs"/>
+                  </a:defRPr>
+                </a:lvl1pPr>
+                <a:lvl2pPr marL="457200" algn="l" rtl="0" fontAlgn="base">
+                  <a:spcBef>
+                    <a:spcPct val="0"/>
+                  </a:spcBef>
+                  <a:spcAft>
+                    <a:spcPct val="0"/>
+                  </a:spcAft>
+                  <a:defRPr kern="1200">
+                    <a:solidFill>
+                      <a:schemeClr val="lt1"/>
+                    </a:solidFill>
+                    <a:latin typeface="+mn-lt"/>
+                    <a:ea typeface="+mn-ea"/>
+                    <a:cs typeface="+mn-cs"/>
+                  </a:defRPr>
+                </a:lvl2pPr>
+                <a:lvl3pPr marL="914400" algn="l" rtl="0" fontAlgn="base">
+                  <a:spcBef>
+                    <a:spcPct val="0"/>
+                  </a:spcBef>
+                  <a:spcAft>
+                    <a:spcPct val="0"/>
+                  </a:spcAft>
+                  <a:defRPr kern="1200">
+                    <a:solidFill>
+                      <a:schemeClr val="lt1"/>
+                    </a:solidFill>
+                    <a:latin typeface="+mn-lt"/>
+                    <a:ea typeface="+mn-ea"/>
+                    <a:cs typeface="+mn-cs"/>
+                  </a:defRPr>
+                </a:lvl3pPr>
+                <a:lvl4pPr marL="1371600" algn="l" rtl="0" fontAlgn="base">
+                  <a:spcBef>
+                    <a:spcPct val="0"/>
+                  </a:spcBef>
+                  <a:spcAft>
+                    <a:spcPct val="0"/>
+                  </a:spcAft>
+                  <a:defRPr kern="1200">
+                    <a:solidFill>
+                      <a:schemeClr val="lt1"/>
+                    </a:solidFill>
+                    <a:latin typeface="+mn-lt"/>
+                    <a:ea typeface="+mn-ea"/>
+                    <a:cs typeface="+mn-cs"/>
+                  </a:defRPr>
+                </a:lvl4pPr>
+                <a:lvl5pPr marL="1828800" algn="l" rtl="0" fontAlgn="base">
+                  <a:spcBef>
+                    <a:spcPct val="0"/>
+                  </a:spcBef>
+                  <a:spcAft>
+                    <a:spcPct val="0"/>
+                  </a:spcAft>
+                  <a:defRPr kern="1200">
+                    <a:solidFill>
+                      <a:schemeClr val="lt1"/>
+                    </a:solidFill>
+                    <a:latin typeface="+mn-lt"/>
+                    <a:ea typeface="+mn-ea"/>
+                    <a:cs typeface="+mn-cs"/>
+                  </a:defRPr>
+                </a:lvl5pPr>
+                <a:lvl6pPr marL="2286000" algn="l" defTabSz="914400" rtl="0" eaLnBrk="1" latinLnBrk="0" hangingPunct="1">
+                  <a:defRPr kern="1200">
+                    <a:solidFill>
+                      <a:schemeClr val="lt1"/>
+                    </a:solidFill>
+                    <a:latin typeface="+mn-lt"/>
+                    <a:ea typeface="+mn-ea"/>
+                    <a:cs typeface="+mn-cs"/>
+                  </a:defRPr>
+                </a:lvl6pPr>
+                <a:lvl7pPr marL="2743200" algn="l" defTabSz="914400" rtl="0" eaLnBrk="1" latinLnBrk="0" hangingPunct="1">
+                  <a:defRPr kern="1200">
+                    <a:solidFill>
+                      <a:schemeClr val="lt1"/>
+                    </a:solidFill>
+                    <a:latin typeface="+mn-lt"/>
+                    <a:ea typeface="+mn-ea"/>
+                    <a:cs typeface="+mn-cs"/>
+                  </a:defRPr>
+                </a:lvl7pPr>
+                <a:lvl8pPr marL="3200400" algn="l" defTabSz="914400" rtl="0" eaLnBrk="1" latinLnBrk="0" hangingPunct="1">
+                  <a:defRPr kern="1200">
+                    <a:solidFill>
+                      <a:schemeClr val="lt1"/>
+                    </a:solidFill>
+                    <a:latin typeface="+mn-lt"/>
+                    <a:ea typeface="+mn-ea"/>
+                    <a:cs typeface="+mn-cs"/>
+                  </a:defRPr>
+                </a:lvl8pPr>
+                <a:lvl9pPr marL="3657600" algn="l" defTabSz="914400" rtl="0" eaLnBrk="1" latinLnBrk="0" hangingPunct="1">
+                  <a:defRPr kern="1200">
+                    <a:solidFill>
+                      <a:schemeClr val="lt1"/>
+                    </a:solidFill>
+                    <a:latin typeface="+mn-lt"/>
+                    <a:ea typeface="+mn-ea"/>
+                    <a:cs typeface="+mn-cs"/>
+                  </a:defRPr>
+                </a:lvl9pPr>
+              </a:lstStyle>
+              <a:p>
+                <a:pPr defTabSz="872733"/>
+                <a:r>
+                  <a:rPr lang="en-US" sz="1500" dirty="0">
+                    <a:solidFill>
+                      <a:schemeClr val="tx2"/>
+                    </a:solidFill>
+                    <a:cs typeface="Arial" charset="0"/>
+                  </a:rPr>
+                  <a:t> [quantity not empty]</a:t>
+                </a:r>
+              </a:p>
+            </p:txBody>
+          </p:sp>
+          <p:sp>
+            <p:nvSpPr>
+              <p:cNvPr id="49" name="Line 15">
+                <a:extLst>
+                  <a:ext uri="{FF2B5EF4-FFF2-40B4-BE49-F238E27FC236}">
+                    <a16:creationId xmlns:a16="http://schemas.microsoft.com/office/drawing/2014/main" id="{3C613B07-D704-485B-AF65-3DC57DECFE02}"/>
+                  </a:ext>
+                </a:extLst>
+              </p:cNvPr>
+              <p:cNvSpPr>
+                <a:spLocks noChangeShapeType="1"/>
+              </p:cNvSpPr>
+              <p:nvPr/>
+            </p:nvSpPr>
+            <p:spPr bwMode="auto">
+              <a:xfrm flipV="1">
+                <a:off x="3158967" y="5524152"/>
+                <a:ext cx="3157356" cy="0"/>
+              </a:xfrm>
+              <a:prstGeom prst="line">
+                <a:avLst/>
+              </a:prstGeom>
+              <a:noFill/>
+              <a:ln w="19050">
+                <a:solidFill>
+                  <a:schemeClr val="bg2">
+                    <a:lumMod val="50000"/>
+                  </a:schemeClr>
+                </a:solidFill>
+                <a:round/>
+                <a:headEnd/>
+                <a:tailEnd type="triangle" w="lg" len="lg"/>
+              </a:ln>
+            </p:spPr>
+            <p:txBody>
+              <a:bodyPr/>
+              <a:lstStyle/>
+              <a:p>
+                <a:pPr defTabSz="872733"/>
+                <a:endParaRPr lang="en-US" sz="1500" dirty="0">
+                  <a:solidFill>
+                    <a:prstClr val="black"/>
+                  </a:solidFill>
+                </a:endParaRPr>
+              </a:p>
+            </p:txBody>
+          </p:sp>
+          <p:sp>
+            <p:nvSpPr>
+              <p:cNvPr id="50" name="Rectangle 49">
+                <a:extLst>
+                  <a:ext uri="{FF2B5EF4-FFF2-40B4-BE49-F238E27FC236}">
+                    <a16:creationId xmlns:a16="http://schemas.microsoft.com/office/drawing/2014/main" id="{9FBBAE77-687C-45A3-A251-FDBEA3226833}"/>
+                  </a:ext>
+                </a:extLst>
+              </p:cNvPr>
+              <p:cNvSpPr/>
+              <p:nvPr/>
+            </p:nvSpPr>
+            <p:spPr bwMode="auto">
+              <a:xfrm>
+                <a:off x="4148827" y="5055458"/>
+                <a:ext cx="1424469" cy="388999"/>
+              </a:xfrm>
+              <a:prstGeom prst="rect">
+                <a:avLst/>
+              </a:prstGeom>
+              <a:noFill/>
+              <a:ln>
+                <a:noFill/>
+              </a:ln>
+            </p:spPr>
+            <p:style>
+              <a:lnRef idx="2">
+                <a:schemeClr val="accent1">
+                  <a:shade val="50000"/>
+                </a:schemeClr>
+              </a:lnRef>
+              <a:fillRef idx="1">
+                <a:schemeClr val="accent1"/>
+              </a:fillRef>
+              <a:effectRef idx="0">
+                <a:schemeClr val="accent1"/>
+              </a:effectRef>
+              <a:fontRef idx="minor">
+                <a:schemeClr val="lt1"/>
+              </a:fontRef>
+            </p:style>
+            <p:txBody>
+              <a:bodyPr anchor="ctr"/>
+              <a:lstStyle>
+                <a:defPPr>
+                  <a:defRPr lang="en-SG"/>
+                </a:defPPr>
+                <a:lvl1pPr algn="l" rtl="0" fontAlgn="base">
+                  <a:spcBef>
+                    <a:spcPct val="0"/>
+                  </a:spcBef>
+                  <a:spcAft>
+                    <a:spcPct val="0"/>
+                  </a:spcAft>
+                  <a:defRPr kern="1200">
+                    <a:solidFill>
+                      <a:schemeClr val="lt1"/>
+                    </a:solidFill>
+                    <a:latin typeface="+mn-lt"/>
+                    <a:ea typeface="+mn-ea"/>
+                    <a:cs typeface="+mn-cs"/>
+                  </a:defRPr>
+                </a:lvl1pPr>
+                <a:lvl2pPr marL="457200" algn="l" rtl="0" fontAlgn="base">
+                  <a:spcBef>
+                    <a:spcPct val="0"/>
+                  </a:spcBef>
+                  <a:spcAft>
+                    <a:spcPct val="0"/>
+                  </a:spcAft>
+                  <a:defRPr kern="1200">
+                    <a:solidFill>
+                      <a:schemeClr val="lt1"/>
+                    </a:solidFill>
+                    <a:latin typeface="+mn-lt"/>
+                    <a:ea typeface="+mn-ea"/>
+                    <a:cs typeface="+mn-cs"/>
+                  </a:defRPr>
+                </a:lvl2pPr>
+                <a:lvl3pPr marL="914400" algn="l" rtl="0" fontAlgn="base">
+                  <a:spcBef>
+                    <a:spcPct val="0"/>
+                  </a:spcBef>
+                  <a:spcAft>
+                    <a:spcPct val="0"/>
+                  </a:spcAft>
+                  <a:defRPr kern="1200">
+                    <a:solidFill>
+                      <a:schemeClr val="lt1"/>
+                    </a:solidFill>
+                    <a:latin typeface="+mn-lt"/>
+                    <a:ea typeface="+mn-ea"/>
+                    <a:cs typeface="+mn-cs"/>
+                  </a:defRPr>
+                </a:lvl3pPr>
+                <a:lvl4pPr marL="1371600" algn="l" rtl="0" fontAlgn="base">
+                  <a:spcBef>
+                    <a:spcPct val="0"/>
+                  </a:spcBef>
+                  <a:spcAft>
+                    <a:spcPct val="0"/>
+                  </a:spcAft>
+                  <a:defRPr kern="1200">
+                    <a:solidFill>
+                      <a:schemeClr val="lt1"/>
+                    </a:solidFill>
+                    <a:latin typeface="+mn-lt"/>
+                    <a:ea typeface="+mn-ea"/>
+                    <a:cs typeface="+mn-cs"/>
+                  </a:defRPr>
+                </a:lvl4pPr>
+                <a:lvl5pPr marL="1828800" algn="l" rtl="0" fontAlgn="base">
+                  <a:spcBef>
+                    <a:spcPct val="0"/>
+                  </a:spcBef>
+                  <a:spcAft>
+                    <a:spcPct val="0"/>
+                  </a:spcAft>
+                  <a:defRPr kern="1200">
+                    <a:solidFill>
+                      <a:schemeClr val="lt1"/>
+                    </a:solidFill>
+                    <a:latin typeface="+mn-lt"/>
+                    <a:ea typeface="+mn-ea"/>
+                    <a:cs typeface="+mn-cs"/>
+                  </a:defRPr>
+                </a:lvl5pPr>
+                <a:lvl6pPr marL="2286000" algn="l" defTabSz="914400" rtl="0" eaLnBrk="1" latinLnBrk="0" hangingPunct="1">
+                  <a:defRPr kern="1200">
+                    <a:solidFill>
+                      <a:schemeClr val="lt1"/>
+                    </a:solidFill>
+                    <a:latin typeface="+mn-lt"/>
+                    <a:ea typeface="+mn-ea"/>
+                    <a:cs typeface="+mn-cs"/>
+                  </a:defRPr>
+                </a:lvl6pPr>
+                <a:lvl7pPr marL="2743200" algn="l" defTabSz="914400" rtl="0" eaLnBrk="1" latinLnBrk="0" hangingPunct="1">
+                  <a:defRPr kern="1200">
+                    <a:solidFill>
+                      <a:schemeClr val="lt1"/>
+                    </a:solidFill>
+                    <a:latin typeface="+mn-lt"/>
+                    <a:ea typeface="+mn-ea"/>
+                    <a:cs typeface="+mn-cs"/>
+                  </a:defRPr>
+                </a:lvl7pPr>
+                <a:lvl8pPr marL="3200400" algn="l" defTabSz="914400" rtl="0" eaLnBrk="1" latinLnBrk="0" hangingPunct="1">
+                  <a:defRPr kern="1200">
+                    <a:solidFill>
+                      <a:schemeClr val="lt1"/>
+                    </a:solidFill>
+                    <a:latin typeface="+mn-lt"/>
+                    <a:ea typeface="+mn-ea"/>
+                    <a:cs typeface="+mn-cs"/>
+                  </a:defRPr>
+                </a:lvl8pPr>
+                <a:lvl9pPr marL="3657600" algn="l" defTabSz="914400" rtl="0" eaLnBrk="1" latinLnBrk="0" hangingPunct="1">
+                  <a:defRPr kern="1200">
+                    <a:solidFill>
+                      <a:schemeClr val="lt1"/>
+                    </a:solidFill>
+                    <a:latin typeface="+mn-lt"/>
+                    <a:ea typeface="+mn-ea"/>
+                    <a:cs typeface="+mn-cs"/>
+                  </a:defRPr>
+                </a:lvl9pPr>
+              </a:lstStyle>
+              <a:p>
+                <a:pPr defTabSz="872733"/>
+                <a:r>
+                  <a:rPr lang="en-US" sz="1500" dirty="0" err="1">
+                    <a:solidFill>
+                      <a:schemeClr val="tx2"/>
+                    </a:solidFill>
+                    <a:cs typeface="Arial" charset="0"/>
+                  </a:rPr>
+                  <a:t>setQuantity</a:t>
+                </a:r>
+                <a:r>
+                  <a:rPr lang="en-US" sz="1500" dirty="0">
+                    <a:solidFill>
+                      <a:schemeClr val="tx2"/>
+                    </a:solidFill>
+                    <a:cs typeface="Arial" charset="0"/>
+                  </a:rPr>
+                  <a:t>()</a:t>
+                </a:r>
+              </a:p>
+            </p:txBody>
+          </p:sp>
         </p:grpSp>
         <p:sp>
           <p:nvSpPr>
-            <p:cNvPr id="33" name="Line 13">
+            <p:cNvPr id="38" name="Line 16">
               <a:extLst>
                 <a:ext uri="{FF2B5EF4-FFF2-40B4-BE49-F238E27FC236}">
-                  <a16:creationId xmlns:a16="http://schemas.microsoft.com/office/drawing/2014/main" id="{EC77E5E0-D7C3-480F-80FD-98E0162B6469}"/>
+                  <a16:creationId xmlns:a16="http://schemas.microsoft.com/office/drawing/2014/main" id="{1EDB7596-258F-4B9C-A0B4-4C1006F7A75F}"/>
                 </a:ext>
               </a:extLst>
             </p:cNvPr>
@@ -6469,37 +7912,25 @@
           </p:nvSpPr>
           <p:spPr bwMode="auto">
             <a:xfrm flipH="1">
-              <a:off x="6289371" y="1814001"/>
-              <a:ext cx="447" cy="4507103"/>
+              <a:off x="3346928" y="6096000"/>
+              <a:ext cx="2952759" cy="0"/>
             </a:xfrm>
             <a:prstGeom prst="line">
               <a:avLst/>
             </a:prstGeom>
-            <a:ln>
+            <a:noFill/>
+            <a:ln w="19050">
               <a:solidFill>
                 <a:schemeClr val="bg2">
                   <a:lumMod val="50000"/>
                 </a:schemeClr>
               </a:solidFill>
               <a:prstDash val="sysDash"/>
+              <a:round/>
               <a:headEnd/>
-              <a:tailEnd/>
+              <a:tailEnd type="triangle" w="lg" len="lg"/>
             </a:ln>
           </p:spPr>
-          <p:style>
-            <a:lnRef idx="2">
-              <a:schemeClr val="accent4"/>
-            </a:lnRef>
-            <a:fillRef idx="0">
-              <a:schemeClr val="accent4"/>
-            </a:fillRef>
-            <a:effectRef idx="1">
-              <a:schemeClr val="accent4"/>
-            </a:effectRef>
-            <a:fontRef idx="minor">
-              <a:schemeClr val="tx1"/>
-            </a:fontRef>
-          </p:style>
           <p:txBody>
             <a:bodyPr/>
             <a:lstStyle/>
@@ -6515,77 +7946,45 @@
         </p:sp>
         <p:sp>
           <p:nvSpPr>
-            <p:cNvPr id="31" name="Text Box 11">
+            <p:cNvPr id="51" name="Line 16">
               <a:extLst>
                 <a:ext uri="{FF2B5EF4-FFF2-40B4-BE49-F238E27FC236}">
-                  <a16:creationId xmlns:a16="http://schemas.microsoft.com/office/drawing/2014/main" id="{F350A90B-2524-431E-9BB6-4DCABEA57388}"/>
+                  <a16:creationId xmlns:a16="http://schemas.microsoft.com/office/drawing/2014/main" id="{ED79FA1C-A0A1-48AA-A95D-692F97FAEE5E}"/>
                 </a:ext>
               </a:extLst>
             </p:cNvPr>
-            <p:cNvSpPr txBox="1">
-              <a:spLocks noChangeArrowheads="1"/>
+            <p:cNvSpPr>
+              <a:spLocks noChangeShapeType="1"/>
             </p:cNvSpPr>
             <p:nvPr/>
           </p:nvSpPr>
           <p:spPr bwMode="auto">
-            <a:xfrm>
-              <a:off x="5372302" y="1101062"/>
-              <a:ext cx="1945286" cy="662565"/>
+            <a:xfrm flipH="1" flipV="1">
+              <a:off x="3346928" y="3429000"/>
+              <a:ext cx="2927711" cy="1597"/>
             </a:xfrm>
-            <a:prstGeom prst="rect">
+            <a:prstGeom prst="line">
               <a:avLst/>
             </a:prstGeom>
-            <a:solidFill>
-              <a:schemeClr val="bg2">
-                <a:lumMod val="75000"/>
-              </a:schemeClr>
-            </a:solidFill>
+            <a:noFill/>
             <a:ln w="19050">
               <a:solidFill>
                 <a:schemeClr val="bg2">
                   <a:lumMod val="50000"/>
                 </a:schemeClr>
               </a:solidFill>
+              <a:prstDash val="sysDash"/>
+              <a:round/>
               <a:headEnd/>
-              <a:tailEnd/>
+              <a:tailEnd type="triangle" w="lg" len="lg"/>
             </a:ln>
           </p:spPr>
-          <p:style>
-            <a:lnRef idx="1">
-              <a:schemeClr val="accent4"/>
-            </a:lnRef>
-            <a:fillRef idx="2">
-              <a:schemeClr val="accent4"/>
-            </a:fillRef>
-            <a:effectRef idx="1">
-              <a:schemeClr val="accent4"/>
-            </a:effectRef>
-            <a:fontRef idx="minor">
-              <a:schemeClr val="dk1"/>
-            </a:fontRef>
-          </p:style>
           <p:txBody>
-            <a:bodyPr wrap="square" tIns="182880" bIns="182880">
-              <a:spAutoFit/>
-            </a:bodyPr>
+            <a:bodyPr/>
             <a:lstStyle/>
             <a:p>
-              <a:pPr algn="ctr" defTabSz="872733">
-                <a:spcBef>
-                  <a:spcPct val="50000"/>
-                </a:spcBef>
-                <a:buFont typeface="Wingdings" pitchFamily="2" charset="2"/>
-                <a:buNone/>
-              </a:pPr>
-              <a:r>
-                <a:rPr lang="en-US" sz="1500" dirty="0" err="1">
-                  <a:solidFill>
-                    <a:prstClr val="black"/>
-                  </a:solidFill>
-                </a:rPr>
-                <a:t>items:ShoppingList</a:t>
-              </a:r>
-              <a:endParaRPr lang="en-US" sz="1500" dirty="0">
+              <a:pPr defTabSz="872733"/>
+              <a:endParaRPr lang="en-US" sz="1500">
                 <a:solidFill>
                   <a:prstClr val="black"/>
                 </a:solidFill>
@@ -6595,330 +7994,10 @@
         </p:sp>
         <p:sp>
           <p:nvSpPr>
-            <p:cNvPr id="36" name="Line 13">
+            <p:cNvPr id="52" name="Line 15">
               <a:extLst>
                 <a:ext uri="{FF2B5EF4-FFF2-40B4-BE49-F238E27FC236}">
-                  <a16:creationId xmlns:a16="http://schemas.microsoft.com/office/drawing/2014/main" id="{AAE666CC-3E76-4E07-8A34-F2AE0B1AFB86}"/>
-                </a:ext>
-              </a:extLst>
-            </p:cNvPr>
-            <p:cNvSpPr>
-              <a:spLocks noChangeShapeType="1"/>
-            </p:cNvSpPr>
-            <p:nvPr/>
-          </p:nvSpPr>
-          <p:spPr bwMode="auto">
-            <a:xfrm flipH="1">
-              <a:off x="3154683" y="1712976"/>
-              <a:ext cx="447" cy="4604785"/>
-            </a:xfrm>
-            <a:prstGeom prst="line">
-              <a:avLst/>
-            </a:prstGeom>
-            <a:ln>
-              <a:solidFill>
-                <a:schemeClr val="accent3">
-                  <a:lumMod val="75000"/>
-                </a:schemeClr>
-              </a:solidFill>
-              <a:prstDash val="sysDash"/>
-              <a:headEnd/>
-              <a:tailEnd/>
-            </a:ln>
-          </p:spPr>
-          <p:style>
-            <a:lnRef idx="2">
-              <a:schemeClr val="accent4"/>
-            </a:lnRef>
-            <a:fillRef idx="0">
-              <a:schemeClr val="accent4"/>
-            </a:fillRef>
-            <a:effectRef idx="1">
-              <a:schemeClr val="accent4"/>
-            </a:effectRef>
-            <a:fontRef idx="minor">
-              <a:schemeClr val="tx1"/>
-            </a:fontRef>
-          </p:style>
-          <p:txBody>
-            <a:bodyPr/>
-            <a:lstStyle/>
-            <a:p>
-              <a:pPr defTabSz="872733"/>
-              <a:endParaRPr lang="en-US" sz="1500" dirty="0">
-                <a:solidFill>
-                  <a:prstClr val="black"/>
-                </a:solidFill>
-              </a:endParaRPr>
-            </a:p>
-          </p:txBody>
-        </p:sp>
-        <p:sp>
-          <p:nvSpPr>
-            <p:cNvPr id="29" name="Text Box 11">
-              <a:extLst>
-                <a:ext uri="{FF2B5EF4-FFF2-40B4-BE49-F238E27FC236}">
-                  <a16:creationId xmlns:a16="http://schemas.microsoft.com/office/drawing/2014/main" id="{141246BE-9560-4E72-8333-64CB99449860}"/>
-                </a:ext>
-              </a:extLst>
-            </p:cNvPr>
-            <p:cNvSpPr txBox="1">
-              <a:spLocks noChangeArrowheads="1"/>
-            </p:cNvSpPr>
-            <p:nvPr/>
-          </p:nvSpPr>
-          <p:spPr bwMode="auto">
-            <a:xfrm>
-              <a:off x="2393133" y="1101062"/>
-              <a:ext cx="1508558" cy="662565"/>
-            </a:xfrm>
-            <a:prstGeom prst="rect">
-              <a:avLst/>
-            </a:prstGeom>
-            <a:ln w="19050">
-              <a:headEnd/>
-              <a:tailEnd/>
-            </a:ln>
-          </p:spPr>
-          <p:style>
-            <a:lnRef idx="1">
-              <a:schemeClr val="accent3"/>
-            </a:lnRef>
-            <a:fillRef idx="2">
-              <a:schemeClr val="accent3"/>
-            </a:fillRef>
-            <a:effectRef idx="1">
-              <a:schemeClr val="accent3"/>
-            </a:effectRef>
-            <a:fontRef idx="minor">
-              <a:schemeClr val="dk1"/>
-            </a:fontRef>
-          </p:style>
-          <p:txBody>
-            <a:bodyPr wrap="square" tIns="182880" bIns="182880">
-              <a:spAutoFit/>
-            </a:bodyPr>
-            <a:lstStyle/>
-            <a:p>
-              <a:pPr algn="ctr" defTabSz="872733">
-                <a:spcBef>
-                  <a:spcPct val="50000"/>
-                </a:spcBef>
-                <a:buFont typeface="Wingdings" pitchFamily="2" charset="2"/>
-                <a:buNone/>
-              </a:pPr>
-              <a:r>
-                <a:rPr lang="en-US" sz="1500" dirty="0">
-                  <a:solidFill>
-                    <a:prstClr val="black"/>
-                  </a:solidFill>
-                </a:rPr>
-                <a:t>:</a:t>
-              </a:r>
-              <a:r>
-                <a:rPr lang="en-US" sz="1500" dirty="0" err="1">
-                  <a:solidFill>
-                    <a:prstClr val="black"/>
-                  </a:solidFill>
-                </a:rPr>
-                <a:t>EditCommand</a:t>
-              </a:r>
-              <a:endParaRPr lang="en-US" sz="1500" dirty="0">
-                <a:solidFill>
-                  <a:prstClr val="black"/>
-                </a:solidFill>
-              </a:endParaRPr>
-            </a:p>
-          </p:txBody>
-        </p:sp>
-        <p:sp>
-          <p:nvSpPr>
-            <p:cNvPr id="39" name="Rectangle 38">
-              <a:extLst>
-                <a:ext uri="{FF2B5EF4-FFF2-40B4-BE49-F238E27FC236}">
-                  <a16:creationId xmlns:a16="http://schemas.microsoft.com/office/drawing/2014/main" id="{2030E854-3A68-4C72-AF0D-9B722C621FE1}"/>
-                </a:ext>
-              </a:extLst>
-            </p:cNvPr>
-            <p:cNvSpPr/>
-            <p:nvPr/>
-          </p:nvSpPr>
-          <p:spPr bwMode="auto">
-            <a:xfrm>
-              <a:off x="3557692" y="2003366"/>
-              <a:ext cx="2458083" cy="388997"/>
-            </a:xfrm>
-            <a:prstGeom prst="rect">
-              <a:avLst/>
-            </a:prstGeom>
-            <a:noFill/>
-            <a:ln>
-              <a:noFill/>
-            </a:ln>
-          </p:spPr>
-          <p:style>
-            <a:lnRef idx="2">
-              <a:schemeClr val="accent1">
-                <a:shade val="50000"/>
-              </a:schemeClr>
-            </a:lnRef>
-            <a:fillRef idx="1">
-              <a:schemeClr val="accent1"/>
-            </a:fillRef>
-            <a:effectRef idx="0">
-              <a:schemeClr val="accent1"/>
-            </a:effectRef>
-            <a:fontRef idx="minor">
-              <a:schemeClr val="lt1"/>
-            </a:fontRef>
-          </p:style>
-          <p:txBody>
-            <a:bodyPr anchor="ctr"/>
-            <a:lstStyle>
-              <a:defPPr>
-                <a:defRPr lang="en-SG"/>
-              </a:defPPr>
-              <a:lvl1pPr algn="l" rtl="0" fontAlgn="base">
-                <a:spcBef>
-                  <a:spcPct val="0"/>
-                </a:spcBef>
-                <a:spcAft>
-                  <a:spcPct val="0"/>
-                </a:spcAft>
-                <a:defRPr kern="1200">
-                  <a:solidFill>
-                    <a:schemeClr val="lt1"/>
-                  </a:solidFill>
-                  <a:latin typeface="+mn-lt"/>
-                  <a:ea typeface="+mn-ea"/>
-                  <a:cs typeface="+mn-cs"/>
-                </a:defRPr>
-              </a:lvl1pPr>
-              <a:lvl2pPr marL="457200" algn="l" rtl="0" fontAlgn="base">
-                <a:spcBef>
-                  <a:spcPct val="0"/>
-                </a:spcBef>
-                <a:spcAft>
-                  <a:spcPct val="0"/>
-                </a:spcAft>
-                <a:defRPr kern="1200">
-                  <a:solidFill>
-                    <a:schemeClr val="lt1"/>
-                  </a:solidFill>
-                  <a:latin typeface="+mn-lt"/>
-                  <a:ea typeface="+mn-ea"/>
-                  <a:cs typeface="+mn-cs"/>
-                </a:defRPr>
-              </a:lvl2pPr>
-              <a:lvl3pPr marL="914400" algn="l" rtl="0" fontAlgn="base">
-                <a:spcBef>
-                  <a:spcPct val="0"/>
-                </a:spcBef>
-                <a:spcAft>
-                  <a:spcPct val="0"/>
-                </a:spcAft>
-                <a:defRPr kern="1200">
-                  <a:solidFill>
-                    <a:schemeClr val="lt1"/>
-                  </a:solidFill>
-                  <a:latin typeface="+mn-lt"/>
-                  <a:ea typeface="+mn-ea"/>
-                  <a:cs typeface="+mn-cs"/>
-                </a:defRPr>
-              </a:lvl3pPr>
-              <a:lvl4pPr marL="1371600" algn="l" rtl="0" fontAlgn="base">
-                <a:spcBef>
-                  <a:spcPct val="0"/>
-                </a:spcBef>
-                <a:spcAft>
-                  <a:spcPct val="0"/>
-                </a:spcAft>
-                <a:defRPr kern="1200">
-                  <a:solidFill>
-                    <a:schemeClr val="lt1"/>
-                  </a:solidFill>
-                  <a:latin typeface="+mn-lt"/>
-                  <a:ea typeface="+mn-ea"/>
-                  <a:cs typeface="+mn-cs"/>
-                </a:defRPr>
-              </a:lvl4pPr>
-              <a:lvl5pPr marL="1828800" algn="l" rtl="0" fontAlgn="base">
-                <a:spcBef>
-                  <a:spcPct val="0"/>
-                </a:spcBef>
-                <a:spcAft>
-                  <a:spcPct val="0"/>
-                </a:spcAft>
-                <a:defRPr kern="1200">
-                  <a:solidFill>
-                    <a:schemeClr val="lt1"/>
-                  </a:solidFill>
-                  <a:latin typeface="+mn-lt"/>
-                  <a:ea typeface="+mn-ea"/>
-                  <a:cs typeface="+mn-cs"/>
-                </a:defRPr>
-              </a:lvl5pPr>
-              <a:lvl6pPr marL="2286000" algn="l" defTabSz="914400" rtl="0" eaLnBrk="1" latinLnBrk="0" hangingPunct="1">
-                <a:defRPr kern="1200">
-                  <a:solidFill>
-                    <a:schemeClr val="lt1"/>
-                  </a:solidFill>
-                  <a:latin typeface="+mn-lt"/>
-                  <a:ea typeface="+mn-ea"/>
-                  <a:cs typeface="+mn-cs"/>
-                </a:defRPr>
-              </a:lvl6pPr>
-              <a:lvl7pPr marL="2743200" algn="l" defTabSz="914400" rtl="0" eaLnBrk="1" latinLnBrk="0" hangingPunct="1">
-                <a:defRPr kern="1200">
-                  <a:solidFill>
-                    <a:schemeClr val="lt1"/>
-                  </a:solidFill>
-                  <a:latin typeface="+mn-lt"/>
-                  <a:ea typeface="+mn-ea"/>
-                  <a:cs typeface="+mn-cs"/>
-                </a:defRPr>
-              </a:lvl7pPr>
-              <a:lvl8pPr marL="3200400" algn="l" defTabSz="914400" rtl="0" eaLnBrk="1" latinLnBrk="0" hangingPunct="1">
-                <a:defRPr kern="1200">
-                  <a:solidFill>
-                    <a:schemeClr val="lt1"/>
-                  </a:solidFill>
-                  <a:latin typeface="+mn-lt"/>
-                  <a:ea typeface="+mn-ea"/>
-                  <a:cs typeface="+mn-cs"/>
-                </a:defRPr>
-              </a:lvl8pPr>
-              <a:lvl9pPr marL="3657600" algn="l" defTabSz="914400" rtl="0" eaLnBrk="1" latinLnBrk="0" hangingPunct="1">
-                <a:defRPr kern="1200">
-                  <a:solidFill>
-                    <a:schemeClr val="lt1"/>
-                  </a:solidFill>
-                  <a:latin typeface="+mn-lt"/>
-                  <a:ea typeface="+mn-ea"/>
-                  <a:cs typeface="+mn-cs"/>
-                </a:defRPr>
-              </a:lvl9pPr>
-            </a:lstStyle>
-            <a:p>
-              <a:pPr defTabSz="872733"/>
-              <a:r>
-                <a:rPr lang="en-US" sz="1500" dirty="0">
-                  <a:solidFill>
-                    <a:schemeClr val="tx2"/>
-                  </a:solidFill>
-                  <a:cs typeface="Arial" charset="0"/>
-                </a:rPr>
-                <a:t> [description not empty]</a:t>
-              </a:r>
-            </a:p>
-          </p:txBody>
-        </p:sp>
-        <p:sp>
-          <p:nvSpPr>
-            <p:cNvPr id="40" name="Line 15">
-              <a:extLst>
-                <a:ext uri="{FF2B5EF4-FFF2-40B4-BE49-F238E27FC236}">
-                  <a16:creationId xmlns:a16="http://schemas.microsoft.com/office/drawing/2014/main" id="{2113AA2F-772F-484C-ABB4-B01DB3F5A74D}"/>
+                  <a16:creationId xmlns:a16="http://schemas.microsoft.com/office/drawing/2014/main" id="{99ADAE9B-9421-4CB1-B94A-793B3A00B2E9}"/>
                 </a:ext>
               </a:extLst>
             </p:cNvPr>
@@ -6929,8 +8008,8 @@
           </p:nvSpPr>
           <p:spPr bwMode="auto">
             <a:xfrm>
-              <a:off x="3182055" y="2746561"/>
-              <a:ext cx="3112048" cy="0"/>
+              <a:off x="3356875" y="4495800"/>
+              <a:ext cx="2962801" cy="2"/>
             </a:xfrm>
             <a:prstGeom prst="line">
               <a:avLst/>
@@ -6962,747 +8041,10 @@
         </p:sp>
         <p:sp>
           <p:nvSpPr>
-            <p:cNvPr id="41" name="Rectangle 40">
+            <p:cNvPr id="53" name="Line 16">
               <a:extLst>
                 <a:ext uri="{FF2B5EF4-FFF2-40B4-BE49-F238E27FC236}">
-                  <a16:creationId xmlns:a16="http://schemas.microsoft.com/office/drawing/2014/main" id="{0FF22481-18D4-4904-B2DE-FC46BCFC360D}"/>
-                </a:ext>
-              </a:extLst>
-            </p:cNvPr>
-            <p:cNvSpPr/>
-            <p:nvPr/>
-          </p:nvSpPr>
-          <p:spPr bwMode="auto">
-            <a:xfrm>
-              <a:off x="3874674" y="2282063"/>
-              <a:ext cx="1599489" cy="385067"/>
-            </a:xfrm>
-            <a:prstGeom prst="rect">
-              <a:avLst/>
-            </a:prstGeom>
-            <a:noFill/>
-            <a:ln>
-              <a:noFill/>
-            </a:ln>
-          </p:spPr>
-          <p:style>
-            <a:lnRef idx="2">
-              <a:schemeClr val="accent1">
-                <a:shade val="50000"/>
-              </a:schemeClr>
-            </a:lnRef>
-            <a:fillRef idx="1">
-              <a:schemeClr val="accent1"/>
-            </a:fillRef>
-            <a:effectRef idx="0">
-              <a:schemeClr val="accent1"/>
-            </a:effectRef>
-            <a:fontRef idx="minor">
-              <a:schemeClr val="lt1"/>
-            </a:fontRef>
-          </p:style>
-          <p:txBody>
-            <a:bodyPr anchor="ctr"/>
-            <a:lstStyle>
-              <a:defPPr>
-                <a:defRPr lang="en-SG"/>
-              </a:defPPr>
-              <a:lvl1pPr algn="l" rtl="0" fontAlgn="base">
-                <a:spcBef>
-                  <a:spcPct val="0"/>
-                </a:spcBef>
-                <a:spcAft>
-                  <a:spcPct val="0"/>
-                </a:spcAft>
-                <a:defRPr kern="1200">
-                  <a:solidFill>
-                    <a:schemeClr val="lt1"/>
-                  </a:solidFill>
-                  <a:latin typeface="+mn-lt"/>
-                  <a:ea typeface="+mn-ea"/>
-                  <a:cs typeface="+mn-cs"/>
-                </a:defRPr>
-              </a:lvl1pPr>
-              <a:lvl2pPr marL="457200" algn="l" rtl="0" fontAlgn="base">
-                <a:spcBef>
-                  <a:spcPct val="0"/>
-                </a:spcBef>
-                <a:spcAft>
-                  <a:spcPct val="0"/>
-                </a:spcAft>
-                <a:defRPr kern="1200">
-                  <a:solidFill>
-                    <a:schemeClr val="lt1"/>
-                  </a:solidFill>
-                  <a:latin typeface="+mn-lt"/>
-                  <a:ea typeface="+mn-ea"/>
-                  <a:cs typeface="+mn-cs"/>
-                </a:defRPr>
-              </a:lvl2pPr>
-              <a:lvl3pPr marL="914400" algn="l" rtl="0" fontAlgn="base">
-                <a:spcBef>
-                  <a:spcPct val="0"/>
-                </a:spcBef>
-                <a:spcAft>
-                  <a:spcPct val="0"/>
-                </a:spcAft>
-                <a:defRPr kern="1200">
-                  <a:solidFill>
-                    <a:schemeClr val="lt1"/>
-                  </a:solidFill>
-                  <a:latin typeface="+mn-lt"/>
-                  <a:ea typeface="+mn-ea"/>
-                  <a:cs typeface="+mn-cs"/>
-                </a:defRPr>
-              </a:lvl3pPr>
-              <a:lvl4pPr marL="1371600" algn="l" rtl="0" fontAlgn="base">
-                <a:spcBef>
-                  <a:spcPct val="0"/>
-                </a:spcBef>
-                <a:spcAft>
-                  <a:spcPct val="0"/>
-                </a:spcAft>
-                <a:defRPr kern="1200">
-                  <a:solidFill>
-                    <a:schemeClr val="lt1"/>
-                  </a:solidFill>
-                  <a:latin typeface="+mn-lt"/>
-                  <a:ea typeface="+mn-ea"/>
-                  <a:cs typeface="+mn-cs"/>
-                </a:defRPr>
-              </a:lvl4pPr>
-              <a:lvl5pPr marL="1828800" algn="l" rtl="0" fontAlgn="base">
-                <a:spcBef>
-                  <a:spcPct val="0"/>
-                </a:spcBef>
-                <a:spcAft>
-                  <a:spcPct val="0"/>
-                </a:spcAft>
-                <a:defRPr kern="1200">
-                  <a:solidFill>
-                    <a:schemeClr val="lt1"/>
-                  </a:solidFill>
-                  <a:latin typeface="+mn-lt"/>
-                  <a:ea typeface="+mn-ea"/>
-                  <a:cs typeface="+mn-cs"/>
-                </a:defRPr>
-              </a:lvl5pPr>
-              <a:lvl6pPr marL="2286000" algn="l" defTabSz="914400" rtl="0" eaLnBrk="1" latinLnBrk="0" hangingPunct="1">
-                <a:defRPr kern="1200">
-                  <a:solidFill>
-                    <a:schemeClr val="lt1"/>
-                  </a:solidFill>
-                  <a:latin typeface="+mn-lt"/>
-                  <a:ea typeface="+mn-ea"/>
-                  <a:cs typeface="+mn-cs"/>
-                </a:defRPr>
-              </a:lvl6pPr>
-              <a:lvl7pPr marL="2743200" algn="l" defTabSz="914400" rtl="0" eaLnBrk="1" latinLnBrk="0" hangingPunct="1">
-                <a:defRPr kern="1200">
-                  <a:solidFill>
-                    <a:schemeClr val="lt1"/>
-                  </a:solidFill>
-                  <a:latin typeface="+mn-lt"/>
-                  <a:ea typeface="+mn-ea"/>
-                  <a:cs typeface="+mn-cs"/>
-                </a:defRPr>
-              </a:lvl7pPr>
-              <a:lvl8pPr marL="3200400" algn="l" defTabSz="914400" rtl="0" eaLnBrk="1" latinLnBrk="0" hangingPunct="1">
-                <a:defRPr kern="1200">
-                  <a:solidFill>
-                    <a:schemeClr val="lt1"/>
-                  </a:solidFill>
-                  <a:latin typeface="+mn-lt"/>
-                  <a:ea typeface="+mn-ea"/>
-                  <a:cs typeface="+mn-cs"/>
-                </a:defRPr>
-              </a:lvl8pPr>
-              <a:lvl9pPr marL="3657600" algn="l" defTabSz="914400" rtl="0" eaLnBrk="1" latinLnBrk="0" hangingPunct="1">
-                <a:defRPr kern="1200">
-                  <a:solidFill>
-                    <a:schemeClr val="lt1"/>
-                  </a:solidFill>
-                  <a:latin typeface="+mn-lt"/>
-                  <a:ea typeface="+mn-ea"/>
-                  <a:cs typeface="+mn-cs"/>
-                </a:defRPr>
-              </a:lvl9pPr>
-            </a:lstStyle>
-            <a:p>
-              <a:pPr defTabSz="872733"/>
-              <a:r>
-                <a:rPr lang="en-US" sz="1500" dirty="0">
-                  <a:solidFill>
-                    <a:schemeClr val="tx2"/>
-                  </a:solidFill>
-                  <a:cs typeface="Arial" charset="0"/>
-                </a:rPr>
-                <a:t>setDescription()</a:t>
-              </a:r>
-            </a:p>
-          </p:txBody>
-        </p:sp>
-        <p:sp>
-          <p:nvSpPr>
-            <p:cNvPr id="44" name="Rectangle 43">
-              <a:extLst>
-                <a:ext uri="{FF2B5EF4-FFF2-40B4-BE49-F238E27FC236}">
-                  <a16:creationId xmlns:a16="http://schemas.microsoft.com/office/drawing/2014/main" id="{01EA0892-5D41-46E1-8180-3FC3949BAC68}"/>
-                </a:ext>
-              </a:extLst>
-            </p:cNvPr>
-            <p:cNvSpPr/>
-            <p:nvPr/>
-          </p:nvSpPr>
-          <p:spPr bwMode="auto">
-            <a:xfrm>
-              <a:off x="3943136" y="3337856"/>
-              <a:ext cx="1933181" cy="388998"/>
-            </a:xfrm>
-            <a:prstGeom prst="rect">
-              <a:avLst/>
-            </a:prstGeom>
-            <a:noFill/>
-            <a:ln>
-              <a:noFill/>
-            </a:ln>
-          </p:spPr>
-          <p:style>
-            <a:lnRef idx="2">
-              <a:schemeClr val="accent1">
-                <a:shade val="50000"/>
-              </a:schemeClr>
-            </a:lnRef>
-            <a:fillRef idx="1">
-              <a:schemeClr val="accent1"/>
-            </a:fillRef>
-            <a:effectRef idx="0">
-              <a:schemeClr val="accent1"/>
-            </a:effectRef>
-            <a:fontRef idx="minor">
-              <a:schemeClr val="lt1"/>
-            </a:fontRef>
-          </p:style>
-          <p:txBody>
-            <a:bodyPr anchor="ctr"/>
-            <a:lstStyle>
-              <a:defPPr>
-                <a:defRPr lang="en-SG"/>
-              </a:defPPr>
-              <a:lvl1pPr algn="l" rtl="0" fontAlgn="base">
-                <a:spcBef>
-                  <a:spcPct val="0"/>
-                </a:spcBef>
-                <a:spcAft>
-                  <a:spcPct val="0"/>
-                </a:spcAft>
-                <a:defRPr kern="1200">
-                  <a:solidFill>
-                    <a:schemeClr val="lt1"/>
-                  </a:solidFill>
-                  <a:latin typeface="+mn-lt"/>
-                  <a:ea typeface="+mn-ea"/>
-                  <a:cs typeface="+mn-cs"/>
-                </a:defRPr>
-              </a:lvl1pPr>
-              <a:lvl2pPr marL="457200" algn="l" rtl="0" fontAlgn="base">
-                <a:spcBef>
-                  <a:spcPct val="0"/>
-                </a:spcBef>
-                <a:spcAft>
-                  <a:spcPct val="0"/>
-                </a:spcAft>
-                <a:defRPr kern="1200">
-                  <a:solidFill>
-                    <a:schemeClr val="lt1"/>
-                  </a:solidFill>
-                  <a:latin typeface="+mn-lt"/>
-                  <a:ea typeface="+mn-ea"/>
-                  <a:cs typeface="+mn-cs"/>
-                </a:defRPr>
-              </a:lvl2pPr>
-              <a:lvl3pPr marL="914400" algn="l" rtl="0" fontAlgn="base">
-                <a:spcBef>
-                  <a:spcPct val="0"/>
-                </a:spcBef>
-                <a:spcAft>
-                  <a:spcPct val="0"/>
-                </a:spcAft>
-                <a:defRPr kern="1200">
-                  <a:solidFill>
-                    <a:schemeClr val="lt1"/>
-                  </a:solidFill>
-                  <a:latin typeface="+mn-lt"/>
-                  <a:ea typeface="+mn-ea"/>
-                  <a:cs typeface="+mn-cs"/>
-                </a:defRPr>
-              </a:lvl3pPr>
-              <a:lvl4pPr marL="1371600" algn="l" rtl="0" fontAlgn="base">
-                <a:spcBef>
-                  <a:spcPct val="0"/>
-                </a:spcBef>
-                <a:spcAft>
-                  <a:spcPct val="0"/>
-                </a:spcAft>
-                <a:defRPr kern="1200">
-                  <a:solidFill>
-                    <a:schemeClr val="lt1"/>
-                  </a:solidFill>
-                  <a:latin typeface="+mn-lt"/>
-                  <a:ea typeface="+mn-ea"/>
-                  <a:cs typeface="+mn-cs"/>
-                </a:defRPr>
-              </a:lvl4pPr>
-              <a:lvl5pPr marL="1828800" algn="l" rtl="0" fontAlgn="base">
-                <a:spcBef>
-                  <a:spcPct val="0"/>
-                </a:spcBef>
-                <a:spcAft>
-                  <a:spcPct val="0"/>
-                </a:spcAft>
-                <a:defRPr kern="1200">
-                  <a:solidFill>
-                    <a:schemeClr val="lt1"/>
-                  </a:solidFill>
-                  <a:latin typeface="+mn-lt"/>
-                  <a:ea typeface="+mn-ea"/>
-                  <a:cs typeface="+mn-cs"/>
-                </a:defRPr>
-              </a:lvl5pPr>
-              <a:lvl6pPr marL="2286000" algn="l" defTabSz="914400" rtl="0" eaLnBrk="1" latinLnBrk="0" hangingPunct="1">
-                <a:defRPr kern="1200">
-                  <a:solidFill>
-                    <a:schemeClr val="lt1"/>
-                  </a:solidFill>
-                  <a:latin typeface="+mn-lt"/>
-                  <a:ea typeface="+mn-ea"/>
-                  <a:cs typeface="+mn-cs"/>
-                </a:defRPr>
-              </a:lvl6pPr>
-              <a:lvl7pPr marL="2743200" algn="l" defTabSz="914400" rtl="0" eaLnBrk="1" latinLnBrk="0" hangingPunct="1">
-                <a:defRPr kern="1200">
-                  <a:solidFill>
-                    <a:schemeClr val="lt1"/>
-                  </a:solidFill>
-                  <a:latin typeface="+mn-lt"/>
-                  <a:ea typeface="+mn-ea"/>
-                  <a:cs typeface="+mn-cs"/>
-                </a:defRPr>
-              </a:lvl7pPr>
-              <a:lvl8pPr marL="3200400" algn="l" defTabSz="914400" rtl="0" eaLnBrk="1" latinLnBrk="0" hangingPunct="1">
-                <a:defRPr kern="1200">
-                  <a:solidFill>
-                    <a:schemeClr val="lt1"/>
-                  </a:solidFill>
-                  <a:latin typeface="+mn-lt"/>
-                  <a:ea typeface="+mn-ea"/>
-                  <a:cs typeface="+mn-cs"/>
-                </a:defRPr>
-              </a:lvl8pPr>
-              <a:lvl9pPr marL="3657600" algn="l" defTabSz="914400" rtl="0" eaLnBrk="1" latinLnBrk="0" hangingPunct="1">
-                <a:defRPr kern="1200">
-                  <a:solidFill>
-                    <a:schemeClr val="lt1"/>
-                  </a:solidFill>
-                  <a:latin typeface="+mn-lt"/>
-                  <a:ea typeface="+mn-ea"/>
-                  <a:cs typeface="+mn-cs"/>
-                </a:defRPr>
-              </a:lvl9pPr>
-            </a:lstStyle>
-            <a:p>
-              <a:pPr defTabSz="872733"/>
-              <a:r>
-                <a:rPr lang="en-US" sz="1500" dirty="0">
-                  <a:solidFill>
-                    <a:schemeClr val="tx2"/>
-                  </a:solidFill>
-                  <a:cs typeface="Arial" charset="0"/>
-                </a:rPr>
-                <a:t> [price not empty]</a:t>
-              </a:r>
-            </a:p>
-          </p:txBody>
-        </p:sp>
-        <p:sp>
-          <p:nvSpPr>
-            <p:cNvPr id="45" name="Rectangle 44">
-              <a:extLst>
-                <a:ext uri="{FF2B5EF4-FFF2-40B4-BE49-F238E27FC236}">
-                  <a16:creationId xmlns:a16="http://schemas.microsoft.com/office/drawing/2014/main" id="{8C5199CF-4E61-4779-8CB7-E8341978BDF8}"/>
-                </a:ext>
-              </a:extLst>
-            </p:cNvPr>
-            <p:cNvSpPr/>
-            <p:nvPr/>
-          </p:nvSpPr>
-          <p:spPr bwMode="auto">
-            <a:xfrm>
-              <a:off x="4286690" y="3605659"/>
-              <a:ext cx="1146948" cy="388997"/>
-            </a:xfrm>
-            <a:prstGeom prst="rect">
-              <a:avLst/>
-            </a:prstGeom>
-            <a:noFill/>
-            <a:ln>
-              <a:noFill/>
-            </a:ln>
-          </p:spPr>
-          <p:style>
-            <a:lnRef idx="2">
-              <a:schemeClr val="accent1">
-                <a:shade val="50000"/>
-              </a:schemeClr>
-            </a:lnRef>
-            <a:fillRef idx="1">
-              <a:schemeClr val="accent1"/>
-            </a:fillRef>
-            <a:effectRef idx="0">
-              <a:schemeClr val="accent1"/>
-            </a:effectRef>
-            <a:fontRef idx="minor">
-              <a:schemeClr val="lt1"/>
-            </a:fontRef>
-          </p:style>
-          <p:txBody>
-            <a:bodyPr anchor="ctr"/>
-            <a:lstStyle>
-              <a:defPPr>
-                <a:defRPr lang="en-SG"/>
-              </a:defPPr>
-              <a:lvl1pPr algn="l" rtl="0" fontAlgn="base">
-                <a:spcBef>
-                  <a:spcPct val="0"/>
-                </a:spcBef>
-                <a:spcAft>
-                  <a:spcPct val="0"/>
-                </a:spcAft>
-                <a:defRPr kern="1200">
-                  <a:solidFill>
-                    <a:schemeClr val="lt1"/>
-                  </a:solidFill>
-                  <a:latin typeface="+mn-lt"/>
-                  <a:ea typeface="+mn-ea"/>
-                  <a:cs typeface="+mn-cs"/>
-                </a:defRPr>
-              </a:lvl1pPr>
-              <a:lvl2pPr marL="457200" algn="l" rtl="0" fontAlgn="base">
-                <a:spcBef>
-                  <a:spcPct val="0"/>
-                </a:spcBef>
-                <a:spcAft>
-                  <a:spcPct val="0"/>
-                </a:spcAft>
-                <a:defRPr kern="1200">
-                  <a:solidFill>
-                    <a:schemeClr val="lt1"/>
-                  </a:solidFill>
-                  <a:latin typeface="+mn-lt"/>
-                  <a:ea typeface="+mn-ea"/>
-                  <a:cs typeface="+mn-cs"/>
-                </a:defRPr>
-              </a:lvl2pPr>
-              <a:lvl3pPr marL="914400" algn="l" rtl="0" fontAlgn="base">
-                <a:spcBef>
-                  <a:spcPct val="0"/>
-                </a:spcBef>
-                <a:spcAft>
-                  <a:spcPct val="0"/>
-                </a:spcAft>
-                <a:defRPr kern="1200">
-                  <a:solidFill>
-                    <a:schemeClr val="lt1"/>
-                  </a:solidFill>
-                  <a:latin typeface="+mn-lt"/>
-                  <a:ea typeface="+mn-ea"/>
-                  <a:cs typeface="+mn-cs"/>
-                </a:defRPr>
-              </a:lvl3pPr>
-              <a:lvl4pPr marL="1371600" algn="l" rtl="0" fontAlgn="base">
-                <a:spcBef>
-                  <a:spcPct val="0"/>
-                </a:spcBef>
-                <a:spcAft>
-                  <a:spcPct val="0"/>
-                </a:spcAft>
-                <a:defRPr kern="1200">
-                  <a:solidFill>
-                    <a:schemeClr val="lt1"/>
-                  </a:solidFill>
-                  <a:latin typeface="+mn-lt"/>
-                  <a:ea typeface="+mn-ea"/>
-                  <a:cs typeface="+mn-cs"/>
-                </a:defRPr>
-              </a:lvl4pPr>
-              <a:lvl5pPr marL="1828800" algn="l" rtl="0" fontAlgn="base">
-                <a:spcBef>
-                  <a:spcPct val="0"/>
-                </a:spcBef>
-                <a:spcAft>
-                  <a:spcPct val="0"/>
-                </a:spcAft>
-                <a:defRPr kern="1200">
-                  <a:solidFill>
-                    <a:schemeClr val="lt1"/>
-                  </a:solidFill>
-                  <a:latin typeface="+mn-lt"/>
-                  <a:ea typeface="+mn-ea"/>
-                  <a:cs typeface="+mn-cs"/>
-                </a:defRPr>
-              </a:lvl5pPr>
-              <a:lvl6pPr marL="2286000" algn="l" defTabSz="914400" rtl="0" eaLnBrk="1" latinLnBrk="0" hangingPunct="1">
-                <a:defRPr kern="1200">
-                  <a:solidFill>
-                    <a:schemeClr val="lt1"/>
-                  </a:solidFill>
-                  <a:latin typeface="+mn-lt"/>
-                  <a:ea typeface="+mn-ea"/>
-                  <a:cs typeface="+mn-cs"/>
-                </a:defRPr>
-              </a:lvl6pPr>
-              <a:lvl7pPr marL="2743200" algn="l" defTabSz="914400" rtl="0" eaLnBrk="1" latinLnBrk="0" hangingPunct="1">
-                <a:defRPr kern="1200">
-                  <a:solidFill>
-                    <a:schemeClr val="lt1"/>
-                  </a:solidFill>
-                  <a:latin typeface="+mn-lt"/>
-                  <a:ea typeface="+mn-ea"/>
-                  <a:cs typeface="+mn-cs"/>
-                </a:defRPr>
-              </a:lvl7pPr>
-              <a:lvl8pPr marL="3200400" algn="l" defTabSz="914400" rtl="0" eaLnBrk="1" latinLnBrk="0" hangingPunct="1">
-                <a:defRPr kern="1200">
-                  <a:solidFill>
-                    <a:schemeClr val="lt1"/>
-                  </a:solidFill>
-                  <a:latin typeface="+mn-lt"/>
-                  <a:ea typeface="+mn-ea"/>
-                  <a:cs typeface="+mn-cs"/>
-                </a:defRPr>
-              </a:lvl8pPr>
-              <a:lvl9pPr marL="3657600" algn="l" defTabSz="914400" rtl="0" eaLnBrk="1" latinLnBrk="0" hangingPunct="1">
-                <a:defRPr kern="1200">
-                  <a:solidFill>
-                    <a:schemeClr val="lt1"/>
-                  </a:solidFill>
-                  <a:latin typeface="+mn-lt"/>
-                  <a:ea typeface="+mn-ea"/>
-                  <a:cs typeface="+mn-cs"/>
-                </a:defRPr>
-              </a:lvl9pPr>
-            </a:lstStyle>
-            <a:p>
-              <a:pPr defTabSz="872733"/>
-              <a:r>
-                <a:rPr lang="en-US" sz="1500" dirty="0" err="1">
-                  <a:solidFill>
-                    <a:schemeClr val="tx2"/>
-                  </a:solidFill>
-                  <a:cs typeface="Arial" charset="0"/>
-                </a:rPr>
-                <a:t>setPrice</a:t>
-              </a:r>
-              <a:r>
-                <a:rPr lang="en-US" sz="1500" dirty="0">
-                  <a:solidFill>
-                    <a:schemeClr val="tx2"/>
-                  </a:solidFill>
-                  <a:cs typeface="Arial" charset="0"/>
-                </a:rPr>
-                <a:t>()</a:t>
-              </a:r>
-            </a:p>
-          </p:txBody>
-        </p:sp>
-        <p:sp>
-          <p:nvSpPr>
-            <p:cNvPr id="48" name="Rectangle 47">
-              <a:extLst>
-                <a:ext uri="{FF2B5EF4-FFF2-40B4-BE49-F238E27FC236}">
-                  <a16:creationId xmlns:a16="http://schemas.microsoft.com/office/drawing/2014/main" id="{830C766C-4E9F-474F-B048-5B8F0A28F462}"/>
-                </a:ext>
-              </a:extLst>
-            </p:cNvPr>
-            <p:cNvSpPr/>
-            <p:nvPr/>
-          </p:nvSpPr>
-          <p:spPr bwMode="auto">
-            <a:xfrm>
-              <a:off x="3817237" y="4806894"/>
-              <a:ext cx="2206142" cy="388999"/>
-            </a:xfrm>
-            <a:prstGeom prst="rect">
-              <a:avLst/>
-            </a:prstGeom>
-            <a:noFill/>
-            <a:ln>
-              <a:noFill/>
-            </a:ln>
-          </p:spPr>
-          <p:style>
-            <a:lnRef idx="2">
-              <a:schemeClr val="accent1">
-                <a:shade val="50000"/>
-              </a:schemeClr>
-            </a:lnRef>
-            <a:fillRef idx="1">
-              <a:schemeClr val="accent1"/>
-            </a:fillRef>
-            <a:effectRef idx="0">
-              <a:schemeClr val="accent1"/>
-            </a:effectRef>
-            <a:fontRef idx="minor">
-              <a:schemeClr val="lt1"/>
-            </a:fontRef>
-          </p:style>
-          <p:txBody>
-            <a:bodyPr anchor="ctr"/>
-            <a:lstStyle>
-              <a:defPPr>
-                <a:defRPr lang="en-SG"/>
-              </a:defPPr>
-              <a:lvl1pPr algn="l" rtl="0" fontAlgn="base">
-                <a:spcBef>
-                  <a:spcPct val="0"/>
-                </a:spcBef>
-                <a:spcAft>
-                  <a:spcPct val="0"/>
-                </a:spcAft>
-                <a:defRPr kern="1200">
-                  <a:solidFill>
-                    <a:schemeClr val="lt1"/>
-                  </a:solidFill>
-                  <a:latin typeface="+mn-lt"/>
-                  <a:ea typeface="+mn-ea"/>
-                  <a:cs typeface="+mn-cs"/>
-                </a:defRPr>
-              </a:lvl1pPr>
-              <a:lvl2pPr marL="457200" algn="l" rtl="0" fontAlgn="base">
-                <a:spcBef>
-                  <a:spcPct val="0"/>
-                </a:spcBef>
-                <a:spcAft>
-                  <a:spcPct val="0"/>
-                </a:spcAft>
-                <a:defRPr kern="1200">
-                  <a:solidFill>
-                    <a:schemeClr val="lt1"/>
-                  </a:solidFill>
-                  <a:latin typeface="+mn-lt"/>
-                  <a:ea typeface="+mn-ea"/>
-                  <a:cs typeface="+mn-cs"/>
-                </a:defRPr>
-              </a:lvl2pPr>
-              <a:lvl3pPr marL="914400" algn="l" rtl="0" fontAlgn="base">
-                <a:spcBef>
-                  <a:spcPct val="0"/>
-                </a:spcBef>
-                <a:spcAft>
-                  <a:spcPct val="0"/>
-                </a:spcAft>
-                <a:defRPr kern="1200">
-                  <a:solidFill>
-                    <a:schemeClr val="lt1"/>
-                  </a:solidFill>
-                  <a:latin typeface="+mn-lt"/>
-                  <a:ea typeface="+mn-ea"/>
-                  <a:cs typeface="+mn-cs"/>
-                </a:defRPr>
-              </a:lvl3pPr>
-              <a:lvl4pPr marL="1371600" algn="l" rtl="0" fontAlgn="base">
-                <a:spcBef>
-                  <a:spcPct val="0"/>
-                </a:spcBef>
-                <a:spcAft>
-                  <a:spcPct val="0"/>
-                </a:spcAft>
-                <a:defRPr kern="1200">
-                  <a:solidFill>
-                    <a:schemeClr val="lt1"/>
-                  </a:solidFill>
-                  <a:latin typeface="+mn-lt"/>
-                  <a:ea typeface="+mn-ea"/>
-                  <a:cs typeface="+mn-cs"/>
-                </a:defRPr>
-              </a:lvl4pPr>
-              <a:lvl5pPr marL="1828800" algn="l" rtl="0" fontAlgn="base">
-                <a:spcBef>
-                  <a:spcPct val="0"/>
-                </a:spcBef>
-                <a:spcAft>
-                  <a:spcPct val="0"/>
-                </a:spcAft>
-                <a:defRPr kern="1200">
-                  <a:solidFill>
-                    <a:schemeClr val="lt1"/>
-                  </a:solidFill>
-                  <a:latin typeface="+mn-lt"/>
-                  <a:ea typeface="+mn-ea"/>
-                  <a:cs typeface="+mn-cs"/>
-                </a:defRPr>
-              </a:lvl5pPr>
-              <a:lvl6pPr marL="2286000" algn="l" defTabSz="914400" rtl="0" eaLnBrk="1" latinLnBrk="0" hangingPunct="1">
-                <a:defRPr kern="1200">
-                  <a:solidFill>
-                    <a:schemeClr val="lt1"/>
-                  </a:solidFill>
-                  <a:latin typeface="+mn-lt"/>
-                  <a:ea typeface="+mn-ea"/>
-                  <a:cs typeface="+mn-cs"/>
-                </a:defRPr>
-              </a:lvl6pPr>
-              <a:lvl7pPr marL="2743200" algn="l" defTabSz="914400" rtl="0" eaLnBrk="1" latinLnBrk="0" hangingPunct="1">
-                <a:defRPr kern="1200">
-                  <a:solidFill>
-                    <a:schemeClr val="lt1"/>
-                  </a:solidFill>
-                  <a:latin typeface="+mn-lt"/>
-                  <a:ea typeface="+mn-ea"/>
-                  <a:cs typeface="+mn-cs"/>
-                </a:defRPr>
-              </a:lvl7pPr>
-              <a:lvl8pPr marL="3200400" algn="l" defTabSz="914400" rtl="0" eaLnBrk="1" latinLnBrk="0" hangingPunct="1">
-                <a:defRPr kern="1200">
-                  <a:solidFill>
-                    <a:schemeClr val="lt1"/>
-                  </a:solidFill>
-                  <a:latin typeface="+mn-lt"/>
-                  <a:ea typeface="+mn-ea"/>
-                  <a:cs typeface="+mn-cs"/>
-                </a:defRPr>
-              </a:lvl8pPr>
-              <a:lvl9pPr marL="3657600" algn="l" defTabSz="914400" rtl="0" eaLnBrk="1" latinLnBrk="0" hangingPunct="1">
-                <a:defRPr kern="1200">
-                  <a:solidFill>
-                    <a:schemeClr val="lt1"/>
-                  </a:solidFill>
-                  <a:latin typeface="+mn-lt"/>
-                  <a:ea typeface="+mn-ea"/>
-                  <a:cs typeface="+mn-cs"/>
-                </a:defRPr>
-              </a:lvl9pPr>
-            </a:lstStyle>
-            <a:p>
-              <a:pPr defTabSz="872733"/>
-              <a:r>
-                <a:rPr lang="en-US" sz="1500" dirty="0">
-                  <a:solidFill>
-                    <a:schemeClr val="tx2"/>
-                  </a:solidFill>
-                  <a:cs typeface="Arial" charset="0"/>
-                </a:rPr>
-                <a:t> [quantity not empty]</a:t>
-              </a:r>
-            </a:p>
-          </p:txBody>
-        </p:sp>
-        <p:sp>
-          <p:nvSpPr>
-            <p:cNvPr id="49" name="Line 15">
-              <a:extLst>
-                <a:ext uri="{FF2B5EF4-FFF2-40B4-BE49-F238E27FC236}">
-                  <a16:creationId xmlns:a16="http://schemas.microsoft.com/office/drawing/2014/main" id="{3C613B07-D704-485B-AF65-3DC57DECFE02}"/>
+                  <a16:creationId xmlns:a16="http://schemas.microsoft.com/office/drawing/2014/main" id="{62B6FD47-A579-46E7-B8D9-DE2DCAB7D27D}"/>
                 </a:ext>
               </a:extLst>
             </p:cNvPr>
@@ -7712,9 +8054,9 @@
             <p:nvPr/>
           </p:nvSpPr>
           <p:spPr bwMode="auto">
-            <a:xfrm flipV="1">
-              <a:off x="3158967" y="5524152"/>
-              <a:ext cx="3157356" cy="0"/>
+            <a:xfrm flipH="1" flipV="1">
+              <a:off x="3346928" y="4800600"/>
+              <a:ext cx="2919242" cy="1597"/>
             </a:xfrm>
             <a:prstGeom prst="line">
               <a:avLst/>
@@ -7726,6 +8068,7 @@
                   <a:lumMod val="50000"/>
                 </a:schemeClr>
               </a:solidFill>
+              <a:prstDash val="sysDash"/>
               <a:round/>
               <a:headEnd/>
               <a:tailEnd type="triangle" w="lg" len="lg"/>
@@ -7736,7 +8079,7 @@
             <a:lstStyle/>
             <a:p>
               <a:pPr defTabSz="872733"/>
-              <a:endParaRPr lang="en-US" sz="1500" dirty="0">
+              <a:endParaRPr lang="en-US" sz="1500">
                 <a:solidFill>
                   <a:prstClr val="black"/>
                 </a:solidFill>
@@ -7744,389 +8087,7 @@
             </a:p>
           </p:txBody>
         </p:sp>
-        <p:sp>
-          <p:nvSpPr>
-            <p:cNvPr id="50" name="Rectangle 49">
-              <a:extLst>
-                <a:ext uri="{FF2B5EF4-FFF2-40B4-BE49-F238E27FC236}">
-                  <a16:creationId xmlns:a16="http://schemas.microsoft.com/office/drawing/2014/main" id="{9FBBAE77-687C-45A3-A251-FDBEA3226833}"/>
-                </a:ext>
-              </a:extLst>
-            </p:cNvPr>
-            <p:cNvSpPr/>
-            <p:nvPr/>
-          </p:nvSpPr>
-          <p:spPr bwMode="auto">
-            <a:xfrm>
-              <a:off x="4148827" y="5055458"/>
-              <a:ext cx="1424469" cy="388999"/>
-            </a:xfrm>
-            <a:prstGeom prst="rect">
-              <a:avLst/>
-            </a:prstGeom>
-            <a:noFill/>
-            <a:ln>
-              <a:noFill/>
-            </a:ln>
-          </p:spPr>
-          <p:style>
-            <a:lnRef idx="2">
-              <a:schemeClr val="accent1">
-                <a:shade val="50000"/>
-              </a:schemeClr>
-            </a:lnRef>
-            <a:fillRef idx="1">
-              <a:schemeClr val="accent1"/>
-            </a:fillRef>
-            <a:effectRef idx="0">
-              <a:schemeClr val="accent1"/>
-            </a:effectRef>
-            <a:fontRef idx="minor">
-              <a:schemeClr val="lt1"/>
-            </a:fontRef>
-          </p:style>
-          <p:txBody>
-            <a:bodyPr anchor="ctr"/>
-            <a:lstStyle>
-              <a:defPPr>
-                <a:defRPr lang="en-SG"/>
-              </a:defPPr>
-              <a:lvl1pPr algn="l" rtl="0" fontAlgn="base">
-                <a:spcBef>
-                  <a:spcPct val="0"/>
-                </a:spcBef>
-                <a:spcAft>
-                  <a:spcPct val="0"/>
-                </a:spcAft>
-                <a:defRPr kern="1200">
-                  <a:solidFill>
-                    <a:schemeClr val="lt1"/>
-                  </a:solidFill>
-                  <a:latin typeface="+mn-lt"/>
-                  <a:ea typeface="+mn-ea"/>
-                  <a:cs typeface="+mn-cs"/>
-                </a:defRPr>
-              </a:lvl1pPr>
-              <a:lvl2pPr marL="457200" algn="l" rtl="0" fontAlgn="base">
-                <a:spcBef>
-                  <a:spcPct val="0"/>
-                </a:spcBef>
-                <a:spcAft>
-                  <a:spcPct val="0"/>
-                </a:spcAft>
-                <a:defRPr kern="1200">
-                  <a:solidFill>
-                    <a:schemeClr val="lt1"/>
-                  </a:solidFill>
-                  <a:latin typeface="+mn-lt"/>
-                  <a:ea typeface="+mn-ea"/>
-                  <a:cs typeface="+mn-cs"/>
-                </a:defRPr>
-              </a:lvl2pPr>
-              <a:lvl3pPr marL="914400" algn="l" rtl="0" fontAlgn="base">
-                <a:spcBef>
-                  <a:spcPct val="0"/>
-                </a:spcBef>
-                <a:spcAft>
-                  <a:spcPct val="0"/>
-                </a:spcAft>
-                <a:defRPr kern="1200">
-                  <a:solidFill>
-                    <a:schemeClr val="lt1"/>
-                  </a:solidFill>
-                  <a:latin typeface="+mn-lt"/>
-                  <a:ea typeface="+mn-ea"/>
-                  <a:cs typeface="+mn-cs"/>
-                </a:defRPr>
-              </a:lvl3pPr>
-              <a:lvl4pPr marL="1371600" algn="l" rtl="0" fontAlgn="base">
-                <a:spcBef>
-                  <a:spcPct val="0"/>
-                </a:spcBef>
-                <a:spcAft>
-                  <a:spcPct val="0"/>
-                </a:spcAft>
-                <a:defRPr kern="1200">
-                  <a:solidFill>
-                    <a:schemeClr val="lt1"/>
-                  </a:solidFill>
-                  <a:latin typeface="+mn-lt"/>
-                  <a:ea typeface="+mn-ea"/>
-                  <a:cs typeface="+mn-cs"/>
-                </a:defRPr>
-              </a:lvl4pPr>
-              <a:lvl5pPr marL="1828800" algn="l" rtl="0" fontAlgn="base">
-                <a:spcBef>
-                  <a:spcPct val="0"/>
-                </a:spcBef>
-                <a:spcAft>
-                  <a:spcPct val="0"/>
-                </a:spcAft>
-                <a:defRPr kern="1200">
-                  <a:solidFill>
-                    <a:schemeClr val="lt1"/>
-                  </a:solidFill>
-                  <a:latin typeface="+mn-lt"/>
-                  <a:ea typeface="+mn-ea"/>
-                  <a:cs typeface="+mn-cs"/>
-                </a:defRPr>
-              </a:lvl5pPr>
-              <a:lvl6pPr marL="2286000" algn="l" defTabSz="914400" rtl="0" eaLnBrk="1" latinLnBrk="0" hangingPunct="1">
-                <a:defRPr kern="1200">
-                  <a:solidFill>
-                    <a:schemeClr val="lt1"/>
-                  </a:solidFill>
-                  <a:latin typeface="+mn-lt"/>
-                  <a:ea typeface="+mn-ea"/>
-                  <a:cs typeface="+mn-cs"/>
-                </a:defRPr>
-              </a:lvl6pPr>
-              <a:lvl7pPr marL="2743200" algn="l" defTabSz="914400" rtl="0" eaLnBrk="1" latinLnBrk="0" hangingPunct="1">
-                <a:defRPr kern="1200">
-                  <a:solidFill>
-                    <a:schemeClr val="lt1"/>
-                  </a:solidFill>
-                  <a:latin typeface="+mn-lt"/>
-                  <a:ea typeface="+mn-ea"/>
-                  <a:cs typeface="+mn-cs"/>
-                </a:defRPr>
-              </a:lvl7pPr>
-              <a:lvl8pPr marL="3200400" algn="l" defTabSz="914400" rtl="0" eaLnBrk="1" latinLnBrk="0" hangingPunct="1">
-                <a:defRPr kern="1200">
-                  <a:solidFill>
-                    <a:schemeClr val="lt1"/>
-                  </a:solidFill>
-                  <a:latin typeface="+mn-lt"/>
-                  <a:ea typeface="+mn-ea"/>
-                  <a:cs typeface="+mn-cs"/>
-                </a:defRPr>
-              </a:lvl8pPr>
-              <a:lvl9pPr marL="3657600" algn="l" defTabSz="914400" rtl="0" eaLnBrk="1" latinLnBrk="0" hangingPunct="1">
-                <a:defRPr kern="1200">
-                  <a:solidFill>
-                    <a:schemeClr val="lt1"/>
-                  </a:solidFill>
-                  <a:latin typeface="+mn-lt"/>
-                  <a:ea typeface="+mn-ea"/>
-                  <a:cs typeface="+mn-cs"/>
-                </a:defRPr>
-              </a:lvl9pPr>
-            </a:lstStyle>
-            <a:p>
-              <a:pPr defTabSz="872733"/>
-              <a:r>
-                <a:rPr lang="en-US" sz="1500" dirty="0" err="1">
-                  <a:solidFill>
-                    <a:schemeClr val="tx2"/>
-                  </a:solidFill>
-                  <a:cs typeface="Arial" charset="0"/>
-                </a:rPr>
-                <a:t>setQuantity</a:t>
-              </a:r>
-              <a:r>
-                <a:rPr lang="en-US" sz="1500" dirty="0">
-                  <a:solidFill>
-                    <a:schemeClr val="tx2"/>
-                  </a:solidFill>
-                  <a:cs typeface="Arial" charset="0"/>
-                </a:rPr>
-                <a:t>()</a:t>
-              </a:r>
-            </a:p>
-          </p:txBody>
-        </p:sp>
       </p:grpSp>
-      <p:sp>
-        <p:nvSpPr>
-          <p:cNvPr id="38" name="Line 16">
-            <a:extLst>
-              <a:ext uri="{FF2B5EF4-FFF2-40B4-BE49-F238E27FC236}">
-                <a16:creationId xmlns:a16="http://schemas.microsoft.com/office/drawing/2014/main" id="{1EDB7596-258F-4B9C-A0B4-4C1006F7A75F}"/>
-              </a:ext>
-            </a:extLst>
-          </p:cNvPr>
-          <p:cNvSpPr>
-            <a:spLocks noChangeShapeType="1"/>
-          </p:cNvSpPr>
-          <p:nvPr/>
-        </p:nvSpPr>
-        <p:spPr bwMode="auto">
-          <a:xfrm flipH="1">
-            <a:off x="3346928" y="6096000"/>
-            <a:ext cx="2952759" cy="0"/>
-          </a:xfrm>
-          <a:prstGeom prst="line">
-            <a:avLst/>
-          </a:prstGeom>
-          <a:noFill/>
-          <a:ln w="19050">
-            <a:solidFill>
-              <a:schemeClr val="bg2">
-                <a:lumMod val="50000"/>
-              </a:schemeClr>
-            </a:solidFill>
-            <a:prstDash val="sysDash"/>
-            <a:round/>
-            <a:headEnd/>
-            <a:tailEnd type="triangle" w="lg" len="lg"/>
-          </a:ln>
-        </p:spPr>
-        <p:txBody>
-          <a:bodyPr/>
-          <a:lstStyle/>
-          <a:p>
-            <a:pPr defTabSz="872733"/>
-            <a:endParaRPr lang="en-US" sz="1500">
-              <a:solidFill>
-                <a:prstClr val="black"/>
-              </a:solidFill>
-            </a:endParaRPr>
-          </a:p>
-        </p:txBody>
-      </p:sp>
-      <p:sp>
-        <p:nvSpPr>
-          <p:cNvPr id="51" name="Line 16">
-            <a:extLst>
-              <a:ext uri="{FF2B5EF4-FFF2-40B4-BE49-F238E27FC236}">
-                <a16:creationId xmlns:a16="http://schemas.microsoft.com/office/drawing/2014/main" id="{ED79FA1C-A0A1-48AA-A95D-692F97FAEE5E}"/>
-              </a:ext>
-            </a:extLst>
-          </p:cNvPr>
-          <p:cNvSpPr>
-            <a:spLocks noChangeShapeType="1"/>
-          </p:cNvSpPr>
-          <p:nvPr/>
-        </p:nvSpPr>
-        <p:spPr bwMode="auto">
-          <a:xfrm flipH="1" flipV="1">
-            <a:off x="3346928" y="3429000"/>
-            <a:ext cx="2927711" cy="1597"/>
-          </a:xfrm>
-          <a:prstGeom prst="line">
-            <a:avLst/>
-          </a:prstGeom>
-          <a:noFill/>
-          <a:ln w="19050">
-            <a:solidFill>
-              <a:schemeClr val="bg2">
-                <a:lumMod val="50000"/>
-              </a:schemeClr>
-            </a:solidFill>
-            <a:prstDash val="sysDash"/>
-            <a:round/>
-            <a:headEnd/>
-            <a:tailEnd type="triangle" w="lg" len="lg"/>
-          </a:ln>
-        </p:spPr>
-        <p:txBody>
-          <a:bodyPr/>
-          <a:lstStyle/>
-          <a:p>
-            <a:pPr defTabSz="872733"/>
-            <a:endParaRPr lang="en-US" sz="1500">
-              <a:solidFill>
-                <a:prstClr val="black"/>
-              </a:solidFill>
-            </a:endParaRPr>
-          </a:p>
-        </p:txBody>
-      </p:sp>
-      <p:sp>
-        <p:nvSpPr>
-          <p:cNvPr id="52" name="Line 15">
-            <a:extLst>
-              <a:ext uri="{FF2B5EF4-FFF2-40B4-BE49-F238E27FC236}">
-                <a16:creationId xmlns:a16="http://schemas.microsoft.com/office/drawing/2014/main" id="{99ADAE9B-9421-4CB1-B94A-793B3A00B2E9}"/>
-              </a:ext>
-            </a:extLst>
-          </p:cNvPr>
-          <p:cNvSpPr>
-            <a:spLocks noChangeShapeType="1"/>
-          </p:cNvSpPr>
-          <p:nvPr/>
-        </p:nvSpPr>
-        <p:spPr bwMode="auto">
-          <a:xfrm>
-            <a:off x="3356875" y="4495800"/>
-            <a:ext cx="2962801" cy="2"/>
-          </a:xfrm>
-          <a:prstGeom prst="line">
-            <a:avLst/>
-          </a:prstGeom>
-          <a:noFill/>
-          <a:ln w="19050">
-            <a:solidFill>
-              <a:schemeClr val="bg2">
-                <a:lumMod val="50000"/>
-              </a:schemeClr>
-            </a:solidFill>
-            <a:round/>
-            <a:headEnd/>
-            <a:tailEnd type="triangle" w="lg" len="lg"/>
-          </a:ln>
-        </p:spPr>
-        <p:txBody>
-          <a:bodyPr/>
-          <a:lstStyle/>
-          <a:p>
-            <a:pPr defTabSz="872733"/>
-            <a:endParaRPr lang="en-US" sz="1500" dirty="0">
-              <a:solidFill>
-                <a:prstClr val="black"/>
-              </a:solidFill>
-            </a:endParaRPr>
-          </a:p>
-        </p:txBody>
-      </p:sp>
-      <p:sp>
-        <p:nvSpPr>
-          <p:cNvPr id="53" name="Line 16">
-            <a:extLst>
-              <a:ext uri="{FF2B5EF4-FFF2-40B4-BE49-F238E27FC236}">
-                <a16:creationId xmlns:a16="http://schemas.microsoft.com/office/drawing/2014/main" id="{62B6FD47-A579-46E7-B8D9-DE2DCAB7D27D}"/>
-              </a:ext>
-            </a:extLst>
-          </p:cNvPr>
-          <p:cNvSpPr>
-            <a:spLocks noChangeShapeType="1"/>
-          </p:cNvSpPr>
-          <p:nvPr/>
-        </p:nvSpPr>
-        <p:spPr bwMode="auto">
-          <a:xfrm flipH="1" flipV="1">
-            <a:off x="3346928" y="4800600"/>
-            <a:ext cx="2919242" cy="1597"/>
-          </a:xfrm>
-          <a:prstGeom prst="line">
-            <a:avLst/>
-          </a:prstGeom>
-          <a:noFill/>
-          <a:ln w="19050">
-            <a:solidFill>
-              <a:schemeClr val="bg2">
-                <a:lumMod val="50000"/>
-              </a:schemeClr>
-            </a:solidFill>
-            <a:prstDash val="sysDash"/>
-            <a:round/>
-            <a:headEnd/>
-            <a:tailEnd type="triangle" w="lg" len="lg"/>
-          </a:ln>
-        </p:spPr>
-        <p:txBody>
-          <a:bodyPr/>
-          <a:lstStyle/>
-          <a:p>
-            <a:pPr defTabSz="872733"/>
-            <a:endParaRPr lang="en-US" sz="1500">
-              <a:solidFill>
-                <a:prstClr val="black"/>
-              </a:solidFill>
-            </a:endParaRPr>
-          </a:p>
-        </p:txBody>
-      </p:sp>
     </p:spTree>
     <p:extLst>
       <p:ext uri="{BB962C8B-B14F-4D97-AF65-F5344CB8AC3E}">

--- a/docs/slides/Edit.pptx
+++ b/docs/slides/Edit.pptx
@@ -209,7 +209,7 @@
           <a:p>
             <a:fld id="{9629A0FB-7277-41B0-BEC2-EE35F8B0CE39}" type="datetimeFigureOut">
               <a:rPr lang="en-SG" smtClean="0"/>
-              <a:t>4/4/2020</a:t>
+              <a:t>5/4/2020</a:t>
             </a:fld>
             <a:endParaRPr lang="en-SG"/>
           </a:p>
@@ -3919,10 +3919,10 @@
         </p:nvGrpSpPr>
         <p:grpSpPr>
           <a:xfrm>
-            <a:off x="266700" y="647700"/>
-            <a:ext cx="8610600" cy="5562600"/>
-            <a:chOff x="210674" y="162674"/>
-            <a:chExt cx="8686015" cy="6460350"/>
+            <a:off x="861863" y="1113740"/>
+            <a:ext cx="8015437" cy="5096560"/>
+            <a:chOff x="811050" y="703928"/>
+            <a:chExt cx="8085639" cy="5919096"/>
           </a:xfrm>
         </p:grpSpPr>
         <p:grpSp>
@@ -3939,10 +3939,10 @@
           </p:nvGrpSpPr>
           <p:grpSpPr>
             <a:xfrm>
-              <a:off x="210674" y="162674"/>
-              <a:ext cx="8469191" cy="6460350"/>
-              <a:chOff x="117858" y="197507"/>
-              <a:chExt cx="8414026" cy="7666741"/>
+              <a:off x="818070" y="703928"/>
+              <a:ext cx="7152934" cy="5919096"/>
+              <a:chOff x="721298" y="839834"/>
+              <a:chExt cx="7106342" cy="7024414"/>
             </a:xfrm>
           </p:grpSpPr>
           <p:sp>
@@ -3997,76 +3997,6 @@
                     <a:prstClr val="black"/>
                   </a:solidFill>
                 </a:endParaRPr>
-              </a:p>
-            </p:txBody>
-          </p:sp>
-          <p:sp>
-            <p:nvSpPr>
-              <p:cNvPr id="6" name="Text Box 11"/>
-              <p:cNvSpPr txBox="1">
-                <a:spLocks noChangeArrowheads="1"/>
-              </p:cNvSpPr>
-              <p:nvPr/>
-            </p:nvSpPr>
-            <p:spPr bwMode="auto">
-              <a:xfrm>
-                <a:off x="2632951" y="914632"/>
-                <a:ext cx="967275" cy="600164"/>
-              </a:xfrm>
-              <a:prstGeom prst="rect">
-                <a:avLst/>
-              </a:prstGeom>
-              <a:solidFill>
-                <a:schemeClr val="accent4">
-                  <a:lumMod val="40000"/>
-                  <a:lumOff val="60000"/>
-                </a:schemeClr>
-              </a:solidFill>
-              <a:ln w="19050">
-                <a:solidFill>
-                  <a:schemeClr val="accent4">
-                    <a:lumMod val="75000"/>
-                  </a:schemeClr>
-                </a:solidFill>
-                <a:headEnd/>
-                <a:tailEnd/>
-              </a:ln>
-            </p:spPr>
-            <p:style>
-              <a:lnRef idx="1">
-                <a:schemeClr val="accent4"/>
-              </a:lnRef>
-              <a:fillRef idx="2">
-                <a:schemeClr val="accent4"/>
-              </a:fillRef>
-              <a:effectRef idx="1">
-                <a:schemeClr val="accent4"/>
-              </a:effectRef>
-              <a:fontRef idx="minor">
-                <a:schemeClr val="dk1"/>
-              </a:fontRef>
-            </p:style>
-            <p:txBody>
-              <a:bodyPr wrap="square" tIns="182880" bIns="182880">
-                <a:spAutoFit/>
-              </a:bodyPr>
-              <a:lstStyle/>
-              <a:p>
-                <a:pPr algn="ctr" defTabSz="872733">
-                  <a:spcBef>
-                    <a:spcPct val="50000"/>
-                  </a:spcBef>
-                  <a:buFont typeface="Wingdings" pitchFamily="2" charset="2"/>
-                  <a:buNone/>
-                </a:pPr>
-                <a:r>
-                  <a:rPr lang="en-US" sz="1500" dirty="0">
-                    <a:solidFill>
-                      <a:prstClr val="black"/>
-                    </a:solidFill>
-                  </a:rPr>
-                  <a:t>:Parser</a:t>
-                </a:r>
               </a:p>
             </p:txBody>
           </p:sp>
@@ -4262,7 +4192,7 @@
             </p:nvSpPr>
             <p:spPr bwMode="auto">
               <a:xfrm>
-                <a:off x="872562" y="1839153"/>
+                <a:off x="843342" y="1735307"/>
                 <a:ext cx="2500554" cy="323165"/>
               </a:xfrm>
               <a:prstGeom prst="rect">
@@ -4491,163 +4421,6 @@
                     <a:prstClr val="black"/>
                   </a:solidFill>
                 </a:endParaRPr>
-              </a:p>
-            </p:txBody>
-          </p:sp>
-          <p:sp>
-            <p:nvSpPr>
-              <p:cNvPr id="42" name="Text Box 11">
-                <a:extLst>
-                  <a:ext uri="{FF2B5EF4-FFF2-40B4-BE49-F238E27FC236}">
-                    <a16:creationId xmlns:a16="http://schemas.microsoft.com/office/drawing/2014/main" id="{569EC1FF-3CDF-4E6B-82B3-104CCA3F3E9D}"/>
-                  </a:ext>
-                </a:extLst>
-              </p:cNvPr>
-              <p:cNvSpPr txBox="1">
-                <a:spLocks noChangeArrowheads="1"/>
-              </p:cNvSpPr>
-              <p:nvPr/>
-            </p:nvSpPr>
-            <p:spPr bwMode="auto">
-              <a:xfrm>
-                <a:off x="6855484" y="2511504"/>
-                <a:ext cx="1676400" cy="600164"/>
-              </a:xfrm>
-              <a:prstGeom prst="rect">
-                <a:avLst/>
-              </a:prstGeom>
-              <a:solidFill>
-                <a:schemeClr val="bg2">
-                  <a:lumMod val="75000"/>
-                </a:schemeClr>
-              </a:solidFill>
-              <a:ln w="19050">
-                <a:solidFill>
-                  <a:schemeClr val="bg2">
-                    <a:lumMod val="50000"/>
-                  </a:schemeClr>
-                </a:solidFill>
-                <a:headEnd/>
-                <a:tailEnd/>
-              </a:ln>
-            </p:spPr>
-            <p:style>
-              <a:lnRef idx="1">
-                <a:schemeClr val="accent4"/>
-              </a:lnRef>
-              <a:fillRef idx="2">
-                <a:schemeClr val="accent4"/>
-              </a:fillRef>
-              <a:effectRef idx="1">
-                <a:schemeClr val="accent4"/>
-              </a:effectRef>
-              <a:fontRef idx="minor">
-                <a:schemeClr val="dk1"/>
-              </a:fontRef>
-            </p:style>
-            <p:txBody>
-              <a:bodyPr wrap="square" tIns="182880" bIns="182880">
-                <a:spAutoFit/>
-              </a:bodyPr>
-              <a:lstStyle/>
-              <a:p>
-                <a:pPr algn="ctr" defTabSz="872733">
-                  <a:spcBef>
-                    <a:spcPct val="50000"/>
-                  </a:spcBef>
-                  <a:buFont typeface="Wingdings" pitchFamily="2" charset="2"/>
-                  <a:buNone/>
-                </a:pPr>
-                <a:r>
-                  <a:rPr lang="en-US" sz="1500" dirty="0" err="1">
-                    <a:solidFill>
-                      <a:prstClr val="black"/>
-                    </a:solidFill>
-                  </a:rPr>
-                  <a:t>items:ShoppingList</a:t>
-                </a:r>
-                <a:endParaRPr lang="en-US" sz="1500" dirty="0">
-                  <a:solidFill>
-                    <a:prstClr val="black"/>
-                  </a:solidFill>
-                </a:endParaRPr>
-              </a:p>
-            </p:txBody>
-          </p:sp>
-          <p:sp>
-            <p:nvSpPr>
-              <p:cNvPr id="43" name="Text Box 11">
-                <a:extLst>
-                  <a:ext uri="{FF2B5EF4-FFF2-40B4-BE49-F238E27FC236}">
-                    <a16:creationId xmlns:a16="http://schemas.microsoft.com/office/drawing/2014/main" id="{79ACA4C9-9678-4611-AE49-25FE7CAE8B35}"/>
-                  </a:ext>
-                </a:extLst>
-              </p:cNvPr>
-              <p:cNvSpPr txBox="1">
-                <a:spLocks noChangeArrowheads="1"/>
-              </p:cNvSpPr>
-              <p:nvPr/>
-            </p:nvSpPr>
-            <p:spPr bwMode="auto">
-              <a:xfrm>
-                <a:off x="117858" y="197507"/>
-                <a:ext cx="1295400" cy="600164"/>
-              </a:xfrm>
-              <a:prstGeom prst="rect">
-                <a:avLst/>
-              </a:prstGeom>
-              <a:solidFill>
-                <a:schemeClr val="accent2">
-                  <a:lumMod val="40000"/>
-                  <a:lumOff val="60000"/>
-                </a:schemeClr>
-              </a:solidFill>
-              <a:ln w="19050">
-                <a:solidFill>
-                  <a:schemeClr val="accent2">
-                    <a:lumMod val="60000"/>
-                    <a:lumOff val="40000"/>
-                  </a:schemeClr>
-                </a:solidFill>
-                <a:headEnd/>
-                <a:tailEnd/>
-              </a:ln>
-            </p:spPr>
-            <p:style>
-              <a:lnRef idx="1">
-                <a:schemeClr val="accent4"/>
-              </a:lnRef>
-              <a:fillRef idx="2">
-                <a:schemeClr val="accent4"/>
-              </a:fillRef>
-              <a:effectRef idx="1">
-                <a:schemeClr val="accent4"/>
-              </a:effectRef>
-              <a:fontRef idx="minor">
-                <a:schemeClr val="dk1"/>
-              </a:fontRef>
-            </p:style>
-            <p:txBody>
-              <a:bodyPr tIns="182880" bIns="182880">
-                <a:spAutoFit/>
-              </a:bodyPr>
-              <a:lstStyle/>
-              <a:p>
-                <a:pPr algn="ctr" defTabSz="872733">
-                  <a:spcBef>
-                    <a:spcPct val="50000"/>
-                  </a:spcBef>
-                  <a:buFont typeface="Wingdings" pitchFamily="2" charset="2"/>
-                  <a:buNone/>
-                </a:pPr>
-                <a:r>
-                  <a:rPr lang="en-US" sz="1500" dirty="0">
-                    <a:solidFill>
-                      <a:prstClr val="black"/>
-                    </a:solidFill>
-                  </a:rPr>
-                  <a:t>:Duke</a:t>
-                </a:r>
               </a:p>
             </p:txBody>
           </p:sp>
@@ -5099,8 +4872,8 @@
             </p:nvSpPr>
             <p:spPr bwMode="auto">
               <a:xfrm>
-                <a:off x="4880313" y="2491084"/>
-                <a:ext cx="1596653" cy="600164"/>
+                <a:off x="4880314" y="2350503"/>
+                <a:ext cx="1412002" cy="827185"/>
               </a:xfrm>
               <a:prstGeom prst="rect">
                 <a:avLst/>
@@ -5176,10 +4949,10 @@
           </p:nvGrpSpPr>
           <p:grpSpPr>
             <a:xfrm>
-              <a:off x="5334000" y="4721710"/>
-              <a:ext cx="3562689" cy="612290"/>
-              <a:chOff x="5325541" y="911710"/>
-              <a:chExt cx="3380529" cy="601724"/>
+              <a:off x="5334000" y="4675735"/>
+              <a:ext cx="3562689" cy="750644"/>
+              <a:chOff x="5325541" y="866527"/>
+              <a:chExt cx="3380529" cy="737690"/>
             </a:xfrm>
           </p:grpSpPr>
           <p:sp>
@@ -5291,8 +5064,8 @@
             </p:nvSpPr>
             <p:spPr>
               <a:xfrm>
-                <a:off x="5504929" y="911710"/>
-                <a:ext cx="525682" cy="544628"/>
+                <a:off x="5504929" y="866527"/>
+                <a:ext cx="538901" cy="737690"/>
               </a:xfrm>
               <a:prstGeom prst="rect">
                 <a:avLst/>
@@ -5486,6 +5259,283 @@
           </p:style>
         </p:cxnSp>
       </p:grpSp>
+      <p:sp>
+        <p:nvSpPr>
+          <p:cNvPr id="35" name="Google Shape;58;p14">
+            <a:extLst>
+              <a:ext uri="{FF2B5EF4-FFF2-40B4-BE49-F238E27FC236}">
+                <a16:creationId xmlns:a16="http://schemas.microsoft.com/office/drawing/2014/main" id="{3D90DBE3-C8E3-430F-8BE1-A093C877BE79}"/>
+              </a:ext>
+            </a:extLst>
+          </p:cNvPr>
+          <p:cNvSpPr/>
+          <p:nvPr/>
+        </p:nvSpPr>
+        <p:spPr>
+          <a:xfrm>
+            <a:off x="148671" y="772020"/>
+            <a:ext cx="1426383" cy="370071"/>
+          </a:xfrm>
+          <a:prstGeom prst="rect">
+            <a:avLst/>
+          </a:prstGeom>
+          <a:gradFill flip="none" rotWithShape="1">
+            <a:gsLst>
+              <a:gs pos="0">
+                <a:srgbClr val="FF9999"/>
+              </a:gs>
+              <a:gs pos="50000">
+                <a:srgbClr val="FF7C80">
+                  <a:tint val="44500"/>
+                  <a:satMod val="160000"/>
+                </a:srgbClr>
+              </a:gs>
+              <a:gs pos="100000">
+                <a:srgbClr val="FF7C80">
+                  <a:tint val="23500"/>
+                  <a:satMod val="160000"/>
+                </a:srgbClr>
+              </a:gs>
+            </a:gsLst>
+            <a:lin ang="16200000" scaled="1"/>
+            <a:tileRect/>
+          </a:gradFill>
+          <a:ln w="19050" cap="flat" cmpd="sng">
+            <a:solidFill>
+              <a:srgbClr val="FF9999"/>
+            </a:solidFill>
+            <a:prstDash val="solid"/>
+            <a:round/>
+            <a:headEnd type="none" w="sm" len="sm"/>
+            <a:tailEnd type="none" w="sm" len="sm"/>
+          </a:ln>
+          <a:effectLst>
+            <a:outerShdw blurRad="40000" dist="20000" dir="5400000" rotWithShape="0">
+              <a:srgbClr val="000000">
+                <a:alpha val="37650"/>
+              </a:srgbClr>
+            </a:outerShdw>
+          </a:effectLst>
+        </p:spPr>
+        <p:txBody>
+          <a:bodyPr spcFirstLastPara="1" wrap="square" lIns="91425" tIns="45700" rIns="91425" bIns="45700" anchor="ctr" anchorCtr="0">
+            <a:noAutofit/>
+          </a:bodyPr>
+          <a:lstStyle/>
+          <a:p>
+            <a:pPr algn="ctr"/>
+            <a:r>
+              <a:rPr lang="en-SG" sz="1300" dirty="0">
+                <a:latin typeface="Calibri"/>
+                <a:ea typeface="Calibri"/>
+                <a:cs typeface="Calibri"/>
+                <a:sym typeface="Calibri"/>
+              </a:rPr>
+              <a:t>:Duke</a:t>
+            </a:r>
+            <a:endParaRPr sz="1300" dirty="0"/>
+          </a:p>
+        </p:txBody>
+      </p:sp>
+      <p:sp>
+        <p:nvSpPr>
+          <p:cNvPr id="36" name="Google Shape;59;p14">
+            <a:extLst>
+              <a:ext uri="{FF2B5EF4-FFF2-40B4-BE49-F238E27FC236}">
+                <a16:creationId xmlns:a16="http://schemas.microsoft.com/office/drawing/2014/main" id="{C2419E8E-5014-4431-9EF7-172D5FAC61AC}"/>
+              </a:ext>
+            </a:extLst>
+          </p:cNvPr>
+          <p:cNvSpPr/>
+          <p:nvPr/>
+        </p:nvSpPr>
+        <p:spPr>
+          <a:xfrm>
+            <a:off x="2783757" y="1158351"/>
+            <a:ext cx="1060854" cy="459999"/>
+          </a:xfrm>
+          <a:prstGeom prst="rect">
+            <a:avLst/>
+          </a:prstGeom>
+          <a:gradFill flip="none" rotWithShape="1">
+            <a:gsLst>
+              <a:gs pos="0">
+                <a:srgbClr val="990099">
+                  <a:tint val="66000"/>
+                  <a:satMod val="160000"/>
+                </a:srgbClr>
+              </a:gs>
+              <a:gs pos="50000">
+                <a:srgbClr val="990099">
+                  <a:tint val="44500"/>
+                  <a:satMod val="160000"/>
+                </a:srgbClr>
+              </a:gs>
+              <a:gs pos="100000">
+                <a:srgbClr val="990099">
+                  <a:tint val="23500"/>
+                  <a:satMod val="160000"/>
+                </a:srgbClr>
+              </a:gs>
+            </a:gsLst>
+            <a:lin ang="16200000" scaled="1"/>
+            <a:tileRect/>
+          </a:gradFill>
+          <a:ln w="19050" cap="flat" cmpd="sng">
+            <a:solidFill>
+              <a:srgbClr val="CF92CF"/>
+            </a:solidFill>
+            <a:prstDash val="solid"/>
+            <a:round/>
+            <a:headEnd type="none" w="sm" len="sm"/>
+            <a:tailEnd type="none" w="sm" len="sm"/>
+          </a:ln>
+          <a:effectLst>
+            <a:outerShdw blurRad="40000" dist="20000" dir="5400000" rotWithShape="0">
+              <a:srgbClr val="000000">
+                <a:alpha val="37650"/>
+              </a:srgbClr>
+            </a:outerShdw>
+          </a:effectLst>
+        </p:spPr>
+        <p:txBody>
+          <a:bodyPr spcFirstLastPara="1" wrap="square" lIns="91425" tIns="45700" rIns="91425" bIns="45700" anchor="ctr" anchorCtr="0">
+            <a:noAutofit/>
+          </a:bodyPr>
+          <a:lstStyle/>
+          <a:p>
+            <a:pPr algn="ctr"/>
+            <a:r>
+              <a:rPr lang="en" sz="1300" dirty="0">
+                <a:latin typeface="Calibri"/>
+                <a:ea typeface="Calibri"/>
+                <a:cs typeface="Calibri"/>
+                <a:sym typeface="Calibri"/>
+              </a:rPr>
+              <a:t>:Parser</a:t>
+            </a:r>
+            <a:endParaRPr sz="1300" dirty="0"/>
+          </a:p>
+        </p:txBody>
+      </p:sp>
+      <p:sp>
+        <p:nvSpPr>
+          <p:cNvPr id="37" name="Google Shape;62;p14">
+            <a:extLst>
+              <a:ext uri="{FF2B5EF4-FFF2-40B4-BE49-F238E27FC236}">
+                <a16:creationId xmlns:a16="http://schemas.microsoft.com/office/drawing/2014/main" id="{F91B6E85-D54F-47C6-B093-36DD9418FD2A}"/>
+              </a:ext>
+            </a:extLst>
+          </p:cNvPr>
+          <p:cNvSpPr/>
+          <p:nvPr/>
+        </p:nvSpPr>
+        <p:spPr>
+          <a:xfrm>
+            <a:off x="7129697" y="2232604"/>
+            <a:ext cx="1638868" cy="600160"/>
+          </a:xfrm>
+          <a:prstGeom prst="rect">
+            <a:avLst/>
+          </a:prstGeom>
+          <a:gradFill flip="none" rotWithShape="1">
+            <a:gsLst>
+              <a:gs pos="0">
+                <a:srgbClr val="C4B597">
+                  <a:tint val="66000"/>
+                  <a:satMod val="160000"/>
+                </a:srgbClr>
+              </a:gs>
+              <a:gs pos="50000">
+                <a:srgbClr val="C4B597">
+                  <a:tint val="44500"/>
+                  <a:satMod val="160000"/>
+                </a:srgbClr>
+              </a:gs>
+              <a:gs pos="100000">
+                <a:srgbClr val="C4B597">
+                  <a:tint val="23500"/>
+                  <a:satMod val="160000"/>
+                </a:srgbClr>
+              </a:gs>
+            </a:gsLst>
+            <a:lin ang="16200000" scaled="1"/>
+            <a:tileRect/>
+          </a:gradFill>
+          <a:ln w="19050" cap="flat" cmpd="sng">
+            <a:solidFill>
+              <a:srgbClr val="AB966D"/>
+            </a:solidFill>
+            <a:prstDash val="solid"/>
+            <a:round/>
+            <a:headEnd type="none" w="sm" len="sm"/>
+            <a:tailEnd type="none" w="sm" len="sm"/>
+          </a:ln>
+          <a:effectLst>
+            <a:outerShdw blurRad="40000" dist="20000" dir="5400000" rotWithShape="0">
+              <a:srgbClr val="000000">
+                <a:alpha val="37650"/>
+              </a:srgbClr>
+            </a:outerShdw>
+          </a:effectLst>
+        </p:spPr>
+        <p:txBody>
+          <a:bodyPr spcFirstLastPara="1" wrap="square" lIns="91425" tIns="45700" rIns="91425" bIns="45700" anchor="ctr" anchorCtr="0">
+            <a:noAutofit/>
+          </a:bodyPr>
+          <a:lstStyle/>
+          <a:p>
+            <a:pPr algn="ctr" defTabSz="872733">
+              <a:spcBef>
+                <a:spcPct val="50000"/>
+              </a:spcBef>
+              <a:buFont typeface="Wingdings" pitchFamily="2" charset="2"/>
+              <a:buNone/>
+            </a:pPr>
+            <a:endParaRPr lang="en-US" sz="1400" dirty="0">
+              <a:solidFill>
+                <a:prstClr val="black"/>
+              </a:solidFill>
+            </a:endParaRPr>
+          </a:p>
+          <a:p>
+            <a:pPr algn="ctr" defTabSz="872733">
+              <a:spcBef>
+                <a:spcPct val="50000"/>
+              </a:spcBef>
+              <a:buFont typeface="Wingdings" pitchFamily="2" charset="2"/>
+              <a:buNone/>
+            </a:pPr>
+            <a:r>
+              <a:rPr lang="en-US" sz="1400" dirty="0" err="1">
+                <a:solidFill>
+                  <a:prstClr val="black"/>
+                </a:solidFill>
+              </a:rPr>
+              <a:t>items:ShoppingList</a:t>
+            </a:r>
+            <a:endParaRPr lang="en-US" sz="1400" dirty="0">
+              <a:solidFill>
+                <a:prstClr val="black"/>
+              </a:solidFill>
+            </a:endParaRPr>
+          </a:p>
+          <a:p>
+            <a:pPr algn="ctr" defTabSz="872733">
+              <a:spcBef>
+                <a:spcPct val="50000"/>
+              </a:spcBef>
+              <a:buFont typeface="Wingdings" pitchFamily="2" charset="2"/>
+              <a:buNone/>
+            </a:pPr>
+            <a:endParaRPr lang="en-US" sz="1400" dirty="0">
+              <a:solidFill>
+                <a:prstClr val="black"/>
+              </a:solidFill>
+            </a:endParaRPr>
+          </a:p>
+        </p:txBody>
+      </p:sp>
     </p:spTree>
     <p:extLst>
       <p:ext uri="{BB962C8B-B14F-4D97-AF65-F5344CB8AC3E}">
@@ -5686,7 +5736,7 @@
               <p:spPr>
                 <a:xfrm>
                   <a:off x="5038910" y="4283115"/>
-                  <a:ext cx="2106917" cy="72312"/>
+                  <a:ext cx="2106917" cy="84526"/>
                 </a:xfrm>
                 <a:prstGeom prst="rect">
                   <a:avLst/>
@@ -5700,8 +5750,12 @@
                 <a:lstStyle/>
                 <a:p>
                   <a:r>
+                    <a:rPr lang="en-SG" b="1" dirty="0"/>
+                    <a:t>sd</a:t>
+                  </a:r>
+                  <a:r>
                     <a:rPr lang="en-SG" dirty="0"/>
-                    <a:t>sd update item values</a:t>
+                    <a:t> update item values</a:t>
                   </a:r>
                 </a:p>
                 <a:p>
@@ -6428,9 +6482,9 @@
               <p:nvPr/>
             </p:nvSpPr>
             <p:spPr bwMode="auto">
-              <a:xfrm flipH="1">
-                <a:off x="6289371" y="1814001"/>
-                <a:ext cx="447" cy="4507103"/>
+              <a:xfrm>
+                <a:off x="6281085" y="1680035"/>
+                <a:ext cx="0" cy="4641071"/>
               </a:xfrm>
               <a:prstGeom prst="line">
                 <a:avLst/>
@@ -6466,86 +6520,6 @@
               <a:p>
                 <a:pPr defTabSz="872733"/>
                 <a:endParaRPr lang="en-US" sz="1500">
-                  <a:solidFill>
-                    <a:prstClr val="black"/>
-                  </a:solidFill>
-                </a:endParaRPr>
-              </a:p>
-            </p:txBody>
-          </p:sp>
-          <p:sp>
-            <p:nvSpPr>
-              <p:cNvPr id="31" name="Text Box 11">
-                <a:extLst>
-                  <a:ext uri="{FF2B5EF4-FFF2-40B4-BE49-F238E27FC236}">
-                    <a16:creationId xmlns:a16="http://schemas.microsoft.com/office/drawing/2014/main" id="{F350A90B-2524-431E-9BB6-4DCABEA57388}"/>
-                  </a:ext>
-                </a:extLst>
-              </p:cNvPr>
-              <p:cNvSpPr txBox="1">
-                <a:spLocks noChangeArrowheads="1"/>
-              </p:cNvSpPr>
-              <p:nvPr/>
-            </p:nvSpPr>
-            <p:spPr bwMode="auto">
-              <a:xfrm>
-                <a:off x="5372302" y="1101062"/>
-                <a:ext cx="1945286" cy="662565"/>
-              </a:xfrm>
-              <a:prstGeom prst="rect">
-                <a:avLst/>
-              </a:prstGeom>
-              <a:solidFill>
-                <a:schemeClr val="bg2">
-                  <a:lumMod val="75000"/>
-                </a:schemeClr>
-              </a:solidFill>
-              <a:ln w="19050">
-                <a:solidFill>
-                  <a:schemeClr val="bg2">
-                    <a:lumMod val="50000"/>
-                  </a:schemeClr>
-                </a:solidFill>
-                <a:headEnd/>
-                <a:tailEnd/>
-              </a:ln>
-            </p:spPr>
-            <p:style>
-              <a:lnRef idx="1">
-                <a:schemeClr val="accent4"/>
-              </a:lnRef>
-              <a:fillRef idx="2">
-                <a:schemeClr val="accent4"/>
-              </a:fillRef>
-              <a:effectRef idx="1">
-                <a:schemeClr val="accent4"/>
-              </a:effectRef>
-              <a:fontRef idx="minor">
-                <a:schemeClr val="dk1"/>
-              </a:fontRef>
-            </p:style>
-            <p:txBody>
-              <a:bodyPr wrap="square" tIns="182880" bIns="182880">
-                <a:spAutoFit/>
-              </a:bodyPr>
-              <a:lstStyle/>
-              <a:p>
-                <a:pPr algn="ctr" defTabSz="872733">
-                  <a:spcBef>
-                    <a:spcPct val="50000"/>
-                  </a:spcBef>
-                  <a:buFont typeface="Wingdings" pitchFamily="2" charset="2"/>
-                  <a:buNone/>
-                </a:pPr>
-                <a:r>
-                  <a:rPr lang="en-US" sz="1500" dirty="0" err="1">
-                    <a:solidFill>
-                      <a:prstClr val="black"/>
-                    </a:solidFill>
-                  </a:rPr>
-                  <a:t>items:ShoppingList</a:t>
-                </a:r>
-                <a:endParaRPr lang="en-US" sz="1500" dirty="0">
                   <a:solidFill>
                     <a:prstClr val="black"/>
                   </a:solidFill>
@@ -8088,6 +8062,124 @@
           </p:txBody>
         </p:sp>
       </p:grpSp>
+      <p:sp>
+        <p:nvSpPr>
+          <p:cNvPr id="32" name="Google Shape;62;p14">
+            <a:extLst>
+              <a:ext uri="{FF2B5EF4-FFF2-40B4-BE49-F238E27FC236}">
+                <a16:creationId xmlns:a16="http://schemas.microsoft.com/office/drawing/2014/main" id="{481336A7-5791-4852-8EEE-FB7149370ED1}"/>
+              </a:ext>
+            </a:extLst>
+          </p:cNvPr>
+          <p:cNvSpPr/>
+          <p:nvPr/>
+        </p:nvSpPr>
+        <p:spPr>
+          <a:xfrm>
+            <a:off x="5141574" y="1452561"/>
+            <a:ext cx="1638868" cy="600160"/>
+          </a:xfrm>
+          <a:prstGeom prst="rect">
+            <a:avLst/>
+          </a:prstGeom>
+          <a:gradFill flip="none" rotWithShape="1">
+            <a:gsLst>
+              <a:gs pos="0">
+                <a:srgbClr val="C4B597">
+                  <a:tint val="66000"/>
+                  <a:satMod val="160000"/>
+                </a:srgbClr>
+              </a:gs>
+              <a:gs pos="50000">
+                <a:srgbClr val="C4B597">
+                  <a:tint val="44500"/>
+                  <a:satMod val="160000"/>
+                </a:srgbClr>
+              </a:gs>
+              <a:gs pos="100000">
+                <a:srgbClr val="C4B597">
+                  <a:tint val="23500"/>
+                  <a:satMod val="160000"/>
+                </a:srgbClr>
+              </a:gs>
+            </a:gsLst>
+            <a:lin ang="16200000" scaled="1"/>
+            <a:tileRect/>
+          </a:gradFill>
+          <a:ln w="19050" cap="flat" cmpd="sng">
+            <a:solidFill>
+              <a:srgbClr val="AB966D"/>
+            </a:solidFill>
+            <a:prstDash val="solid"/>
+            <a:round/>
+            <a:headEnd type="none" w="sm" len="sm"/>
+            <a:tailEnd type="none" w="sm" len="sm"/>
+          </a:ln>
+          <a:effectLst>
+            <a:outerShdw blurRad="40000" dist="20000" dir="5400000" rotWithShape="0">
+              <a:srgbClr val="000000">
+                <a:alpha val="37650"/>
+              </a:srgbClr>
+            </a:outerShdw>
+          </a:effectLst>
+        </p:spPr>
+        <p:txBody>
+          <a:bodyPr spcFirstLastPara="1" wrap="square" lIns="91425" tIns="45700" rIns="91425" bIns="45700" anchor="ctr" anchorCtr="0">
+            <a:noAutofit/>
+          </a:bodyPr>
+          <a:lstStyle/>
+          <a:p>
+            <a:pPr algn="ctr" defTabSz="872733">
+              <a:spcBef>
+                <a:spcPct val="50000"/>
+              </a:spcBef>
+              <a:buFont typeface="Wingdings" pitchFamily="2" charset="2"/>
+              <a:buNone/>
+            </a:pPr>
+            <a:endParaRPr lang="en-US" sz="1400" dirty="0">
+              <a:solidFill>
+                <a:prstClr val="black"/>
+              </a:solidFill>
+            </a:endParaRPr>
+          </a:p>
+          <a:p>
+            <a:pPr algn="ctr" defTabSz="872733">
+              <a:spcBef>
+                <a:spcPct val="50000"/>
+              </a:spcBef>
+              <a:buFont typeface="Wingdings" pitchFamily="2" charset="2"/>
+              <a:buNone/>
+            </a:pPr>
+            <a:r>
+              <a:rPr lang="en-US" sz="1400" dirty="0" err="1">
+                <a:solidFill>
+                  <a:prstClr val="black"/>
+                </a:solidFill>
+              </a:rPr>
+              <a:t>items:ShoppingList</a:t>
+            </a:r>
+            <a:endParaRPr lang="en-US" sz="1400" dirty="0">
+              <a:solidFill>
+                <a:prstClr val="black"/>
+              </a:solidFill>
+            </a:endParaRPr>
+          </a:p>
+          <a:p>
+            <a:pPr algn="ctr" defTabSz="872733">
+              <a:spcBef>
+                <a:spcPct val="50000"/>
+              </a:spcBef>
+              <a:buFont typeface="Wingdings" pitchFamily="2" charset="2"/>
+              <a:buNone/>
+            </a:pPr>
+            <a:endParaRPr lang="en-US" sz="1400" dirty="0">
+              <a:solidFill>
+                <a:prstClr val="black"/>
+              </a:solidFill>
+            </a:endParaRPr>
+          </a:p>
+        </p:txBody>
+      </p:sp>
     </p:spTree>
     <p:extLst>
       <p:ext uri="{BB962C8B-B14F-4D97-AF65-F5344CB8AC3E}">

--- a/docs/slides/Edit.pptx
+++ b/docs/slides/Edit.pptx
@@ -209,7 +209,7 @@
           <a:p>
             <a:fld id="{9629A0FB-7277-41B0-BEC2-EE35F8B0CE39}" type="datetimeFigureOut">
               <a:rPr lang="en-SG" smtClean="0"/>
-              <a:t>5/4/2020</a:t>
+              <a:t>9/4/2020</a:t>
             </a:fld>
             <a:endParaRPr lang="en-SG"/>
           </a:p>
@@ -3920,9 +3920,9 @@
         <p:grpSpPr>
           <a:xfrm>
             <a:off x="861863" y="1113740"/>
-            <a:ext cx="8015437" cy="5096560"/>
+            <a:ext cx="7901138" cy="5096560"/>
             <a:chOff x="811050" y="703928"/>
-            <a:chExt cx="8085639" cy="5919096"/>
+            <a:chExt cx="7970339" cy="5919096"/>
           </a:xfrm>
         </p:grpSpPr>
         <p:grpSp>
@@ -4103,8 +4103,8 @@
             </p:nvSpPr>
             <p:spPr bwMode="auto">
               <a:xfrm>
-                <a:off x="6125564" y="4267781"/>
-                <a:ext cx="1584515" cy="323165"/>
+                <a:off x="6125564" y="4135901"/>
+                <a:ext cx="1584515" cy="445407"/>
               </a:xfrm>
               <a:prstGeom prst="rect">
                 <a:avLst/>
@@ -4193,7 +4193,7 @@
             <p:spPr bwMode="auto">
               <a:xfrm>
                 <a:off x="843342" y="1735307"/>
-                <a:ext cx="2500554" cy="323165"/>
+                <a:ext cx="2500554" cy="445407"/>
               </a:xfrm>
               <a:prstGeom prst="rect">
                 <a:avLst/>
@@ -4248,8 +4248,8 @@
             </p:nvSpPr>
             <p:spPr bwMode="auto">
               <a:xfrm>
-                <a:off x="1133142" y="2795516"/>
-                <a:ext cx="1710047" cy="657450"/>
+                <a:off x="1133142" y="2665567"/>
+                <a:ext cx="1710047" cy="763556"/>
               </a:xfrm>
               <a:prstGeom prst="rect">
                 <a:avLst/>
@@ -4336,8 +4336,8 @@
             </p:nvSpPr>
             <p:spPr bwMode="auto">
               <a:xfrm>
-                <a:off x="1211846" y="920055"/>
-                <a:ext cx="1182981" cy="323165"/>
+                <a:off x="1530643" y="854850"/>
+                <a:ext cx="1182981" cy="445407"/>
               </a:xfrm>
               <a:prstGeom prst="rect">
                 <a:avLst/>
@@ -4534,8 +4534,8 @@
             </p:nvSpPr>
             <p:spPr bwMode="auto">
               <a:xfrm>
-                <a:off x="3323780" y="2458242"/>
-                <a:ext cx="1412001" cy="383512"/>
+                <a:off x="3323780" y="2350496"/>
+                <a:ext cx="1412001" cy="445407"/>
               </a:xfrm>
               <a:prstGeom prst="rect">
                 <a:avLst/>
@@ -4634,8 +4634,8 @@
             </p:nvSpPr>
             <p:spPr bwMode="auto">
               <a:xfrm>
-                <a:off x="3924577" y="3995543"/>
-                <a:ext cx="886908" cy="323165"/>
+                <a:off x="3924577" y="3925854"/>
+                <a:ext cx="886908" cy="445407"/>
               </a:xfrm>
               <a:prstGeom prst="rect">
                 <a:avLst/>
@@ -4949,10 +4949,10 @@
           </p:nvGrpSpPr>
           <p:grpSpPr>
             <a:xfrm>
-              <a:off x="5334000" y="4675735"/>
-              <a:ext cx="3562689" cy="750644"/>
-              <a:chOff x="5325541" y="866527"/>
-              <a:chExt cx="3380529" cy="737690"/>
+              <a:off x="5334002" y="4721778"/>
+              <a:ext cx="3447387" cy="728137"/>
+              <a:chOff x="5325542" y="911776"/>
+              <a:chExt cx="3271122" cy="715572"/>
             </a:xfrm>
           </p:grpSpPr>
           <p:sp>
@@ -4969,8 +4969,8 @@
             </p:nvSpPr>
             <p:spPr>
               <a:xfrm>
-                <a:off x="5325541" y="942423"/>
-                <a:ext cx="3380529" cy="571011"/>
+                <a:off x="5325542" y="942423"/>
+                <a:ext cx="3271122" cy="684925"/>
               </a:xfrm>
               <a:prstGeom prst="rect">
                 <a:avLst/>
@@ -4996,7 +4996,7 @@
               <a:lstStyle/>
               <a:p>
                 <a:pPr algn="ctr"/>
-                <a:endParaRPr lang="en-SG"/>
+                <a:endParaRPr lang="en-SG" sz="1500"/>
               </a:p>
             </p:txBody>
           </p:sp>
@@ -5046,7 +5046,7 @@
               <a:lstStyle/>
               <a:p>
                 <a:pPr algn="ctr"/>
-                <a:endParaRPr lang="en-SG" dirty="0"/>
+                <a:endParaRPr lang="en-SG" sz="1500" dirty="0"/>
               </a:p>
             </p:txBody>
           </p:sp>
@@ -5064,8 +5064,8 @@
             </p:nvSpPr>
             <p:spPr>
               <a:xfrm>
-                <a:off x="5504929" y="866527"/>
-                <a:ext cx="538901" cy="737690"/>
+                <a:off x="5539916" y="911776"/>
+                <a:ext cx="538901" cy="632305"/>
               </a:xfrm>
               <a:prstGeom prst="rect">
                 <a:avLst/>
@@ -5079,12 +5079,12 @@
               <a:lstStyle/>
               <a:p>
                 <a:r>
-                  <a:rPr lang="en-SG" dirty="0"/>
+                  <a:rPr lang="en-SG" sz="1500" dirty="0"/>
                   <a:t>ref</a:t>
                 </a:r>
               </a:p>
               <a:p>
-                <a:endParaRPr lang="en-SG" dirty="0"/>
+                <a:endParaRPr lang="en-SG" sz="1500" dirty="0"/>
               </a:p>
             </p:txBody>
           </p:sp>
@@ -5102,8 +5102,8 @@
             </p:nvSpPr>
             <p:spPr>
               <a:xfrm>
-                <a:off x="6200471" y="1059043"/>
-                <a:ext cx="1985654" cy="311216"/>
+                <a:off x="6220606" y="1129988"/>
+                <a:ext cx="1599973" cy="368844"/>
               </a:xfrm>
               <a:prstGeom prst="rect">
                 <a:avLst/>
@@ -5117,7 +5117,7 @@
               <a:lstStyle/>
               <a:p>
                 <a:r>
-                  <a:rPr lang="en-SG" dirty="0"/>
+                  <a:rPr lang="en-SG" sz="1500" dirty="0"/>
                   <a:t>update item values</a:t>
                 </a:r>
               </a:p>
@@ -5325,15 +5325,14 @@
           <a:p>
             <a:pPr algn="ctr"/>
             <a:r>
-              <a:rPr lang="en-SG" sz="1300" dirty="0">
-                <a:latin typeface="Calibri"/>
+              <a:rPr lang="en-SG" sz="1500" dirty="0">
                 <a:ea typeface="Calibri"/>
                 <a:cs typeface="Calibri"/>
                 <a:sym typeface="Calibri"/>
               </a:rPr>
               <a:t>:Duke</a:t>
             </a:r>
-            <a:endParaRPr sz="1300" dirty="0"/>
+            <a:endParaRPr sz="1500" dirty="0"/>
           </a:p>
         </p:txBody>
       </p:sp>
@@ -5406,24 +5405,23 @@
           <a:p>
             <a:pPr algn="ctr"/>
             <a:r>
-              <a:rPr lang="en" sz="1300" dirty="0">
-                <a:latin typeface="Calibri"/>
+              <a:rPr lang="en" sz="1500" dirty="0">
                 <a:ea typeface="Calibri"/>
                 <a:cs typeface="Calibri"/>
                 <a:sym typeface="Calibri"/>
               </a:rPr>
               <a:t>:Parser</a:t>
             </a:r>
-            <a:endParaRPr sz="1300" dirty="0"/>
+            <a:endParaRPr sz="1500" dirty="0"/>
           </a:p>
         </p:txBody>
       </p:sp>
       <p:sp>
         <p:nvSpPr>
-          <p:cNvPr id="37" name="Google Shape;62;p14">
+          <p:cNvPr id="39" name="Google Shape;62;p14">
             <a:extLst>
               <a:ext uri="{FF2B5EF4-FFF2-40B4-BE49-F238E27FC236}">
-                <a16:creationId xmlns:a16="http://schemas.microsoft.com/office/drawing/2014/main" id="{F91B6E85-D54F-47C6-B093-36DD9418FD2A}"/>
+                <a16:creationId xmlns:a16="http://schemas.microsoft.com/office/drawing/2014/main" id="{F09CCF27-1A3E-430E-9FC9-850D9016B5D2}"/>
               </a:ext>
             </a:extLst>
           </p:cNvPr>
@@ -5432,8 +5430,8 @@
         </p:nvSpPr>
         <p:spPr>
           <a:xfrm>
-            <a:off x="7129697" y="2232604"/>
-            <a:ext cx="1638868" cy="600160"/>
+            <a:off x="7025787" y="2148612"/>
+            <a:ext cx="1867729" cy="600125"/>
           </a:xfrm>
           <a:prstGeom prst="rect">
             <a:avLst/>
@@ -5485,54 +5483,40 @@
           </a:bodyPr>
           <a:lstStyle/>
           <a:p>
-            <a:pPr algn="ctr" defTabSz="872733">
-              <a:spcBef>
-                <a:spcPct val="50000"/>
-              </a:spcBef>
-              <a:buFont typeface="Wingdings" pitchFamily="2" charset="2"/>
-              <a:buNone/>
-            </a:pPr>
-            <a:endParaRPr lang="en-US" sz="1400" dirty="0">
+            <a:pPr algn="ctr"/>
+            <a:endParaRPr lang="en-US" sz="1500" kern="0" dirty="0">
               <a:solidFill>
                 <a:prstClr val="black"/>
               </a:solidFill>
             </a:endParaRPr>
           </a:p>
           <a:p>
-            <a:pPr algn="ctr" defTabSz="872733">
-              <a:spcBef>
-                <a:spcPct val="50000"/>
-              </a:spcBef>
-              <a:buFont typeface="Wingdings" pitchFamily="2" charset="2"/>
-              <a:buNone/>
-            </a:pPr>
+            <a:pPr algn="ctr"/>
             <a:r>
-              <a:rPr lang="en-US" sz="1400" dirty="0" err="1">
+              <a:rPr lang="en-US" sz="1500" kern="0" dirty="0" err="1">
                 <a:solidFill>
                   <a:prstClr val="black"/>
                 </a:solidFill>
               </a:rPr>
               <a:t>items:ShoppingList</a:t>
             </a:r>
-            <a:endParaRPr lang="en-US" sz="1400" dirty="0">
+            <a:endParaRPr lang="en-US" sz="1500" kern="0" dirty="0">
               <a:solidFill>
                 <a:prstClr val="black"/>
               </a:solidFill>
             </a:endParaRPr>
           </a:p>
           <a:p>
-            <a:pPr algn="ctr" defTabSz="872733">
+            <a:pPr marL="0" marR="0" lvl="0" indent="0" algn="ctr" rtl="0">
               <a:spcBef>
-                <a:spcPct val="50000"/>
+                <a:spcPts val="0"/>
               </a:spcBef>
-              <a:buFont typeface="Wingdings" pitchFamily="2" charset="2"/>
+              <a:spcAft>
+                <a:spcPts val="0"/>
+              </a:spcAft>
               <a:buNone/>
             </a:pPr>
-            <a:endParaRPr lang="en-US" sz="1400" dirty="0">
-              <a:solidFill>
-                <a:prstClr val="black"/>
-              </a:solidFill>
-            </a:endParaRPr>
+            <a:endParaRPr sz="1500" dirty="0"/>
           </a:p>
         </p:txBody>
       </p:sp>
@@ -5667,7 +5651,7 @@
                 <a:lstStyle/>
                 <a:p>
                   <a:pPr algn="ctr"/>
-                  <a:endParaRPr lang="en-SG"/>
+                  <a:endParaRPr lang="en-SG" sz="1500"/>
                 </a:p>
               </p:txBody>
             </p:sp>
@@ -5717,7 +5701,7 @@
                 <a:lstStyle/>
                 <a:p>
                   <a:pPr algn="ctr"/>
-                  <a:endParaRPr lang="en-SG" dirty="0"/>
+                  <a:endParaRPr lang="en-SG" sz="1500" dirty="0"/>
                 </a:p>
               </p:txBody>
             </p:sp>
@@ -5736,7 +5720,7 @@
               <p:spPr>
                 <a:xfrm>
                   <a:off x="5038910" y="4283115"/>
-                  <a:ext cx="2106917" cy="84526"/>
+                  <a:ext cx="2106917" cy="72451"/>
                 </a:xfrm>
                 <a:prstGeom prst="rect">
                   <a:avLst/>
@@ -5750,16 +5734,16 @@
                 <a:lstStyle/>
                 <a:p>
                   <a:r>
-                    <a:rPr lang="en-SG" b="1" dirty="0"/>
+                    <a:rPr lang="en-SG" sz="1500" b="1" dirty="0"/>
                     <a:t>sd</a:t>
                   </a:r>
                   <a:r>
-                    <a:rPr lang="en-SG" dirty="0"/>
+                    <a:rPr lang="en-SG" sz="1500" dirty="0"/>
                     <a:t> update item values</a:t>
                   </a:r>
                 </a:p>
                 <a:p>
-                  <a:endParaRPr lang="en-SG" dirty="0"/>
+                  <a:endParaRPr lang="en-SG" sz="1500" dirty="0"/>
                 </a:p>
               </p:txBody>
             </p:sp>
@@ -5948,11 +5932,11 @@
                 <a:p>
                   <a:pPr defTabSz="872733"/>
                   <a:r>
-                    <a:rPr lang="en-US" sz="2000" dirty="0">
+                    <a:rPr lang="en-US" sz="1500" dirty="0">
                       <a:solidFill>
                         <a:prstClr val="black"/>
                       </a:solidFill>
-                      <a:latin typeface="Calibri" pitchFamily="34" charset="0"/>
+                      <a:latin typeface="+mn-lt"/>
                     </a:rPr>
                     <a:t>					</a:t>
                   </a:r>
@@ -6009,7 +5993,7 @@
                 <a:lstStyle/>
                 <a:p>
                   <a:pPr algn="ctr" defTabSz="872733"/>
-                  <a:endParaRPr lang="en-US" sz="2000">
+                  <a:endParaRPr lang="en-US" sz="1500">
                     <a:solidFill>
                       <a:prstClr val="black"/>
                     </a:solidFill>
@@ -6031,7 +6015,7 @@
               </p:nvSpPr>
               <p:spPr bwMode="auto">
                 <a:xfrm>
-                  <a:off x="5812004" y="621840"/>
+                  <a:off x="5812004" y="585731"/>
                   <a:ext cx="208613" cy="325740"/>
                 </a:xfrm>
                 <a:prstGeom prst="rect">
@@ -6188,7 +6172,7 @@
                 <a:p>
                   <a:pPr defTabSz="872733"/>
                   <a:r>
-                    <a:rPr lang="en-US" sz="1900" dirty="0">
+                    <a:rPr lang="en-US" sz="1500" dirty="0">
                       <a:solidFill>
                         <a:schemeClr val="tx2"/>
                       </a:solidFill>
@@ -6413,7 +6397,7 @@
                 </a:lstStyle>
                 <a:p>
                   <a:pPr defTabSz="872733"/>
-                  <a:endParaRPr lang="en-US" sz="2000" dirty="0">
+                  <a:endParaRPr lang="en-US" sz="1500" dirty="0">
                     <a:solidFill>
                       <a:prstClr val="black"/>
                     </a:solidFill>
@@ -6603,8 +6587,8 @@
             </p:nvSpPr>
             <p:spPr bwMode="auto">
               <a:xfrm>
-                <a:off x="2393133" y="1101062"/>
-                <a:ext cx="1508558" cy="662565"/>
+                <a:off x="2393133" y="1056527"/>
+                <a:ext cx="1508558" cy="701540"/>
               </a:xfrm>
               <a:prstGeom prst="rect">
                 <a:avLst/>
@@ -8064,10 +8048,10 @@
       </p:grpSp>
       <p:sp>
         <p:nvSpPr>
-          <p:cNvPr id="32" name="Google Shape;62;p14">
+          <p:cNvPr id="31" name="Google Shape;62;p14">
             <a:extLst>
               <a:ext uri="{FF2B5EF4-FFF2-40B4-BE49-F238E27FC236}">
-                <a16:creationId xmlns:a16="http://schemas.microsoft.com/office/drawing/2014/main" id="{481336A7-5791-4852-8EEE-FB7149370ED1}"/>
+                <a16:creationId xmlns:a16="http://schemas.microsoft.com/office/drawing/2014/main" id="{4DD12839-BA03-4330-AB29-511713C8B028}"/>
               </a:ext>
             </a:extLst>
           </p:cNvPr>
@@ -8076,8 +8060,8 @@
         </p:nvSpPr>
         <p:spPr>
           <a:xfrm>
-            <a:off x="5141574" y="1452561"/>
-            <a:ext cx="1638868" cy="600160"/>
+            <a:off x="4912263" y="1419908"/>
+            <a:ext cx="2108680" cy="590850"/>
           </a:xfrm>
           <a:prstGeom prst="rect">
             <a:avLst/>
@@ -8129,54 +8113,40 @@
           </a:bodyPr>
           <a:lstStyle/>
           <a:p>
-            <a:pPr algn="ctr" defTabSz="872733">
-              <a:spcBef>
-                <a:spcPct val="50000"/>
-              </a:spcBef>
-              <a:buFont typeface="Wingdings" pitchFamily="2" charset="2"/>
-              <a:buNone/>
-            </a:pPr>
-            <a:endParaRPr lang="en-US" sz="1400" dirty="0">
+            <a:pPr algn="ctr"/>
+            <a:endParaRPr lang="en-US" sz="1500" kern="0" dirty="0">
               <a:solidFill>
                 <a:prstClr val="black"/>
               </a:solidFill>
             </a:endParaRPr>
           </a:p>
           <a:p>
-            <a:pPr algn="ctr" defTabSz="872733">
-              <a:spcBef>
-                <a:spcPct val="50000"/>
-              </a:spcBef>
-              <a:buFont typeface="Wingdings" pitchFamily="2" charset="2"/>
-              <a:buNone/>
-            </a:pPr>
+            <a:pPr algn="ctr"/>
             <a:r>
-              <a:rPr lang="en-US" sz="1400" dirty="0" err="1">
+              <a:rPr lang="en-US" sz="1500" kern="0" dirty="0" err="1">
                 <a:solidFill>
                   <a:prstClr val="black"/>
                 </a:solidFill>
               </a:rPr>
               <a:t>items:ShoppingList</a:t>
             </a:r>
-            <a:endParaRPr lang="en-US" sz="1400" dirty="0">
+            <a:endParaRPr lang="en-US" sz="1500" kern="0" dirty="0">
               <a:solidFill>
                 <a:prstClr val="black"/>
               </a:solidFill>
             </a:endParaRPr>
           </a:p>
           <a:p>
-            <a:pPr algn="ctr" defTabSz="872733">
+            <a:pPr marL="0" marR="0" lvl="0" indent="0" algn="ctr" rtl="0">
               <a:spcBef>
-                <a:spcPct val="50000"/>
+                <a:spcPts val="0"/>
               </a:spcBef>
-              <a:buFont typeface="Wingdings" pitchFamily="2" charset="2"/>
+              <a:spcAft>
+                <a:spcPts val="0"/>
+              </a:spcAft>
               <a:buNone/>
             </a:pPr>
-            <a:endParaRPr lang="en-US" sz="1400" dirty="0">
-              <a:solidFill>
-                <a:prstClr val="black"/>
-              </a:solidFill>
-            </a:endParaRPr>
+            <a:endParaRPr sz="1500" dirty="0"/>
           </a:p>
         </p:txBody>
       </p:sp>
